--- a/docs/intermediate-pres.pptx
+++ b/docs/intermediate-pres.pptx
@@ -224,7 +224,7 @@
             <a:fld id="{442DDC49-609A-3B44-A1C6-133788245302}" type="datetime1">
               <a:rPr lang="de-DE" smtClean="0"/>
               <a:pPr/>
-              <a:t>22.06.25</a:t>
+              <a:t>23.06.2025</a:t>
             </a:fld>
             <a:endParaRPr lang="de-DE"/>
           </a:p>
@@ -392,7 +392,7 @@
             <a:fld id="{66C661A5-9AB9-1949-9B9A-C46C190AE8BF}" type="datetime1">
               <a:rPr lang="de-DE" smtClean="0"/>
               <a:pPr/>
-              <a:t>22.06.25</a:t>
+              <a:t>23.06.2025</a:t>
             </a:fld>
             <a:endParaRPr lang="de-DE"/>
           </a:p>
@@ -814,7 +814,7 @@
             <a:fld id="{C5DFC1A0-EAC7-FF46-B484-6832FF4081D7}" type="datetime1">
               <a:rPr lang="de-DE" smtClean="0"/>
               <a:pPr/>
-              <a:t>22.06.25</a:t>
+              <a:t>23.06.2025</a:t>
             </a:fld>
             <a:endParaRPr lang="en-US" dirty="0"/>
           </a:p>
@@ -1244,7 +1244,7 @@
             <a:fld id="{ACF5EF15-2C16-6A49-87B6-C5AFB945A04B}" type="datetime1">
               <a:rPr lang="de-DE" smtClean="0"/>
               <a:pPr/>
-              <a:t>22.06.25</a:t>
+              <a:t>23.06.2025</a:t>
             </a:fld>
             <a:endParaRPr lang="en-US" dirty="0"/>
           </a:p>
@@ -1616,7 +1616,7 @@
             <a:fld id="{ACF5EF15-2C16-6A49-87B6-C5AFB945A04B}" type="datetime1">
               <a:rPr lang="de-DE" smtClean="0"/>
               <a:pPr/>
-              <a:t>22.06.25</a:t>
+              <a:t>23.06.2025</a:t>
             </a:fld>
             <a:endParaRPr lang="en-US" dirty="0"/>
           </a:p>
@@ -1833,7 +1833,7 @@
             <a:fld id="{ACF5EF15-2C16-6A49-87B6-C5AFB945A04B}" type="datetime1">
               <a:rPr lang="de-DE" smtClean="0"/>
               <a:pPr/>
-              <a:t>22.06.25</a:t>
+              <a:t>23.06.2025</a:t>
             </a:fld>
             <a:endParaRPr lang="en-US" dirty="0"/>
           </a:p>
@@ -2017,7 +2017,7 @@
             <a:fld id="{C8A51442-76F6-0047-9EC6-9C35C6FEA6B1}" type="datetime1">
               <a:rPr lang="de-DE" smtClean="0"/>
               <a:pPr/>
-              <a:t>22.06.25</a:t>
+              <a:t>23.06.2025</a:t>
             </a:fld>
             <a:endParaRPr lang="en-US" dirty="0"/>
           </a:p>
@@ -2588,7 +2588,7 @@
             <a:fld id="{ACF5EF15-2C16-6A49-87B6-C5AFB945A04B}" type="datetime1">
               <a:rPr lang="de-DE" smtClean="0"/>
               <a:pPr/>
-              <a:t>22.06.25</a:t>
+              <a:t>23.06.2025</a:t>
             </a:fld>
             <a:endParaRPr lang="en-US" dirty="0"/>
           </a:p>
@@ -2879,7 +2879,7 @@
             <a:fld id="{ACF5EF15-2C16-6A49-87B6-C5AFB945A04B}" type="datetime1">
               <a:rPr lang="de-DE" smtClean="0"/>
               <a:pPr/>
-              <a:t>22.06.25</a:t>
+              <a:t>23.06.2025</a:t>
             </a:fld>
             <a:endParaRPr lang="en-US" dirty="0"/>
           </a:p>
@@ -3178,7 +3178,7 @@
             <a:fld id="{ACF5EF15-2C16-6A49-87B6-C5AFB945A04B}" type="datetime1">
               <a:rPr lang="de-DE" smtClean="0"/>
               <a:pPr/>
-              <a:t>22.06.25</a:t>
+              <a:t>23.06.2025</a:t>
             </a:fld>
             <a:endParaRPr lang="en-US" dirty="0"/>
           </a:p>
@@ -3375,7 +3375,7 @@
                 <a:cs typeface="Times New Roman" panose="02020603050405020304" pitchFamily="18" charset="0"/>
               </a:rPr>
               <a:pPr/>
-              <a:t>22.06.25</a:t>
+              <a:t>23.06.2025</a:t>
             </a:fld>
             <a:endParaRPr lang="en-US" dirty="0">
               <a:latin typeface="Times New Roman" panose="02020603050405020304" pitchFamily="18" charset="0"/>
@@ -4503,7 +4503,7 @@
             <a:fld id="{ACF5EF15-2C16-6A49-87B6-C5AFB945A04B}" type="datetime1">
               <a:rPr lang="de-DE" smtClean="0"/>
               <a:pPr/>
-              <a:t>22.06.25</a:t>
+              <a:t>23.06.2025</a:t>
             </a:fld>
             <a:endParaRPr lang="en-US" dirty="0"/>
           </a:p>
@@ -4846,7 +4846,7 @@
             <a:fld id="{ACF5EF15-2C16-6A49-87B6-C5AFB945A04B}" type="datetime1">
               <a:rPr lang="de-DE" smtClean="0"/>
               <a:pPr/>
-              <a:t>22.06.25</a:t>
+              <a:t>23.06.2025</a:t>
             </a:fld>
             <a:endParaRPr lang="en-US" dirty="0"/>
           </a:p>
@@ -5134,7 +5134,7 @@
             <a:fld id="{ACF5EF15-2C16-6A49-87B6-C5AFB945A04B}" type="datetime1">
               <a:rPr lang="de-DE" smtClean="0"/>
               <a:pPr/>
-              <a:t>22.06.25</a:t>
+              <a:t>23.06.2025</a:t>
             </a:fld>
             <a:endParaRPr lang="en-US" dirty="0"/>
           </a:p>
@@ -5352,7 +5352,7 @@
             <a:fld id="{ACF5EF15-2C16-6A49-87B6-C5AFB945A04B}" type="datetime1">
               <a:rPr lang="de-DE" smtClean="0"/>
               <a:pPr/>
-              <a:t>22.06.25</a:t>
+              <a:t>23.06.2025</a:t>
             </a:fld>
             <a:endParaRPr lang="en-US" dirty="0"/>
           </a:p>
@@ -5743,7 +5743,7 @@
             <a:fld id="{ACF5EF15-2C16-6A49-87B6-C5AFB945A04B}" type="datetime1">
               <a:rPr lang="de-DE" smtClean="0"/>
               <a:pPr/>
-              <a:t>22.06.25</a:t>
+              <a:t>23.06.2025</a:t>
             </a:fld>
             <a:endParaRPr lang="en-US" dirty="0"/>
           </a:p>
@@ -6352,7 +6352,7 @@
             <a:fld id="{ACF5EF15-2C16-6A49-87B6-C5AFB945A04B}" type="datetime1">
               <a:rPr lang="de-DE" smtClean="0"/>
               <a:pPr/>
-              <a:t>22.06.25</a:t>
+              <a:t>23.06.2025</a:t>
             </a:fld>
             <a:endParaRPr lang="en-US" dirty="0"/>
           </a:p>
@@ -7007,7 +7007,7 @@
             <a:fld id="{ACF5EF15-2C16-6A49-87B6-C5AFB945A04B}" type="datetime1">
               <a:rPr lang="de-DE" smtClean="0"/>
               <a:pPr/>
-              <a:t>22.06.25</a:t>
+              <a:t>23.06.2025</a:t>
             </a:fld>
             <a:endParaRPr lang="en-US" dirty="0"/>
           </a:p>
@@ -7188,7 +7188,22 @@
                 <a:latin typeface="Times New Roman" panose="02020603050405020304" pitchFamily="18" charset="0"/>
                 <a:cs typeface="Times New Roman" panose="02020603050405020304" pitchFamily="18" charset="0"/>
               </a:rPr>
-              <a:t>TODO</a:t>
+              <a:t>Using scikit-learn </a:t>
+            </a:r>
+            <a:r>
+              <a:rPr lang="en-US" i="1" dirty="0">
+                <a:latin typeface="Times New Roman" panose="02020603050405020304" pitchFamily="18" charset="0"/>
+                <a:cs typeface="Times New Roman" panose="02020603050405020304" pitchFamily="18" charset="0"/>
+                <a:hlinkClick r:id="rId2"/>
+              </a:rPr>
+              <a:t>https://scikit-learn.org/stable/modules/generated/sklearn.linear_model.LinearRegression.html</a:t>
+            </a:r>
+            <a:r>
+              <a:rPr lang="en-US" i="1" dirty="0">
+                <a:latin typeface="Times New Roman" panose="02020603050405020304" pitchFamily="18" charset="0"/>
+                <a:cs typeface="Times New Roman" panose="02020603050405020304" pitchFamily="18" charset="0"/>
+              </a:rPr>
+              <a:t> </a:t>
             </a:r>
           </a:p>
         </p:txBody>
@@ -7246,7 +7261,7 @@
             <a:fld id="{ACF5EF15-2C16-6A49-87B6-C5AFB945A04B}" type="datetime1">
               <a:rPr lang="de-DE" smtClean="0"/>
               <a:pPr/>
-              <a:t>22.06.25</a:t>
+              <a:t>23.06.2025</a:t>
             </a:fld>
             <a:endParaRPr lang="en-US" dirty="0"/>
           </a:p>
@@ -7307,6 +7322,53 @@
           </a:p>
         </p:txBody>
       </p:sp>
+      <p:pic>
+        <p:nvPicPr>
+          <p:cNvPr id="1026" name="Picture 2">
+            <a:extLst>
+              <a:ext uri="{FF2B5EF4-FFF2-40B4-BE49-F238E27FC236}">
+                <a16:creationId xmlns:a16="http://schemas.microsoft.com/office/drawing/2014/main" id="{205B5544-B289-DAEC-091E-C44BD4D543F4}"/>
+              </a:ext>
+            </a:extLst>
+          </p:cNvPr>
+          <p:cNvPicPr>
+            <a:picLocks noChangeAspect="1" noChangeArrowheads="1"/>
+          </p:cNvPicPr>
+          <p:nvPr/>
+        </p:nvPicPr>
+        <p:blipFill rotWithShape="1">
+          <a:blip r:embed="rId3">
+            <a:extLst>
+              <a:ext uri="{28A0092B-C50C-407E-A947-70E740481C1C}">
+                <a14:useLocalDpi xmlns:a14="http://schemas.microsoft.com/office/drawing/2010/main" val="0"/>
+              </a:ext>
+            </a:extLst>
+          </a:blip>
+          <a:srcRect l="22484" t="29027" r="22376" b="31736"/>
+          <a:stretch>
+            <a:fillRect/>
+          </a:stretch>
+        </p:blipFill>
+        <p:spPr bwMode="auto">
+          <a:xfrm>
+            <a:off x="4700156" y="1491630"/>
+            <a:ext cx="2529755" cy="1800200"/>
+          </a:xfrm>
+          <a:prstGeom prst="rect">
+            <a:avLst/>
+          </a:prstGeom>
+          <a:noFill/>
+          <a:extLst>
+            <a:ext uri="{909E8E84-426E-40DD-AFC4-6F175D3DCCD1}">
+              <a14:hiddenFill xmlns:a14="http://schemas.microsoft.com/office/drawing/2010/main">
+                <a:solidFill>
+                  <a:srgbClr val="FFFFFF"/>
+                </a:solidFill>
+              </a14:hiddenFill>
+            </a:ext>
+          </a:extLst>
+        </p:spPr>
+      </p:pic>
     </p:spTree>
     <p:extLst>
       <p:ext uri="{BB962C8B-B14F-4D97-AF65-F5344CB8AC3E}">

--- a/docs/intermediate-pres.pptx
+++ b/docs/intermediate-pres.pptx
@@ -5,25 +5,26 @@
     <p:sldMasterId id="2147483648" r:id="rId1"/>
   </p:sldMasterIdLst>
   <p:notesMasterIdLst>
-    <p:notesMasterId r:id="rId15"/>
+    <p:notesMasterId r:id="rId16"/>
   </p:notesMasterIdLst>
   <p:handoutMasterIdLst>
-    <p:handoutMasterId r:id="rId16"/>
+    <p:handoutMasterId r:id="rId17"/>
   </p:handoutMasterIdLst>
   <p:sldIdLst>
     <p:sldId id="258" r:id="rId2"/>
     <p:sldId id="259" r:id="rId3"/>
     <p:sldId id="260" r:id="rId4"/>
     <p:sldId id="262" r:id="rId5"/>
-    <p:sldId id="261" r:id="rId6"/>
-    <p:sldId id="264" r:id="rId7"/>
-    <p:sldId id="265" r:id="rId8"/>
-    <p:sldId id="263" r:id="rId9"/>
-    <p:sldId id="268" r:id="rId10"/>
-    <p:sldId id="269" r:id="rId11"/>
-    <p:sldId id="267" r:id="rId12"/>
-    <p:sldId id="270" r:id="rId13"/>
-    <p:sldId id="266" r:id="rId14"/>
+    <p:sldId id="271" r:id="rId6"/>
+    <p:sldId id="261" r:id="rId7"/>
+    <p:sldId id="264" r:id="rId8"/>
+    <p:sldId id="265" r:id="rId9"/>
+    <p:sldId id="263" r:id="rId10"/>
+    <p:sldId id="268" r:id="rId11"/>
+    <p:sldId id="269" r:id="rId12"/>
+    <p:sldId id="267" r:id="rId13"/>
+    <p:sldId id="270" r:id="rId14"/>
+    <p:sldId id="266" r:id="rId15"/>
   </p:sldIdLst>
   <p:sldSz cx="9144000" cy="5143500" type="screen16x9"/>
   <p:notesSz cx="13004800" cy="9753600"/>
@@ -224,7 +225,7 @@
             <a:fld id="{442DDC49-609A-3B44-A1C6-133788245302}" type="datetime1">
               <a:rPr lang="de-DE" smtClean="0"/>
               <a:pPr/>
-              <a:t>23.06.2025</a:t>
+              <a:t>24.06.25</a:t>
             </a:fld>
             <a:endParaRPr lang="de-DE"/>
           </a:p>
@@ -392,7 +393,7 @@
             <a:fld id="{66C661A5-9AB9-1949-9B9A-C46C190AE8BF}" type="datetime1">
               <a:rPr lang="de-DE" smtClean="0"/>
               <a:pPr/>
-              <a:t>23.06.2025</a:t>
+              <a:t>24.06.25</a:t>
             </a:fld>
             <a:endParaRPr lang="de-DE"/>
           </a:p>
@@ -814,7 +815,7 @@
             <a:fld id="{C5DFC1A0-EAC7-FF46-B484-6832FF4081D7}" type="datetime1">
               <a:rPr lang="de-DE" smtClean="0"/>
               <a:pPr/>
-              <a:t>23.06.2025</a:t>
+              <a:t>24.06.25</a:t>
             </a:fld>
             <a:endParaRPr lang="en-US" dirty="0"/>
           </a:p>
@@ -1244,7 +1245,7 @@
             <a:fld id="{ACF5EF15-2C16-6A49-87B6-C5AFB945A04B}" type="datetime1">
               <a:rPr lang="de-DE" smtClean="0"/>
               <a:pPr/>
-              <a:t>23.06.2025</a:t>
+              <a:t>24.06.25</a:t>
             </a:fld>
             <a:endParaRPr lang="en-US" dirty="0"/>
           </a:p>
@@ -1616,7 +1617,7 @@
             <a:fld id="{ACF5EF15-2C16-6A49-87B6-C5AFB945A04B}" type="datetime1">
               <a:rPr lang="de-DE" smtClean="0"/>
               <a:pPr/>
-              <a:t>23.06.2025</a:t>
+              <a:t>24.06.25</a:t>
             </a:fld>
             <a:endParaRPr lang="en-US" dirty="0"/>
           </a:p>
@@ -1833,7 +1834,7 @@
             <a:fld id="{ACF5EF15-2C16-6A49-87B6-C5AFB945A04B}" type="datetime1">
               <a:rPr lang="de-DE" smtClean="0"/>
               <a:pPr/>
-              <a:t>23.06.2025</a:t>
+              <a:t>24.06.25</a:t>
             </a:fld>
             <a:endParaRPr lang="en-US" dirty="0"/>
           </a:p>
@@ -2017,7 +2018,7 @@
             <a:fld id="{C8A51442-76F6-0047-9EC6-9C35C6FEA6B1}" type="datetime1">
               <a:rPr lang="de-DE" smtClean="0"/>
               <a:pPr/>
-              <a:t>23.06.2025</a:t>
+              <a:t>24.06.25</a:t>
             </a:fld>
             <a:endParaRPr lang="en-US" dirty="0"/>
           </a:p>
@@ -2431,6 +2432,307 @@
         <p:cNvPr id="1" name="">
           <a:extLst>
             <a:ext uri="{FF2B5EF4-FFF2-40B4-BE49-F238E27FC236}">
+              <a16:creationId xmlns:a16="http://schemas.microsoft.com/office/drawing/2014/main" id="{4AA49870-27B0-7685-862B-3AEB5695355D}"/>
+            </a:ext>
+          </a:extLst>
+        </p:cNvPr>
+        <p:cNvGrpSpPr/>
+        <p:nvPr/>
+      </p:nvGrpSpPr>
+      <p:grpSpPr>
+        <a:xfrm>
+          <a:off x="0" y="0"/>
+          <a:ext cx="0" cy="0"/>
+          <a:chOff x="0" y="0"/>
+          <a:chExt cx="0" cy="0"/>
+        </a:xfrm>
+      </p:grpSpPr>
+      <p:sp>
+        <p:nvSpPr>
+          <p:cNvPr id="2" name="Title 1">
+            <a:extLst>
+              <a:ext uri="{FF2B5EF4-FFF2-40B4-BE49-F238E27FC236}">
+                <a16:creationId xmlns:a16="http://schemas.microsoft.com/office/drawing/2014/main" id="{66449D65-759A-962E-F4F3-DDF87E12A0DE}"/>
+              </a:ext>
+            </a:extLst>
+          </p:cNvPr>
+          <p:cNvSpPr>
+            <a:spLocks noGrp="1"/>
+          </p:cNvSpPr>
+          <p:nvPr>
+            <p:ph type="title"/>
+          </p:nvPr>
+        </p:nvSpPr>
+        <p:spPr/>
+        <p:txBody>
+          <a:bodyPr/>
+          <a:lstStyle/>
+          <a:p>
+            <a:r>
+              <a:rPr lang="en-US" b="1" dirty="0">
+                <a:latin typeface="Times New Roman" panose="02020603050405020304" pitchFamily="18" charset="0"/>
+                <a:cs typeface="Times New Roman" panose="02020603050405020304" pitchFamily="18" charset="0"/>
+              </a:rPr>
+              <a:t>Different Models </a:t>
+            </a:r>
+            <a:r>
+              <a:rPr lang="en-US" dirty="0">
+                <a:latin typeface="Times New Roman" panose="02020603050405020304" pitchFamily="18" charset="0"/>
+                <a:cs typeface="Times New Roman" panose="02020603050405020304" pitchFamily="18" charset="0"/>
+              </a:rPr>
+              <a:t>–</a:t>
+            </a:r>
+            <a:r>
+              <a:rPr lang="en-US" sz="2400" dirty="0">
+                <a:latin typeface="Times New Roman" panose="02020603050405020304" pitchFamily="18" charset="0"/>
+                <a:cs typeface="Times New Roman" panose="02020603050405020304" pitchFamily="18" charset="0"/>
+              </a:rPr>
+              <a:t> Linear or Polynomial Regression</a:t>
+            </a:r>
+            <a:endParaRPr lang="en-US" dirty="0">
+              <a:latin typeface="Times New Roman" panose="02020603050405020304" pitchFamily="18" charset="0"/>
+              <a:cs typeface="Times New Roman" panose="02020603050405020304" pitchFamily="18" charset="0"/>
+            </a:endParaRPr>
+          </a:p>
+        </p:txBody>
+      </p:sp>
+      <p:sp>
+        <p:nvSpPr>
+          <p:cNvPr id="3" name="Text Placeholder 2">
+            <a:extLst>
+              <a:ext uri="{FF2B5EF4-FFF2-40B4-BE49-F238E27FC236}">
+                <a16:creationId xmlns:a16="http://schemas.microsoft.com/office/drawing/2014/main" id="{5FE36AFA-D0E4-5A70-1353-C70E56DFD640}"/>
+              </a:ext>
+            </a:extLst>
+          </p:cNvPr>
+          <p:cNvSpPr>
+            <a:spLocks noGrp="1"/>
+          </p:cNvSpPr>
+          <p:nvPr>
+            <p:ph type="body" idx="1"/>
+          </p:nvPr>
+        </p:nvSpPr>
+        <p:spPr>
+          <a:xfrm>
+            <a:off x="660800" y="1563638"/>
+            <a:ext cx="3335137" cy="2808312"/>
+          </a:xfrm>
+        </p:spPr>
+        <p:txBody>
+          <a:bodyPr/>
+          <a:lstStyle/>
+          <a:p>
+            <a:pPr marL="342900" indent="-342900">
+              <a:buFont typeface="Wingdings" pitchFamily="2" charset="2"/>
+              <a:buChar char="Ø"/>
+            </a:pPr>
+            <a:r>
+              <a:rPr lang="en-US" i="1" dirty="0">
+                <a:latin typeface="Times New Roman" panose="02020603050405020304" pitchFamily="18" charset="0"/>
+                <a:cs typeface="Times New Roman" panose="02020603050405020304" pitchFamily="18" charset="0"/>
+              </a:rPr>
+              <a:t>Using scikit-learn </a:t>
+            </a:r>
+            <a:r>
+              <a:rPr lang="en-US" i="1" dirty="0">
+                <a:latin typeface="Times New Roman" panose="02020603050405020304" pitchFamily="18" charset="0"/>
+                <a:cs typeface="Times New Roman" panose="02020603050405020304" pitchFamily="18" charset="0"/>
+                <a:hlinkClick r:id="rId2"/>
+              </a:rPr>
+              <a:t>https://scikit-learn.org/stable/modules/generated/sklearn.linear_model.LinearRegression.html</a:t>
+            </a:r>
+            <a:r>
+              <a:rPr lang="en-US" i="1" dirty="0">
+                <a:latin typeface="Times New Roman" panose="02020603050405020304" pitchFamily="18" charset="0"/>
+                <a:cs typeface="Times New Roman" panose="02020603050405020304" pitchFamily="18" charset="0"/>
+              </a:rPr>
+              <a:t> </a:t>
+            </a:r>
+          </a:p>
+        </p:txBody>
+      </p:sp>
+      <p:sp>
+        <p:nvSpPr>
+          <p:cNvPr id="4" name="Footer Placeholder 3">
+            <a:extLst>
+              <a:ext uri="{FF2B5EF4-FFF2-40B4-BE49-F238E27FC236}">
+                <a16:creationId xmlns:a16="http://schemas.microsoft.com/office/drawing/2014/main" id="{B441B04E-B54D-CA82-FA87-EF5BC37F6787}"/>
+              </a:ext>
+            </a:extLst>
+          </p:cNvPr>
+          <p:cNvSpPr>
+            <a:spLocks noGrp="1"/>
+          </p:cNvSpPr>
+          <p:nvPr>
+            <p:ph type="ftr" sz="quarter" idx="3"/>
+          </p:nvPr>
+        </p:nvSpPr>
+        <p:spPr/>
+        <p:txBody>
+          <a:bodyPr/>
+          <a:lstStyle/>
+          <a:p>
+            <a:r>
+              <a:rPr lang="de-DE"/>
+              <a:t>Georg-August-Universität Göttingen</a:t>
+            </a:r>
+            <a:endParaRPr lang="de-DE" dirty="0"/>
+          </a:p>
+        </p:txBody>
+      </p:sp>
+      <p:sp>
+        <p:nvSpPr>
+          <p:cNvPr id="5" name="Date Placeholder 4">
+            <a:extLst>
+              <a:ext uri="{FF2B5EF4-FFF2-40B4-BE49-F238E27FC236}">
+                <a16:creationId xmlns:a16="http://schemas.microsoft.com/office/drawing/2014/main" id="{C615A5CF-9BD7-1252-BB15-AEEFA9100735}"/>
+              </a:ext>
+            </a:extLst>
+          </p:cNvPr>
+          <p:cNvSpPr>
+            <a:spLocks noGrp="1"/>
+          </p:cNvSpPr>
+          <p:nvPr>
+            <p:ph type="dt" sz="half" idx="2"/>
+          </p:nvPr>
+        </p:nvSpPr>
+        <p:spPr/>
+        <p:txBody>
+          <a:bodyPr/>
+          <a:lstStyle/>
+          <a:p>
+            <a:fld id="{ACF5EF15-2C16-6A49-87B6-C5AFB945A04B}" type="datetime1">
+              <a:rPr lang="de-DE" smtClean="0"/>
+              <a:pPr/>
+              <a:t>24.06.25</a:t>
+            </a:fld>
+            <a:endParaRPr lang="en-US" dirty="0"/>
+          </a:p>
+        </p:txBody>
+      </p:sp>
+      <p:sp>
+        <p:nvSpPr>
+          <p:cNvPr id="6" name="Slide Number Placeholder 5">
+            <a:extLst>
+              <a:ext uri="{FF2B5EF4-FFF2-40B4-BE49-F238E27FC236}">
+                <a16:creationId xmlns:a16="http://schemas.microsoft.com/office/drawing/2014/main" id="{87A3A427-7A1A-6DC6-5F8B-989045EA002D}"/>
+              </a:ext>
+            </a:extLst>
+          </p:cNvPr>
+          <p:cNvSpPr>
+            <a:spLocks noGrp="1"/>
+          </p:cNvSpPr>
+          <p:nvPr>
+            <p:ph type="sldNum" sz="quarter" idx="4"/>
+          </p:nvPr>
+        </p:nvSpPr>
+        <p:spPr/>
+        <p:txBody>
+          <a:bodyPr/>
+          <a:lstStyle/>
+          <a:p>
+            <a:fld id="{B6F15528-21DE-4FAA-801E-634DDDAF4B2B}" type="slidenum">
+              <a:rPr lang="de-DE" smtClean="0"/>
+              <a:pPr/>
+              <a:t>10</a:t>
+            </a:fld>
+            <a:endParaRPr lang="de-DE" dirty="0"/>
+          </a:p>
+        </p:txBody>
+      </p:sp>
+      <p:sp>
+        <p:nvSpPr>
+          <p:cNvPr id="7" name="Text Placeholder 6">
+            <a:extLst>
+              <a:ext uri="{FF2B5EF4-FFF2-40B4-BE49-F238E27FC236}">
+                <a16:creationId xmlns:a16="http://schemas.microsoft.com/office/drawing/2014/main" id="{52581F9D-4FEA-92EB-40CF-9EDB007EF78D}"/>
+              </a:ext>
+            </a:extLst>
+          </p:cNvPr>
+          <p:cNvSpPr>
+            <a:spLocks noGrp="1"/>
+          </p:cNvSpPr>
+          <p:nvPr>
+            <p:ph type="body" sz="quarter" idx="12"/>
+          </p:nvPr>
+        </p:nvSpPr>
+        <p:spPr/>
+        <p:txBody>
+          <a:bodyPr/>
+          <a:lstStyle/>
+          <a:p>
+            <a:endParaRPr lang="en-US"/>
+          </a:p>
+        </p:txBody>
+      </p:sp>
+      <p:pic>
+        <p:nvPicPr>
+          <p:cNvPr id="1026" name="Picture 2">
+            <a:extLst>
+              <a:ext uri="{FF2B5EF4-FFF2-40B4-BE49-F238E27FC236}">
+                <a16:creationId xmlns:a16="http://schemas.microsoft.com/office/drawing/2014/main" id="{205B5544-B289-DAEC-091E-C44BD4D543F4}"/>
+              </a:ext>
+            </a:extLst>
+          </p:cNvPr>
+          <p:cNvPicPr>
+            <a:picLocks noChangeAspect="1" noChangeArrowheads="1"/>
+          </p:cNvPicPr>
+          <p:nvPr/>
+        </p:nvPicPr>
+        <p:blipFill rotWithShape="1">
+          <a:blip r:embed="rId3">
+            <a:extLst>
+              <a:ext uri="{28A0092B-C50C-407E-A947-70E740481C1C}">
+                <a14:useLocalDpi xmlns:a14="http://schemas.microsoft.com/office/drawing/2010/main" val="0"/>
+              </a:ext>
+            </a:extLst>
+          </a:blip>
+          <a:srcRect l="22484" t="29027" r="22376" b="31736"/>
+          <a:stretch>
+            <a:fillRect/>
+          </a:stretch>
+        </p:blipFill>
+        <p:spPr bwMode="auto">
+          <a:xfrm>
+            <a:off x="4700156" y="1491630"/>
+            <a:ext cx="2529755" cy="1800200"/>
+          </a:xfrm>
+          <a:prstGeom prst="rect">
+            <a:avLst/>
+          </a:prstGeom>
+          <a:noFill/>
+          <a:extLst>
+            <a:ext uri="{909E8E84-426E-40DD-AFC4-6F175D3DCCD1}">
+              <a14:hiddenFill xmlns:a14="http://schemas.microsoft.com/office/drawing/2010/main">
+                <a:solidFill>
+                  <a:srgbClr val="FFFFFF"/>
+                </a:solidFill>
+              </a14:hiddenFill>
+            </a:ext>
+          </a:extLst>
+        </p:spPr>
+      </p:pic>
+    </p:spTree>
+    <p:extLst>
+      <p:ext uri="{BB962C8B-B14F-4D97-AF65-F5344CB8AC3E}">
+        <p14:creationId xmlns:p14="http://schemas.microsoft.com/office/powerpoint/2010/main" val="4170914606"/>
+      </p:ext>
+    </p:extLst>
+  </p:cSld>
+  <p:clrMapOvr>
+    <a:masterClrMapping/>
+  </p:clrMapOvr>
+</p:sld>
+</file>
+
+<file path=ppt/slides/slide11.xml><?xml version="1.0" encoding="utf-8"?>
+<p:sld xmlns:a="http://schemas.openxmlformats.org/drawingml/2006/main" xmlns:r="http://schemas.openxmlformats.org/officeDocument/2006/relationships" xmlns:p="http://schemas.openxmlformats.org/presentationml/2006/main">
+  <p:cSld>
+    <p:spTree>
+      <p:nvGrpSpPr>
+        <p:cNvPr id="1" name="">
+          <a:extLst>
+            <a:ext uri="{FF2B5EF4-FFF2-40B4-BE49-F238E27FC236}">
               <a16:creationId xmlns:a16="http://schemas.microsoft.com/office/drawing/2014/main" id="{550B74DD-4E15-D82F-3A86-2887C760C174}"/>
             </a:ext>
           </a:extLst>
@@ -2588,7 +2890,7 @@
             <a:fld id="{ACF5EF15-2C16-6A49-87B6-C5AFB945A04B}" type="datetime1">
               <a:rPr lang="de-DE" smtClean="0"/>
               <a:pPr/>
-              <a:t>23.06.2025</a:t>
+              <a:t>24.06.25</a:t>
             </a:fld>
             <a:endParaRPr lang="en-US" dirty="0"/>
           </a:p>
@@ -2618,7 +2920,7 @@
             <a:fld id="{B6F15528-21DE-4FAA-801E-634DDDAF4B2B}" type="slidenum">
               <a:rPr lang="de-DE" smtClean="0"/>
               <a:pPr/>
-              <a:t>10</a:t>
+              <a:t>11</a:t>
             </a:fld>
             <a:endParaRPr lang="de-DE" dirty="0"/>
           </a:p>
@@ -2662,7 +2964,7 @@
 </p:sld>
 </file>
 
-<file path=ppt/slides/slide11.xml><?xml version="1.0" encoding="utf-8"?>
+<file path=ppt/slides/slide12.xml><?xml version="1.0" encoding="utf-8"?>
 <p:sld xmlns:a="http://schemas.openxmlformats.org/drawingml/2006/main" xmlns:r="http://schemas.openxmlformats.org/officeDocument/2006/relationships" xmlns:p="http://schemas.openxmlformats.org/presentationml/2006/main">
   <p:cSld>
     <p:spTree>
@@ -2879,7 +3181,7 @@
             <a:fld id="{ACF5EF15-2C16-6A49-87B6-C5AFB945A04B}" type="datetime1">
               <a:rPr lang="de-DE" smtClean="0"/>
               <a:pPr/>
-              <a:t>23.06.2025</a:t>
+              <a:t>24.06.25</a:t>
             </a:fld>
             <a:endParaRPr lang="en-US" dirty="0"/>
           </a:p>
@@ -2909,7 +3211,7 @@
             <a:fld id="{B6F15528-21DE-4FAA-801E-634DDDAF4B2B}" type="slidenum">
               <a:rPr lang="de-DE" smtClean="0"/>
               <a:pPr/>
-              <a:t>11</a:t>
+              <a:t>12</a:t>
             </a:fld>
             <a:endParaRPr lang="de-DE" dirty="0"/>
           </a:p>
@@ -3013,7 +3315,7 @@
 </p:sld>
 </file>
 
-<file path=ppt/slides/slide12.xml><?xml version="1.0" encoding="utf-8"?>
+<file path=ppt/slides/slide13.xml><?xml version="1.0" encoding="utf-8"?>
 <p:sld xmlns:a="http://schemas.openxmlformats.org/drawingml/2006/main" xmlns:r="http://schemas.openxmlformats.org/officeDocument/2006/relationships" xmlns:p="http://schemas.openxmlformats.org/presentationml/2006/main">
   <p:cSld>
     <p:spTree>
@@ -3178,7 +3480,7 @@
             <a:fld id="{ACF5EF15-2C16-6A49-87B6-C5AFB945A04B}" type="datetime1">
               <a:rPr lang="de-DE" smtClean="0"/>
               <a:pPr/>
-              <a:t>23.06.2025</a:t>
+              <a:t>24.06.25</a:t>
             </a:fld>
             <a:endParaRPr lang="en-US" dirty="0"/>
           </a:p>
@@ -3208,7 +3510,7 @@
             <a:fld id="{B6F15528-21DE-4FAA-801E-634DDDAF4B2B}" type="slidenum">
               <a:rPr lang="de-DE" smtClean="0"/>
               <a:pPr/>
-              <a:t>12</a:t>
+              <a:t>13</a:t>
             </a:fld>
             <a:endParaRPr lang="de-DE" dirty="0"/>
           </a:p>
@@ -3252,7 +3554,7 @@
 </p:sld>
 </file>
 
-<file path=ppt/slides/slide13.xml><?xml version="1.0" encoding="utf-8"?>
+<file path=ppt/slides/slide14.xml><?xml version="1.0" encoding="utf-8"?>
 <p:sld xmlns:a="http://schemas.openxmlformats.org/drawingml/2006/main" xmlns:r="http://schemas.openxmlformats.org/officeDocument/2006/relationships" xmlns:p="http://schemas.openxmlformats.org/presentationml/2006/main">
   <p:cSld>
     <p:spTree>
@@ -3375,7 +3677,7 @@
                 <a:cs typeface="Times New Roman" panose="02020603050405020304" pitchFamily="18" charset="0"/>
               </a:rPr>
               <a:pPr/>
-              <a:t>23.06.2025</a:t>
+              <a:t>24.06.25</a:t>
             </a:fld>
             <a:endParaRPr lang="en-US" dirty="0">
               <a:latin typeface="Times New Roman" panose="02020603050405020304" pitchFamily="18" charset="0"/>
@@ -3411,7 +3713,7 @@
                 <a:cs typeface="Times New Roman" panose="02020603050405020304" pitchFamily="18" charset="0"/>
               </a:rPr>
               <a:pPr/>
-              <a:t>13</a:t>
+              <a:t>14</a:t>
             </a:fld>
             <a:endParaRPr lang="de-DE" dirty="0">
               <a:latin typeface="Times New Roman" panose="02020603050405020304" pitchFamily="18" charset="0"/>
@@ -4503,7 +4805,7 @@
             <a:fld id="{ACF5EF15-2C16-6A49-87B6-C5AFB945A04B}" type="datetime1">
               <a:rPr lang="de-DE" smtClean="0"/>
               <a:pPr/>
-              <a:t>23.06.2025</a:t>
+              <a:t>24.06.25</a:t>
             </a:fld>
             <a:endParaRPr lang="en-US" dirty="0"/>
           </a:p>
@@ -4846,7 +5148,7 @@
             <a:fld id="{ACF5EF15-2C16-6A49-87B6-C5AFB945A04B}" type="datetime1">
               <a:rPr lang="de-DE" smtClean="0"/>
               <a:pPr/>
-              <a:t>23.06.2025</a:t>
+              <a:t>24.06.25</a:t>
             </a:fld>
             <a:endParaRPr lang="en-US" dirty="0"/>
           </a:p>
@@ -5134,7 +5436,7 @@
             <a:fld id="{ACF5EF15-2C16-6A49-87B6-C5AFB945A04B}" type="datetime1">
               <a:rPr lang="de-DE" smtClean="0"/>
               <a:pPr/>
-              <a:t>23.06.2025</a:t>
+              <a:t>24.06.25</a:t>
             </a:fld>
             <a:endParaRPr lang="en-US" dirty="0"/>
           </a:p>
@@ -5246,6 +5548,348 @@
         <p:cNvPr id="1" name="">
           <a:extLst>
             <a:ext uri="{FF2B5EF4-FFF2-40B4-BE49-F238E27FC236}">
+              <a16:creationId xmlns:a16="http://schemas.microsoft.com/office/drawing/2014/main" id="{663EE811-FA88-EDAD-E282-B09C3F35FF1D}"/>
+            </a:ext>
+          </a:extLst>
+        </p:cNvPr>
+        <p:cNvGrpSpPr/>
+        <p:nvPr/>
+      </p:nvGrpSpPr>
+      <p:grpSpPr>
+        <a:xfrm>
+          <a:off x="0" y="0"/>
+          <a:ext cx="0" cy="0"/>
+          <a:chOff x="0" y="0"/>
+          <a:chExt cx="0" cy="0"/>
+        </a:xfrm>
+      </p:grpSpPr>
+      <p:sp>
+        <p:nvSpPr>
+          <p:cNvPr id="2" name="Title 1">
+            <a:extLst>
+              <a:ext uri="{FF2B5EF4-FFF2-40B4-BE49-F238E27FC236}">
+                <a16:creationId xmlns:a16="http://schemas.microsoft.com/office/drawing/2014/main" id="{AD982735-48A6-DDBA-88F0-39570377F2A7}"/>
+              </a:ext>
+            </a:extLst>
+          </p:cNvPr>
+          <p:cNvSpPr>
+            <a:spLocks noGrp="1"/>
+          </p:cNvSpPr>
+          <p:nvPr>
+            <p:ph type="title"/>
+          </p:nvPr>
+        </p:nvSpPr>
+        <p:spPr/>
+        <p:txBody>
+          <a:bodyPr/>
+          <a:lstStyle/>
+          <a:p>
+            <a:r>
+              <a:rPr lang="en-US" b="1" dirty="0">
+                <a:latin typeface="Times New Roman" panose="02020603050405020304" pitchFamily="18" charset="0"/>
+                <a:cs typeface="Times New Roman" panose="02020603050405020304" pitchFamily="18" charset="0"/>
+              </a:rPr>
+              <a:t>Data Cleaning </a:t>
+            </a:r>
+            <a:r>
+              <a:rPr lang="en-US">
+                <a:latin typeface="Times New Roman" panose="02020603050405020304" pitchFamily="18" charset="0"/>
+                <a:cs typeface="Times New Roman" panose="02020603050405020304" pitchFamily="18" charset="0"/>
+              </a:rPr>
+              <a:t>– Enhanced Dataset</a:t>
+            </a:r>
+            <a:endParaRPr lang="en-US" dirty="0">
+              <a:latin typeface="Times New Roman" panose="02020603050405020304" pitchFamily="18" charset="0"/>
+              <a:cs typeface="Times New Roman" panose="02020603050405020304" pitchFamily="18" charset="0"/>
+            </a:endParaRPr>
+          </a:p>
+        </p:txBody>
+      </p:sp>
+      <p:sp>
+        <p:nvSpPr>
+          <p:cNvPr id="3" name="Text Placeholder 2">
+            <a:extLst>
+              <a:ext uri="{FF2B5EF4-FFF2-40B4-BE49-F238E27FC236}">
+                <a16:creationId xmlns:a16="http://schemas.microsoft.com/office/drawing/2014/main" id="{53731BCC-AA2D-B553-6325-B03E095C2BF3}"/>
+              </a:ext>
+            </a:extLst>
+          </p:cNvPr>
+          <p:cNvSpPr>
+            <a:spLocks noGrp="1"/>
+          </p:cNvSpPr>
+          <p:nvPr>
+            <p:ph type="body" idx="1"/>
+          </p:nvPr>
+        </p:nvSpPr>
+        <p:spPr>
+          <a:xfrm>
+            <a:off x="660800" y="1851670"/>
+            <a:ext cx="8143875" cy="2808312"/>
+          </a:xfrm>
+        </p:spPr>
+        <p:txBody>
+          <a:bodyPr/>
+          <a:lstStyle/>
+          <a:p>
+            <a:pPr marL="342900" indent="-342900">
+              <a:buFont typeface="Wingdings" pitchFamily="2" charset="2"/>
+              <a:buChar char="Ø"/>
+            </a:pPr>
+            <a:r>
+              <a:rPr lang="en-US" dirty="0">
+                <a:latin typeface="Times New Roman" panose="02020603050405020304" pitchFamily="18" charset="0"/>
+                <a:cs typeface="Times New Roman" panose="02020603050405020304" pitchFamily="18" charset="0"/>
+              </a:rPr>
+              <a:t>This is the data after running our data cleaning on it.</a:t>
+            </a:r>
+          </a:p>
+        </p:txBody>
+      </p:sp>
+      <p:sp>
+        <p:nvSpPr>
+          <p:cNvPr id="4" name="Footer Placeholder 3">
+            <a:extLst>
+              <a:ext uri="{FF2B5EF4-FFF2-40B4-BE49-F238E27FC236}">
+                <a16:creationId xmlns:a16="http://schemas.microsoft.com/office/drawing/2014/main" id="{9661E0BE-55D3-3C87-796F-3A6BCC678E0C}"/>
+              </a:ext>
+            </a:extLst>
+          </p:cNvPr>
+          <p:cNvSpPr>
+            <a:spLocks noGrp="1"/>
+          </p:cNvSpPr>
+          <p:nvPr>
+            <p:ph type="ftr" sz="quarter" idx="3"/>
+          </p:nvPr>
+        </p:nvSpPr>
+        <p:spPr/>
+        <p:txBody>
+          <a:bodyPr/>
+          <a:lstStyle/>
+          <a:p>
+            <a:r>
+              <a:rPr lang="de-DE"/>
+              <a:t>Georg-August-Universität Göttingen</a:t>
+            </a:r>
+            <a:endParaRPr lang="de-DE" dirty="0"/>
+          </a:p>
+        </p:txBody>
+      </p:sp>
+      <p:sp>
+        <p:nvSpPr>
+          <p:cNvPr id="5" name="Date Placeholder 4">
+            <a:extLst>
+              <a:ext uri="{FF2B5EF4-FFF2-40B4-BE49-F238E27FC236}">
+                <a16:creationId xmlns:a16="http://schemas.microsoft.com/office/drawing/2014/main" id="{A85033BA-4219-2623-41D0-149AF96A0FE4}"/>
+              </a:ext>
+            </a:extLst>
+          </p:cNvPr>
+          <p:cNvSpPr>
+            <a:spLocks noGrp="1"/>
+          </p:cNvSpPr>
+          <p:nvPr>
+            <p:ph type="dt" sz="half" idx="2"/>
+          </p:nvPr>
+        </p:nvSpPr>
+        <p:spPr/>
+        <p:txBody>
+          <a:bodyPr/>
+          <a:lstStyle/>
+          <a:p>
+            <a:fld id="{ACF5EF15-2C16-6A49-87B6-C5AFB945A04B}" type="datetime1">
+              <a:rPr lang="de-DE" smtClean="0"/>
+              <a:pPr/>
+              <a:t>24.06.25</a:t>
+            </a:fld>
+            <a:endParaRPr lang="en-US" dirty="0"/>
+          </a:p>
+        </p:txBody>
+      </p:sp>
+      <p:sp>
+        <p:nvSpPr>
+          <p:cNvPr id="6" name="Slide Number Placeholder 5">
+            <a:extLst>
+              <a:ext uri="{FF2B5EF4-FFF2-40B4-BE49-F238E27FC236}">
+                <a16:creationId xmlns:a16="http://schemas.microsoft.com/office/drawing/2014/main" id="{8952554D-62F0-F185-B5DC-7D15F98564BD}"/>
+              </a:ext>
+            </a:extLst>
+          </p:cNvPr>
+          <p:cNvSpPr>
+            <a:spLocks noGrp="1"/>
+          </p:cNvSpPr>
+          <p:nvPr>
+            <p:ph type="sldNum" sz="quarter" idx="4"/>
+          </p:nvPr>
+        </p:nvSpPr>
+        <p:spPr/>
+        <p:txBody>
+          <a:bodyPr/>
+          <a:lstStyle/>
+          <a:p>
+            <a:fld id="{B6F15528-21DE-4FAA-801E-634DDDAF4B2B}" type="slidenum">
+              <a:rPr lang="de-DE" smtClean="0"/>
+              <a:pPr/>
+              <a:t>5</a:t>
+            </a:fld>
+            <a:endParaRPr lang="de-DE" dirty="0"/>
+          </a:p>
+        </p:txBody>
+      </p:sp>
+      <p:sp>
+        <p:nvSpPr>
+          <p:cNvPr id="7" name="Text Placeholder 6">
+            <a:extLst>
+              <a:ext uri="{FF2B5EF4-FFF2-40B4-BE49-F238E27FC236}">
+                <a16:creationId xmlns:a16="http://schemas.microsoft.com/office/drawing/2014/main" id="{46B7B68E-66B8-F900-89A8-6FB28F905F87}"/>
+              </a:ext>
+            </a:extLst>
+          </p:cNvPr>
+          <p:cNvSpPr>
+            <a:spLocks noGrp="1"/>
+          </p:cNvSpPr>
+          <p:nvPr>
+            <p:ph type="body" sz="quarter" idx="12"/>
+          </p:nvPr>
+        </p:nvSpPr>
+        <p:spPr/>
+        <p:txBody>
+          <a:bodyPr/>
+          <a:lstStyle/>
+          <a:p>
+            <a:endParaRPr lang="en-US"/>
+          </a:p>
+        </p:txBody>
+      </p:sp>
+      <p:pic>
+        <p:nvPicPr>
+          <p:cNvPr id="10" name="Picture 9">
+            <a:extLst>
+              <a:ext uri="{FF2B5EF4-FFF2-40B4-BE49-F238E27FC236}">
+                <a16:creationId xmlns:a16="http://schemas.microsoft.com/office/drawing/2014/main" id="{7FDEBF0F-CFB1-E49D-CFE8-03212BE92236}"/>
+              </a:ext>
+            </a:extLst>
+          </p:cNvPr>
+          <p:cNvPicPr>
+            <a:picLocks noChangeAspect="1"/>
+          </p:cNvPicPr>
+          <p:nvPr/>
+        </p:nvPicPr>
+        <p:blipFill>
+          <a:blip r:embed="rId2"/>
+          <a:stretch>
+            <a:fillRect/>
+          </a:stretch>
+        </p:blipFill>
+        <p:spPr>
+          <a:xfrm>
+            <a:off x="580284" y="2295658"/>
+            <a:ext cx="7983431" cy="663569"/>
+          </a:xfrm>
+          <a:prstGeom prst="rect">
+            <a:avLst/>
+          </a:prstGeom>
+        </p:spPr>
+      </p:pic>
+      <p:cxnSp>
+        <p:nvCxnSpPr>
+          <p:cNvPr id="9" name="Straight Arrow Connector 8">
+            <a:extLst>
+              <a:ext uri="{FF2B5EF4-FFF2-40B4-BE49-F238E27FC236}">
+                <a16:creationId xmlns:a16="http://schemas.microsoft.com/office/drawing/2014/main" id="{E11DC571-F526-8A7A-0378-1241ADC0DD3D}"/>
+              </a:ext>
+            </a:extLst>
+          </p:cNvPr>
+          <p:cNvCxnSpPr/>
+          <p:nvPr/>
+        </p:nvCxnSpPr>
+        <p:spPr>
+          <a:xfrm flipH="1">
+            <a:off x="4572000" y="2959227"/>
+            <a:ext cx="1080120" cy="548627"/>
+          </a:xfrm>
+          <a:prstGeom prst="straightConnector1">
+            <a:avLst/>
+          </a:prstGeom>
+          <a:ln>
+            <a:solidFill>
+              <a:srgbClr val="FF0000"/>
+            </a:solidFill>
+            <a:tailEnd type="triangle"/>
+          </a:ln>
+        </p:spPr>
+        <p:style>
+          <a:lnRef idx="1">
+            <a:schemeClr val="accent1"/>
+          </a:lnRef>
+          <a:fillRef idx="0">
+            <a:schemeClr val="accent1"/>
+          </a:fillRef>
+          <a:effectRef idx="0">
+            <a:schemeClr val="accent1"/>
+          </a:effectRef>
+          <a:fontRef idx="minor">
+            <a:schemeClr val="tx1"/>
+          </a:fontRef>
+        </p:style>
+      </p:cxnSp>
+      <p:sp>
+        <p:nvSpPr>
+          <p:cNvPr id="11" name="TextBox 10">
+            <a:extLst>
+              <a:ext uri="{FF2B5EF4-FFF2-40B4-BE49-F238E27FC236}">
+                <a16:creationId xmlns:a16="http://schemas.microsoft.com/office/drawing/2014/main" id="{B98063EA-E898-1A8E-89BF-AF74B54BDB8F}"/>
+              </a:ext>
+            </a:extLst>
+          </p:cNvPr>
+          <p:cNvSpPr txBox="1"/>
+          <p:nvPr/>
+        </p:nvSpPr>
+        <p:spPr>
+          <a:xfrm>
+            <a:off x="3184771" y="3515780"/>
+            <a:ext cx="4586512" cy="261610"/>
+          </a:xfrm>
+          <a:prstGeom prst="rect">
+            <a:avLst/>
+          </a:prstGeom>
+          <a:noFill/>
+        </p:spPr>
+        <p:txBody>
+          <a:bodyPr wrap="none" rtlCol="0">
+            <a:spAutoFit/>
+          </a:bodyPr>
+          <a:lstStyle/>
+          <a:p>
+            <a:r>
+              <a:rPr lang="en-US" i="1" dirty="0">
+                <a:latin typeface="Times New Roman" panose="02020603050405020304" pitchFamily="18" charset="0"/>
+                <a:cs typeface="Times New Roman" panose="02020603050405020304" pitchFamily="18" charset="0"/>
+              </a:rPr>
+              <a:t>Extract number information like “rooms”, “bathrooms” etc. from this column</a:t>
+            </a:r>
+          </a:p>
+        </p:txBody>
+      </p:sp>
+    </p:spTree>
+    <p:extLst>
+      <p:ext uri="{BB962C8B-B14F-4D97-AF65-F5344CB8AC3E}">
+        <p14:creationId xmlns:p14="http://schemas.microsoft.com/office/powerpoint/2010/main" val="2665032928"/>
+      </p:ext>
+    </p:extLst>
+  </p:cSld>
+  <p:clrMapOvr>
+    <a:masterClrMapping/>
+  </p:clrMapOvr>
+</p:sld>
+</file>
+
+<file path=ppt/slides/slide6.xml><?xml version="1.0" encoding="utf-8"?>
+<p:sld xmlns:a="http://schemas.openxmlformats.org/drawingml/2006/main" xmlns:r="http://schemas.openxmlformats.org/officeDocument/2006/relationships" xmlns:p="http://schemas.openxmlformats.org/presentationml/2006/main">
+  <p:cSld>
+    <p:spTree>
+      <p:nvGrpSpPr>
+        <p:cNvPr id="1" name="">
+          <a:extLst>
+            <a:ext uri="{FF2B5EF4-FFF2-40B4-BE49-F238E27FC236}">
               <a16:creationId xmlns:a16="http://schemas.microsoft.com/office/drawing/2014/main" id="{EDAE4920-01F5-45C1-437D-32954B90B1AF}"/>
             </a:ext>
           </a:extLst>
@@ -5352,7 +5996,7 @@
             <a:fld id="{ACF5EF15-2C16-6A49-87B6-C5AFB945A04B}" type="datetime1">
               <a:rPr lang="de-DE" smtClean="0"/>
               <a:pPr/>
-              <a:t>23.06.2025</a:t>
+              <a:t>24.06.25</a:t>
             </a:fld>
             <a:endParaRPr lang="en-US" dirty="0"/>
           </a:p>
@@ -5382,7 +6026,7 @@
             <a:fld id="{B6F15528-21DE-4FAA-801E-634DDDAF4B2B}" type="slidenum">
               <a:rPr lang="de-DE" smtClean="0"/>
               <a:pPr/>
-              <a:t>5</a:t>
+              <a:t>6</a:t>
             </a:fld>
             <a:endParaRPr lang="de-DE" dirty="0"/>
           </a:p>
@@ -5629,7 +6273,7 @@
 </p:sld>
 </file>
 
-<file path=ppt/slides/slide6.xml><?xml version="1.0" encoding="utf-8"?>
+<file path=ppt/slides/slide7.xml><?xml version="1.0" encoding="utf-8"?>
 <p:sld xmlns:a="http://schemas.openxmlformats.org/drawingml/2006/main" xmlns:r="http://schemas.openxmlformats.org/officeDocument/2006/relationships" xmlns:p="http://schemas.openxmlformats.org/presentationml/2006/main">
   <p:cSld>
     <p:spTree>
@@ -5743,7 +6387,7 @@
             <a:fld id="{ACF5EF15-2C16-6A49-87B6-C5AFB945A04B}" type="datetime1">
               <a:rPr lang="de-DE" smtClean="0"/>
               <a:pPr/>
-              <a:t>23.06.2025</a:t>
+              <a:t>24.06.25</a:t>
             </a:fld>
             <a:endParaRPr lang="en-US" dirty="0"/>
           </a:p>
@@ -5773,7 +6417,7 @@
             <a:fld id="{B6F15528-21DE-4FAA-801E-634DDDAF4B2B}" type="slidenum">
               <a:rPr lang="de-DE" smtClean="0"/>
               <a:pPr/>
-              <a:t>6</a:t>
+              <a:t>7</a:t>
             </a:fld>
             <a:endParaRPr lang="de-DE" dirty="0"/>
           </a:p>
@@ -6238,7 +6882,7 @@
 </p:sld>
 </file>
 
-<file path=ppt/slides/slide7.xml><?xml version="1.0" encoding="utf-8"?>
+<file path=ppt/slides/slide8.xml><?xml version="1.0" encoding="utf-8"?>
 <p:sld xmlns:a="http://schemas.openxmlformats.org/drawingml/2006/main" xmlns:r="http://schemas.openxmlformats.org/officeDocument/2006/relationships" xmlns:p="http://schemas.openxmlformats.org/presentationml/2006/main">
   <p:cSld>
     <p:spTree>
@@ -6352,7 +6996,7 @@
             <a:fld id="{ACF5EF15-2C16-6A49-87B6-C5AFB945A04B}" type="datetime1">
               <a:rPr lang="de-DE" smtClean="0"/>
               <a:pPr/>
-              <a:t>23.06.2025</a:t>
+              <a:t>24.06.25</a:t>
             </a:fld>
             <a:endParaRPr lang="en-US" dirty="0"/>
           </a:p>
@@ -6382,7 +7026,7 @@
             <a:fld id="{B6F15528-21DE-4FAA-801E-634DDDAF4B2B}" type="slidenum">
               <a:rPr lang="de-DE" smtClean="0"/>
               <a:pPr/>
-              <a:t>7</a:t>
+              <a:t>8</a:t>
             </a:fld>
             <a:endParaRPr lang="de-DE" dirty="0"/>
           </a:p>
@@ -6786,7 +7430,7 @@
 </p:sld>
 </file>
 
-<file path=ppt/slides/slide8.xml><?xml version="1.0" encoding="utf-8"?>
+<file path=ppt/slides/slide9.xml><?xml version="1.0" encoding="utf-8"?>
 <p:sld xmlns:a="http://schemas.openxmlformats.org/drawingml/2006/main" xmlns:r="http://schemas.openxmlformats.org/officeDocument/2006/relationships" xmlns:p="http://schemas.openxmlformats.org/presentationml/2006/main">
   <p:cSld>
     <p:spTree>
@@ -7007,7 +7651,7 @@
             <a:fld id="{ACF5EF15-2C16-6A49-87B6-C5AFB945A04B}" type="datetime1">
               <a:rPr lang="de-DE" smtClean="0"/>
               <a:pPr/>
-              <a:t>23.06.2025</a:t>
+              <a:t>24.06.25</a:t>
             </a:fld>
             <a:endParaRPr lang="en-US" dirty="0"/>
           </a:p>
@@ -7019,260 +7663,6 @@
             <a:extLst>
               <a:ext uri="{FF2B5EF4-FFF2-40B4-BE49-F238E27FC236}">
                 <a16:creationId xmlns:a16="http://schemas.microsoft.com/office/drawing/2014/main" id="{244DBDB4-F8FC-39A8-A156-A15C1B79C81D}"/>
-              </a:ext>
-            </a:extLst>
-          </p:cNvPr>
-          <p:cNvSpPr>
-            <a:spLocks noGrp="1"/>
-          </p:cNvSpPr>
-          <p:nvPr>
-            <p:ph type="sldNum" sz="quarter" idx="4"/>
-          </p:nvPr>
-        </p:nvSpPr>
-        <p:spPr/>
-        <p:txBody>
-          <a:bodyPr/>
-          <a:lstStyle/>
-          <a:p>
-            <a:fld id="{B6F15528-21DE-4FAA-801E-634DDDAF4B2B}" type="slidenum">
-              <a:rPr lang="de-DE" smtClean="0"/>
-              <a:pPr/>
-              <a:t>8</a:t>
-            </a:fld>
-            <a:endParaRPr lang="de-DE" dirty="0"/>
-          </a:p>
-        </p:txBody>
-      </p:sp>
-      <p:sp>
-        <p:nvSpPr>
-          <p:cNvPr id="7" name="Text Placeholder 6">
-            <a:extLst>
-              <a:ext uri="{FF2B5EF4-FFF2-40B4-BE49-F238E27FC236}">
-                <a16:creationId xmlns:a16="http://schemas.microsoft.com/office/drawing/2014/main" id="{14427F3E-7D6A-2E12-E5A2-F2EA77DFD9C9}"/>
-              </a:ext>
-            </a:extLst>
-          </p:cNvPr>
-          <p:cNvSpPr>
-            <a:spLocks noGrp="1"/>
-          </p:cNvSpPr>
-          <p:nvPr>
-            <p:ph type="body" sz="quarter" idx="12"/>
-          </p:nvPr>
-        </p:nvSpPr>
-        <p:spPr/>
-        <p:txBody>
-          <a:bodyPr/>
-          <a:lstStyle/>
-          <a:p>
-            <a:endParaRPr lang="en-US"/>
-          </a:p>
-        </p:txBody>
-      </p:sp>
-    </p:spTree>
-    <p:extLst>
-      <p:ext uri="{BB962C8B-B14F-4D97-AF65-F5344CB8AC3E}">
-        <p14:creationId xmlns:p14="http://schemas.microsoft.com/office/powerpoint/2010/main" val="1244078694"/>
-      </p:ext>
-    </p:extLst>
-  </p:cSld>
-  <p:clrMapOvr>
-    <a:masterClrMapping/>
-  </p:clrMapOvr>
-</p:sld>
-</file>
-
-<file path=ppt/slides/slide9.xml><?xml version="1.0" encoding="utf-8"?>
-<p:sld xmlns:a="http://schemas.openxmlformats.org/drawingml/2006/main" xmlns:r="http://schemas.openxmlformats.org/officeDocument/2006/relationships" xmlns:p="http://schemas.openxmlformats.org/presentationml/2006/main">
-  <p:cSld>
-    <p:spTree>
-      <p:nvGrpSpPr>
-        <p:cNvPr id="1" name="">
-          <a:extLst>
-            <a:ext uri="{FF2B5EF4-FFF2-40B4-BE49-F238E27FC236}">
-              <a16:creationId xmlns:a16="http://schemas.microsoft.com/office/drawing/2014/main" id="{4AA49870-27B0-7685-862B-3AEB5695355D}"/>
-            </a:ext>
-          </a:extLst>
-        </p:cNvPr>
-        <p:cNvGrpSpPr/>
-        <p:nvPr/>
-      </p:nvGrpSpPr>
-      <p:grpSpPr>
-        <a:xfrm>
-          <a:off x="0" y="0"/>
-          <a:ext cx="0" cy="0"/>
-          <a:chOff x="0" y="0"/>
-          <a:chExt cx="0" cy="0"/>
-        </a:xfrm>
-      </p:grpSpPr>
-      <p:sp>
-        <p:nvSpPr>
-          <p:cNvPr id="2" name="Title 1">
-            <a:extLst>
-              <a:ext uri="{FF2B5EF4-FFF2-40B4-BE49-F238E27FC236}">
-                <a16:creationId xmlns:a16="http://schemas.microsoft.com/office/drawing/2014/main" id="{66449D65-759A-962E-F4F3-DDF87E12A0DE}"/>
-              </a:ext>
-            </a:extLst>
-          </p:cNvPr>
-          <p:cNvSpPr>
-            <a:spLocks noGrp="1"/>
-          </p:cNvSpPr>
-          <p:nvPr>
-            <p:ph type="title"/>
-          </p:nvPr>
-        </p:nvSpPr>
-        <p:spPr/>
-        <p:txBody>
-          <a:bodyPr/>
-          <a:lstStyle/>
-          <a:p>
-            <a:r>
-              <a:rPr lang="en-US" b="1" dirty="0">
-                <a:latin typeface="Times New Roman" panose="02020603050405020304" pitchFamily="18" charset="0"/>
-                <a:cs typeface="Times New Roman" panose="02020603050405020304" pitchFamily="18" charset="0"/>
-              </a:rPr>
-              <a:t>Different Models </a:t>
-            </a:r>
-            <a:r>
-              <a:rPr lang="en-US" dirty="0">
-                <a:latin typeface="Times New Roman" panose="02020603050405020304" pitchFamily="18" charset="0"/>
-                <a:cs typeface="Times New Roman" panose="02020603050405020304" pitchFamily="18" charset="0"/>
-              </a:rPr>
-              <a:t>–</a:t>
-            </a:r>
-            <a:r>
-              <a:rPr lang="en-US" sz="2400" dirty="0">
-                <a:latin typeface="Times New Roman" panose="02020603050405020304" pitchFamily="18" charset="0"/>
-                <a:cs typeface="Times New Roman" panose="02020603050405020304" pitchFamily="18" charset="0"/>
-              </a:rPr>
-              <a:t> Linear or Polynomial Regression</a:t>
-            </a:r>
-            <a:endParaRPr lang="en-US" dirty="0">
-              <a:latin typeface="Times New Roman" panose="02020603050405020304" pitchFamily="18" charset="0"/>
-              <a:cs typeface="Times New Roman" panose="02020603050405020304" pitchFamily="18" charset="0"/>
-            </a:endParaRPr>
-          </a:p>
-        </p:txBody>
-      </p:sp>
-      <p:sp>
-        <p:nvSpPr>
-          <p:cNvPr id="3" name="Text Placeholder 2">
-            <a:extLst>
-              <a:ext uri="{FF2B5EF4-FFF2-40B4-BE49-F238E27FC236}">
-                <a16:creationId xmlns:a16="http://schemas.microsoft.com/office/drawing/2014/main" id="{5FE36AFA-D0E4-5A70-1353-C70E56DFD640}"/>
-              </a:ext>
-            </a:extLst>
-          </p:cNvPr>
-          <p:cNvSpPr>
-            <a:spLocks noGrp="1"/>
-          </p:cNvSpPr>
-          <p:nvPr>
-            <p:ph type="body" idx="1"/>
-          </p:nvPr>
-        </p:nvSpPr>
-        <p:spPr>
-          <a:xfrm>
-            <a:off x="660800" y="1563638"/>
-            <a:ext cx="3335137" cy="2808312"/>
-          </a:xfrm>
-        </p:spPr>
-        <p:txBody>
-          <a:bodyPr/>
-          <a:lstStyle/>
-          <a:p>
-            <a:pPr marL="342900" indent="-342900">
-              <a:buFont typeface="Wingdings" pitchFamily="2" charset="2"/>
-              <a:buChar char="Ø"/>
-            </a:pPr>
-            <a:r>
-              <a:rPr lang="en-US" i="1" dirty="0">
-                <a:latin typeface="Times New Roman" panose="02020603050405020304" pitchFamily="18" charset="0"/>
-                <a:cs typeface="Times New Roman" panose="02020603050405020304" pitchFamily="18" charset="0"/>
-              </a:rPr>
-              <a:t>Using scikit-learn </a:t>
-            </a:r>
-            <a:r>
-              <a:rPr lang="en-US" i="1" dirty="0">
-                <a:latin typeface="Times New Roman" panose="02020603050405020304" pitchFamily="18" charset="0"/>
-                <a:cs typeface="Times New Roman" panose="02020603050405020304" pitchFamily="18" charset="0"/>
-                <a:hlinkClick r:id="rId2"/>
-              </a:rPr>
-              <a:t>https://scikit-learn.org/stable/modules/generated/sklearn.linear_model.LinearRegression.html</a:t>
-            </a:r>
-            <a:r>
-              <a:rPr lang="en-US" i="1" dirty="0">
-                <a:latin typeface="Times New Roman" panose="02020603050405020304" pitchFamily="18" charset="0"/>
-                <a:cs typeface="Times New Roman" panose="02020603050405020304" pitchFamily="18" charset="0"/>
-              </a:rPr>
-              <a:t> </a:t>
-            </a:r>
-          </a:p>
-        </p:txBody>
-      </p:sp>
-      <p:sp>
-        <p:nvSpPr>
-          <p:cNvPr id="4" name="Footer Placeholder 3">
-            <a:extLst>
-              <a:ext uri="{FF2B5EF4-FFF2-40B4-BE49-F238E27FC236}">
-                <a16:creationId xmlns:a16="http://schemas.microsoft.com/office/drawing/2014/main" id="{B441B04E-B54D-CA82-FA87-EF5BC37F6787}"/>
-              </a:ext>
-            </a:extLst>
-          </p:cNvPr>
-          <p:cNvSpPr>
-            <a:spLocks noGrp="1"/>
-          </p:cNvSpPr>
-          <p:nvPr>
-            <p:ph type="ftr" sz="quarter" idx="3"/>
-          </p:nvPr>
-        </p:nvSpPr>
-        <p:spPr/>
-        <p:txBody>
-          <a:bodyPr/>
-          <a:lstStyle/>
-          <a:p>
-            <a:r>
-              <a:rPr lang="de-DE"/>
-              <a:t>Georg-August-Universität Göttingen</a:t>
-            </a:r>
-            <a:endParaRPr lang="de-DE" dirty="0"/>
-          </a:p>
-        </p:txBody>
-      </p:sp>
-      <p:sp>
-        <p:nvSpPr>
-          <p:cNvPr id="5" name="Date Placeholder 4">
-            <a:extLst>
-              <a:ext uri="{FF2B5EF4-FFF2-40B4-BE49-F238E27FC236}">
-                <a16:creationId xmlns:a16="http://schemas.microsoft.com/office/drawing/2014/main" id="{C615A5CF-9BD7-1252-BB15-AEEFA9100735}"/>
-              </a:ext>
-            </a:extLst>
-          </p:cNvPr>
-          <p:cNvSpPr>
-            <a:spLocks noGrp="1"/>
-          </p:cNvSpPr>
-          <p:nvPr>
-            <p:ph type="dt" sz="half" idx="2"/>
-          </p:nvPr>
-        </p:nvSpPr>
-        <p:spPr/>
-        <p:txBody>
-          <a:bodyPr/>
-          <a:lstStyle/>
-          <a:p>
-            <a:fld id="{ACF5EF15-2C16-6A49-87B6-C5AFB945A04B}" type="datetime1">
-              <a:rPr lang="de-DE" smtClean="0"/>
-              <a:pPr/>
-              <a:t>23.06.2025</a:t>
-            </a:fld>
-            <a:endParaRPr lang="en-US" dirty="0"/>
-          </a:p>
-        </p:txBody>
-      </p:sp>
-      <p:sp>
-        <p:nvSpPr>
-          <p:cNvPr id="6" name="Slide Number Placeholder 5">
-            <a:extLst>
-              <a:ext uri="{FF2B5EF4-FFF2-40B4-BE49-F238E27FC236}">
-                <a16:creationId xmlns:a16="http://schemas.microsoft.com/office/drawing/2014/main" id="{87A3A427-7A1A-6DC6-5F8B-989045EA002D}"/>
               </a:ext>
             </a:extLst>
           </p:cNvPr>
@@ -7302,7 +7692,7 @@
           <p:cNvPr id="7" name="Text Placeholder 6">
             <a:extLst>
               <a:ext uri="{FF2B5EF4-FFF2-40B4-BE49-F238E27FC236}">
-                <a16:creationId xmlns:a16="http://schemas.microsoft.com/office/drawing/2014/main" id="{52581F9D-4FEA-92EB-40CF-9EDB007EF78D}"/>
+                <a16:creationId xmlns:a16="http://schemas.microsoft.com/office/drawing/2014/main" id="{14427F3E-7D6A-2E12-E5A2-F2EA77DFD9C9}"/>
               </a:ext>
             </a:extLst>
           </p:cNvPr>
@@ -7322,57 +7712,10 @@
           </a:p>
         </p:txBody>
       </p:sp>
-      <p:pic>
-        <p:nvPicPr>
-          <p:cNvPr id="1026" name="Picture 2">
-            <a:extLst>
-              <a:ext uri="{FF2B5EF4-FFF2-40B4-BE49-F238E27FC236}">
-                <a16:creationId xmlns:a16="http://schemas.microsoft.com/office/drawing/2014/main" id="{205B5544-B289-DAEC-091E-C44BD4D543F4}"/>
-              </a:ext>
-            </a:extLst>
-          </p:cNvPr>
-          <p:cNvPicPr>
-            <a:picLocks noChangeAspect="1" noChangeArrowheads="1"/>
-          </p:cNvPicPr>
-          <p:nvPr/>
-        </p:nvPicPr>
-        <p:blipFill rotWithShape="1">
-          <a:blip r:embed="rId3">
-            <a:extLst>
-              <a:ext uri="{28A0092B-C50C-407E-A947-70E740481C1C}">
-                <a14:useLocalDpi xmlns:a14="http://schemas.microsoft.com/office/drawing/2010/main" val="0"/>
-              </a:ext>
-            </a:extLst>
-          </a:blip>
-          <a:srcRect l="22484" t="29027" r="22376" b="31736"/>
-          <a:stretch>
-            <a:fillRect/>
-          </a:stretch>
-        </p:blipFill>
-        <p:spPr bwMode="auto">
-          <a:xfrm>
-            <a:off x="4700156" y="1491630"/>
-            <a:ext cx="2529755" cy="1800200"/>
-          </a:xfrm>
-          <a:prstGeom prst="rect">
-            <a:avLst/>
-          </a:prstGeom>
-          <a:noFill/>
-          <a:extLst>
-            <a:ext uri="{909E8E84-426E-40DD-AFC4-6F175D3DCCD1}">
-              <a14:hiddenFill xmlns:a14="http://schemas.microsoft.com/office/drawing/2010/main">
-                <a:solidFill>
-                  <a:srgbClr val="FFFFFF"/>
-                </a:solidFill>
-              </a14:hiddenFill>
-            </a:ext>
-          </a:extLst>
-        </p:spPr>
-      </p:pic>
     </p:spTree>
     <p:extLst>
       <p:ext uri="{BB962C8B-B14F-4D97-AF65-F5344CB8AC3E}">
-        <p14:creationId xmlns:p14="http://schemas.microsoft.com/office/powerpoint/2010/main" val="4170914606"/>
+        <p14:creationId xmlns:p14="http://schemas.microsoft.com/office/powerpoint/2010/main" val="1244078694"/>
       </p:ext>
     </p:extLst>
   </p:cSld>

--- a/docs/intermediate-pres.pptx
+++ b/docs/intermediate-pres.pptx
@@ -2748,6 +2748,53 @@
           <a:chExt cx="0" cy="0"/>
         </a:xfrm>
       </p:grpSpPr>
+      <p:pic>
+        <p:nvPicPr>
+          <p:cNvPr id="1026" name="Picture 2" descr="undefined">
+            <a:extLst>
+              <a:ext uri="{FF2B5EF4-FFF2-40B4-BE49-F238E27FC236}">
+                <a16:creationId xmlns:a16="http://schemas.microsoft.com/office/drawing/2014/main" id="{FCA95A0A-51E2-E8D8-4E82-18CF709AE5F5}"/>
+              </a:ext>
+            </a:extLst>
+          </p:cNvPr>
+          <p:cNvPicPr>
+            <a:picLocks noChangeAspect="1" noChangeArrowheads="1"/>
+          </p:cNvPicPr>
+          <p:nvPr/>
+        </p:nvPicPr>
+        <p:blipFill>
+          <a:blip r:embed="rId2">
+            <a:extLst>
+              <a:ext uri="{28A0092B-C50C-407E-A947-70E740481C1C}">
+                <a14:useLocalDpi xmlns:a14="http://schemas.microsoft.com/office/drawing/2010/main" val="0"/>
+              </a:ext>
+            </a:extLst>
+          </a:blip>
+          <a:srcRect/>
+          <a:stretch>
+            <a:fillRect/>
+          </a:stretch>
+        </p:blipFill>
+        <p:spPr bwMode="auto">
+          <a:xfrm>
+            <a:off x="4310837" y="1669946"/>
+            <a:ext cx="4614568" cy="2595695"/>
+          </a:xfrm>
+          <a:prstGeom prst="rect">
+            <a:avLst/>
+          </a:prstGeom>
+          <a:noFill/>
+          <a:extLst>
+            <a:ext uri="{909E8E84-426E-40DD-AFC4-6F175D3DCCD1}">
+              <a14:hiddenFill xmlns:a14="http://schemas.microsoft.com/office/drawing/2010/main">
+                <a:solidFill>
+                  <a:srgbClr val="FFFFFF"/>
+                </a:solidFill>
+              </a14:hiddenFill>
+            </a:ext>
+          </a:extLst>
+        </p:spPr>
+      </p:pic>
       <p:sp>
         <p:nvSpPr>
           <p:cNvPr id="2" name="Title 1">
@@ -2816,7 +2863,7 @@
         <p:spPr>
           <a:xfrm>
             <a:off x="660800" y="1563638"/>
-            <a:ext cx="3335137" cy="2808312"/>
+            <a:ext cx="3335136" cy="2808312"/>
           </a:xfrm>
         </p:spPr>
         <p:txBody>
@@ -2828,12 +2875,50 @@
               <a:buChar char="Ø"/>
             </a:pPr>
             <a:r>
+              <a:rPr lang="en-US" b="1" dirty="0">
+                <a:latin typeface="Times New Roman" panose="02020603050405020304" pitchFamily="18" charset="0"/>
+                <a:cs typeface="Times New Roman" panose="02020603050405020304" pitchFamily="18" charset="0"/>
+              </a:rPr>
+              <a:t>Random Forest &amp; Gradient Boosting</a:t>
+            </a:r>
+          </a:p>
+          <a:p>
+            <a:pPr marL="342900" indent="-342900">
+              <a:buFont typeface="Wingdings" pitchFamily="2" charset="2"/>
+              <a:buChar char="Ø"/>
+            </a:pPr>
+            <a:r>
               <a:rPr lang="en-US" i="1" dirty="0">
                 <a:latin typeface="Times New Roman" panose="02020603050405020304" pitchFamily="18" charset="0"/>
                 <a:cs typeface="Times New Roman" panose="02020603050405020304" pitchFamily="18" charset="0"/>
               </a:rPr>
-              <a:t>TODO</a:t>
-            </a:r>
+              <a:t>https://scikit-</a:t>
+            </a:r>
+            <a:r>
+              <a:rPr lang="en-US" i="1" dirty="0" err="1">
+                <a:latin typeface="Times New Roman" panose="02020603050405020304" pitchFamily="18" charset="0"/>
+                <a:cs typeface="Times New Roman" panose="02020603050405020304" pitchFamily="18" charset="0"/>
+              </a:rPr>
+              <a:t>learn.org</a:t>
+            </a:r>
+            <a:r>
+              <a:rPr lang="en-US" i="1" dirty="0">
+                <a:latin typeface="Times New Roman" panose="02020603050405020304" pitchFamily="18" charset="0"/>
+                <a:cs typeface="Times New Roman" panose="02020603050405020304" pitchFamily="18" charset="0"/>
+              </a:rPr>
+              <a:t>/stable/modules/generated/</a:t>
+            </a:r>
+            <a:r>
+              <a:rPr lang="en-US" i="1" dirty="0" err="1">
+                <a:latin typeface="Times New Roman" panose="02020603050405020304" pitchFamily="18" charset="0"/>
+                <a:cs typeface="Times New Roman" panose="02020603050405020304" pitchFamily="18" charset="0"/>
+              </a:rPr>
+              <a:t>sklearn.ensemble.RandomForestClassifier.html</a:t>
+            </a:r>
+            <a:endParaRPr lang="en-US" i="1" dirty="0">
+              <a:latin typeface="Times New Roman" panose="02020603050405020304" pitchFamily="18" charset="0"/>
+              <a:cs typeface="Times New Roman" panose="02020603050405020304" pitchFamily="18" charset="0"/>
+            </a:endParaRPr>
           </a:p>
         </p:txBody>
       </p:sp>

--- a/docs/intermediate-pres.pptx
+++ b/docs/intermediate-pres.pptx
@@ -5,10 +5,10 @@
     <p:sldMasterId id="2147483648" r:id="rId1"/>
   </p:sldMasterIdLst>
   <p:notesMasterIdLst>
-    <p:notesMasterId r:id="rId16"/>
+    <p:notesMasterId r:id="rId22"/>
   </p:notesMasterIdLst>
   <p:handoutMasterIdLst>
-    <p:handoutMasterId r:id="rId17"/>
+    <p:handoutMasterId r:id="rId23"/>
   </p:handoutMasterIdLst>
   <p:sldIdLst>
     <p:sldId id="258" r:id="rId2"/>
@@ -24,7 +24,13 @@
     <p:sldId id="269" r:id="rId12"/>
     <p:sldId id="267" r:id="rId13"/>
     <p:sldId id="270" r:id="rId14"/>
-    <p:sldId id="266" r:id="rId15"/>
+    <p:sldId id="272" r:id="rId15"/>
+    <p:sldId id="276" r:id="rId16"/>
+    <p:sldId id="277" r:id="rId17"/>
+    <p:sldId id="274" r:id="rId18"/>
+    <p:sldId id="278" r:id="rId19"/>
+    <p:sldId id="266" r:id="rId20"/>
+    <p:sldId id="256" r:id="rId21"/>
   </p:sldIdLst>
   <p:sldSz cx="9144000" cy="5143500" type="screen16x9"/>
   <p:notesSz cx="13004800" cy="9753600"/>
@@ -664,6 +670,156 @@
 </p:notesMaster>
 </file>
 
+<file path=ppt/notesSlides/notesSlide1.xml><?xml version="1.0" encoding="utf-8"?>
+<p:notes xmlns:a="http://schemas.openxmlformats.org/drawingml/2006/main" xmlns:r="http://schemas.openxmlformats.org/officeDocument/2006/relationships" xmlns:p="http://schemas.openxmlformats.org/presentationml/2006/main" showMasterSp="0" showMasterPhAnim="0">
+  <p:cSld>
+    <p:spTree>
+      <p:nvGrpSpPr>
+        <p:cNvPr id="1" name="Shape 46"/>
+        <p:cNvGrpSpPr/>
+        <p:nvPr/>
+      </p:nvGrpSpPr>
+      <p:grpSpPr>
+        <a:xfrm>
+          <a:off x="0" y="0"/>
+          <a:ext cx="0" cy="0"/>
+          <a:chOff x="0" y="0"/>
+          <a:chExt cx="0" cy="0"/>
+        </a:xfrm>
+      </p:grpSpPr>
+      <p:sp>
+        <p:nvSpPr>
+          <p:cNvPr id="47" name="Google Shape;47;g33d3e6bd331_0_0:notes"/>
+          <p:cNvSpPr>
+            <a:spLocks noGrp="1" noRot="1" noChangeAspect="1"/>
+          </p:cNvSpPr>
+          <p:nvPr>
+            <p:ph type="sldImg" idx="2"/>
+          </p:nvPr>
+        </p:nvSpPr>
+        <p:spPr>
+          <a:xfrm>
+            <a:off x="3251200" y="731838"/>
+            <a:ext cx="6502400" cy="3657600"/>
+          </a:xfrm>
+          <a:custGeom>
+            <a:avLst/>
+            <a:gdLst/>
+            <a:ahLst/>
+            <a:cxnLst/>
+            <a:rect l="l" t="t" r="r" b="b"/>
+            <a:pathLst>
+              <a:path w="120000" h="120000" extrusionOk="0">
+                <a:moveTo>
+                  <a:pt x="0" y="0"/>
+                </a:moveTo>
+                <a:lnTo>
+                  <a:pt x="120000" y="0"/>
+                </a:lnTo>
+                <a:lnTo>
+                  <a:pt x="120000" y="120000"/>
+                </a:lnTo>
+                <a:lnTo>
+                  <a:pt x="0" y="120000"/>
+                </a:lnTo>
+                <a:close/>
+              </a:path>
+            </a:pathLst>
+          </a:custGeom>
+        </p:spPr>
+      </p:sp>
+      <p:sp>
+        <p:nvSpPr>
+          <p:cNvPr id="48" name="Google Shape;48;g33d3e6bd331_0_0:notes"/>
+          <p:cNvSpPr txBox="1">
+            <a:spLocks noGrp="1"/>
+          </p:cNvSpPr>
+          <p:nvPr>
+            <p:ph type="body" idx="1"/>
+          </p:nvPr>
+        </p:nvSpPr>
+        <p:spPr>
+          <a:xfrm>
+            <a:off x="1300163" y="4632325"/>
+            <a:ext cx="10404600" cy="4389300"/>
+          </a:xfrm>
+          <a:prstGeom prst="rect">
+            <a:avLst/>
+          </a:prstGeom>
+        </p:spPr>
+        <p:txBody>
+          <a:bodyPr spcFirstLastPara="1" wrap="square" lIns="91425" tIns="45700" rIns="91425" bIns="45700" anchor="t" anchorCtr="0">
+            <a:noAutofit/>
+          </a:bodyPr>
+          <a:lstStyle/>
+          <a:p>
+            <a:pPr marL="0" lvl="0" indent="0" algn="l" rtl="0">
+              <a:spcBef>
+                <a:spcPts val="0"/>
+              </a:spcBef>
+              <a:spcAft>
+                <a:spcPts val="0"/>
+              </a:spcAft>
+              <a:buNone/>
+            </a:pPr>
+            <a:endParaRPr/>
+          </a:p>
+        </p:txBody>
+      </p:sp>
+      <p:sp>
+        <p:nvSpPr>
+          <p:cNvPr id="49" name="Google Shape;49;g33d3e6bd331_0_0:notes"/>
+          <p:cNvSpPr txBox="1">
+            <a:spLocks noGrp="1"/>
+          </p:cNvSpPr>
+          <p:nvPr>
+            <p:ph type="sldNum" idx="12"/>
+          </p:nvPr>
+        </p:nvSpPr>
+        <p:spPr>
+          <a:xfrm>
+            <a:off x="7366000" y="9264650"/>
+            <a:ext cx="5635500" cy="487500"/>
+          </a:xfrm>
+          <a:prstGeom prst="rect">
+            <a:avLst/>
+          </a:prstGeom>
+        </p:spPr>
+        <p:txBody>
+          <a:bodyPr spcFirstLastPara="1" wrap="square" lIns="91425" tIns="45700" rIns="91425" bIns="45700" anchor="b" anchorCtr="0">
+            <a:noAutofit/>
+          </a:bodyPr>
+          <a:lstStyle/>
+          <a:p>
+            <a:pPr marL="0" lvl="0" indent="0" algn="r" rtl="0">
+              <a:spcBef>
+                <a:spcPts val="0"/>
+              </a:spcBef>
+              <a:spcAft>
+                <a:spcPts val="0"/>
+              </a:spcAft>
+              <a:buClr>
+                <a:srgbClr val="000000"/>
+              </a:buClr>
+              <a:buFont typeface="Arial"/>
+              <a:buNone/>
+            </a:pPr>
+            <a:fld id="{00000000-1234-1234-1234-123412341234}" type="slidenum">
+              <a:rPr lang="en-US"/>
+              <a:t>20</a:t>
+            </a:fld>
+            <a:endParaRPr/>
+          </a:p>
+        </p:txBody>
+      </p:sp>
+    </p:spTree>
+  </p:cSld>
+  <p:clrMapOvr>
+    <a:masterClrMapping/>
+  </p:clrMapOvr>
+</p:notes>
+</file>
+
 <file path=ppt/slideLayouts/slideLayout1.xml><?xml version="1.0" encoding="utf-8"?>
 <p:sldLayout xmlns:a="http://schemas.openxmlformats.org/drawingml/2006/main" xmlns:r="http://schemas.openxmlformats.org/officeDocument/2006/relationships" xmlns:p="http://schemas.openxmlformats.org/presentationml/2006/main" preserve="1" userDrawn="1">
   <p:cSld name="Titel">
@@ -1890,6 +2046,1067 @@
 </p:sldLayout>
 </file>
 
+<file path=ppt/slideLayouts/slideLayout5.xml><?xml version="1.0" encoding="utf-8"?>
+<p:sldLayout xmlns:a="http://schemas.openxmlformats.org/drawingml/2006/main" xmlns:r="http://schemas.openxmlformats.org/officeDocument/2006/relationships" xmlns:p="http://schemas.openxmlformats.org/presentationml/2006/main" matchingName="Textfolie">
+  <p:cSld name="1_Textfolie">
+    <p:spTree>
+      <p:nvGrpSpPr>
+        <p:cNvPr id="1" name="Shape 24"/>
+        <p:cNvGrpSpPr/>
+        <p:nvPr/>
+      </p:nvGrpSpPr>
+      <p:grpSpPr>
+        <a:xfrm>
+          <a:off x="0" y="0"/>
+          <a:ext cx="0" cy="0"/>
+          <a:chOff x="0" y="0"/>
+          <a:chExt cx="0" cy="0"/>
+        </a:xfrm>
+      </p:grpSpPr>
+      <p:sp>
+        <p:nvSpPr>
+          <p:cNvPr id="25" name="Google Shape;25;p3"/>
+          <p:cNvSpPr/>
+          <p:nvPr/>
+        </p:nvSpPr>
+        <p:spPr>
+          <a:xfrm>
+            <a:off x="0" y="4781848"/>
+            <a:ext cx="9144000" cy="361652"/>
+          </a:xfrm>
+          <a:custGeom>
+            <a:avLst/>
+            <a:gdLst/>
+            <a:ahLst/>
+            <a:cxnLst/>
+            <a:rect l="l" t="t" r="r" b="b"/>
+            <a:pathLst>
+              <a:path w="13004800" h="6896100" extrusionOk="0">
+                <a:moveTo>
+                  <a:pt x="0" y="6896100"/>
+                </a:moveTo>
+                <a:lnTo>
+                  <a:pt x="13004800" y="6896100"/>
+                </a:lnTo>
+                <a:lnTo>
+                  <a:pt x="13004800" y="0"/>
+                </a:lnTo>
+                <a:lnTo>
+                  <a:pt x="0" y="0"/>
+                </a:lnTo>
+                <a:lnTo>
+                  <a:pt x="0" y="6896100"/>
+                </a:lnTo>
+                <a:close/>
+              </a:path>
+            </a:pathLst>
+          </a:custGeom>
+          <a:solidFill>
+            <a:srgbClr val="F2F2F2"/>
+          </a:solidFill>
+          <a:ln>
+            <a:noFill/>
+          </a:ln>
+        </p:spPr>
+        <p:txBody>
+          <a:bodyPr spcFirstLastPara="1" wrap="square" lIns="0" tIns="0" rIns="0" bIns="0" anchor="t" anchorCtr="0">
+            <a:noAutofit/>
+          </a:bodyPr>
+          <a:lstStyle/>
+          <a:p>
+            <a:pPr marL="0" marR="0" lvl="0" indent="0" algn="l" rtl="0">
+              <a:spcBef>
+                <a:spcPts val="0"/>
+              </a:spcBef>
+              <a:spcAft>
+                <a:spcPts val="0"/>
+              </a:spcAft>
+              <a:buNone/>
+            </a:pPr>
+            <a:endParaRPr sz="1100">
+              <a:solidFill>
+                <a:srgbClr val="D8D8D8"/>
+              </a:solidFill>
+              <a:latin typeface="Calibri"/>
+              <a:ea typeface="Calibri"/>
+              <a:cs typeface="Calibri"/>
+              <a:sym typeface="Calibri"/>
+            </a:endParaRPr>
+          </a:p>
+        </p:txBody>
+      </p:sp>
+      <p:sp>
+        <p:nvSpPr>
+          <p:cNvPr id="26" name="Google Shape;26;p3"/>
+          <p:cNvSpPr txBox="1">
+            <a:spLocks noGrp="1"/>
+          </p:cNvSpPr>
+          <p:nvPr>
+            <p:ph type="title"/>
+          </p:nvPr>
+        </p:nvSpPr>
+        <p:spPr>
+          <a:xfrm>
+            <a:off x="660800" y="988761"/>
+            <a:ext cx="7623279" cy="430887"/>
+          </a:xfrm>
+          <a:prstGeom prst="rect">
+            <a:avLst/>
+          </a:prstGeom>
+          <a:noFill/>
+          <a:ln>
+            <a:noFill/>
+          </a:ln>
+        </p:spPr>
+        <p:txBody>
+          <a:bodyPr spcFirstLastPara="1" wrap="square" lIns="0" tIns="0" rIns="0" bIns="0" anchor="t" anchorCtr="0">
+            <a:noAutofit/>
+          </a:bodyPr>
+          <a:lstStyle>
+            <a:lvl1pPr marR="0" lvl="0" algn="l" rtl="0">
+              <a:spcBef>
+                <a:spcPts val="0"/>
+              </a:spcBef>
+              <a:spcAft>
+                <a:spcPts val="0"/>
+              </a:spcAft>
+              <a:buSzPts val="1400"/>
+              <a:buNone/>
+              <a:defRPr sz="3200" b="0" i="0" u="none" strike="noStrike" cap="none">
+                <a:solidFill>
+                  <a:schemeClr val="dk2"/>
+                </a:solidFill>
+                <a:latin typeface="Calibri"/>
+                <a:ea typeface="Calibri"/>
+                <a:cs typeface="Calibri"/>
+                <a:sym typeface="Calibri"/>
+              </a:defRPr>
+            </a:lvl1pPr>
+            <a:lvl2pPr lvl="1">
+              <a:spcBef>
+                <a:spcPts val="0"/>
+              </a:spcBef>
+              <a:spcAft>
+                <a:spcPts val="0"/>
+              </a:spcAft>
+              <a:buSzPts val="1400"/>
+              <a:buNone/>
+              <a:defRPr sz="1800"/>
+            </a:lvl2pPr>
+            <a:lvl3pPr lvl="2">
+              <a:spcBef>
+                <a:spcPts val="0"/>
+              </a:spcBef>
+              <a:spcAft>
+                <a:spcPts val="0"/>
+              </a:spcAft>
+              <a:buSzPts val="1400"/>
+              <a:buNone/>
+              <a:defRPr sz="1800"/>
+            </a:lvl3pPr>
+            <a:lvl4pPr lvl="3">
+              <a:spcBef>
+                <a:spcPts val="0"/>
+              </a:spcBef>
+              <a:spcAft>
+                <a:spcPts val="0"/>
+              </a:spcAft>
+              <a:buSzPts val="1400"/>
+              <a:buNone/>
+              <a:defRPr sz="1800"/>
+            </a:lvl4pPr>
+            <a:lvl5pPr lvl="4">
+              <a:spcBef>
+                <a:spcPts val="0"/>
+              </a:spcBef>
+              <a:spcAft>
+                <a:spcPts val="0"/>
+              </a:spcAft>
+              <a:buSzPts val="1400"/>
+              <a:buNone/>
+              <a:defRPr sz="1800"/>
+            </a:lvl5pPr>
+            <a:lvl6pPr lvl="5">
+              <a:spcBef>
+                <a:spcPts val="0"/>
+              </a:spcBef>
+              <a:spcAft>
+                <a:spcPts val="0"/>
+              </a:spcAft>
+              <a:buSzPts val="1400"/>
+              <a:buNone/>
+              <a:defRPr sz="1800"/>
+            </a:lvl6pPr>
+            <a:lvl7pPr lvl="6">
+              <a:spcBef>
+                <a:spcPts val="0"/>
+              </a:spcBef>
+              <a:spcAft>
+                <a:spcPts val="0"/>
+              </a:spcAft>
+              <a:buSzPts val="1400"/>
+              <a:buNone/>
+              <a:defRPr sz="1800"/>
+            </a:lvl7pPr>
+            <a:lvl8pPr lvl="7">
+              <a:spcBef>
+                <a:spcPts val="0"/>
+              </a:spcBef>
+              <a:spcAft>
+                <a:spcPts val="0"/>
+              </a:spcAft>
+              <a:buSzPts val="1400"/>
+              <a:buNone/>
+              <a:defRPr sz="1800"/>
+            </a:lvl8pPr>
+            <a:lvl9pPr lvl="8">
+              <a:spcBef>
+                <a:spcPts val="0"/>
+              </a:spcBef>
+              <a:spcAft>
+                <a:spcPts val="0"/>
+              </a:spcAft>
+              <a:buSzPts val="1400"/>
+              <a:buNone/>
+              <a:defRPr sz="1800"/>
+            </a:lvl9pPr>
+          </a:lstStyle>
+          <a:p>
+            <a:endParaRPr/>
+          </a:p>
+        </p:txBody>
+      </p:sp>
+      <p:sp>
+        <p:nvSpPr>
+          <p:cNvPr id="27" name="Google Shape;27;p3"/>
+          <p:cNvSpPr txBox="1">
+            <a:spLocks noGrp="1"/>
+          </p:cNvSpPr>
+          <p:nvPr>
+            <p:ph type="body" idx="1"/>
+          </p:nvPr>
+        </p:nvSpPr>
+        <p:spPr>
+          <a:xfrm>
+            <a:off x="1187624" y="1635646"/>
+            <a:ext cx="5786438" cy="230832"/>
+          </a:xfrm>
+          <a:prstGeom prst="rect">
+            <a:avLst/>
+          </a:prstGeom>
+          <a:noFill/>
+          <a:ln>
+            <a:noFill/>
+          </a:ln>
+        </p:spPr>
+        <p:txBody>
+          <a:bodyPr spcFirstLastPara="1" wrap="square" lIns="0" tIns="0" rIns="0" bIns="0" anchor="t" anchorCtr="0">
+            <a:noAutofit/>
+          </a:bodyPr>
+          <a:lstStyle>
+            <a:lvl1pPr marL="457200" marR="0" lvl="0" indent="-228600" algn="l" rtl="0">
+              <a:spcBef>
+                <a:spcPts val="0"/>
+              </a:spcBef>
+              <a:spcAft>
+                <a:spcPts val="0"/>
+              </a:spcAft>
+              <a:buSzPts val="1400"/>
+              <a:buNone/>
+              <a:defRPr sz="2000" b="0" i="0" u="none" strike="noStrike" cap="none">
+                <a:solidFill>
+                  <a:schemeClr val="accent6"/>
+                </a:solidFill>
+                <a:latin typeface="Calibri"/>
+                <a:ea typeface="Calibri"/>
+                <a:cs typeface="Calibri"/>
+                <a:sym typeface="Calibri"/>
+              </a:defRPr>
+            </a:lvl1pPr>
+            <a:lvl2pPr marL="914400" marR="0" lvl="1" indent="-228600" algn="l" rtl="0">
+              <a:spcBef>
+                <a:spcPts val="0"/>
+              </a:spcBef>
+              <a:spcAft>
+                <a:spcPts val="0"/>
+              </a:spcAft>
+              <a:buSzPts val="1400"/>
+              <a:buNone/>
+              <a:defRPr sz="1800" b="0" i="0" u="none" strike="noStrike" cap="none">
+                <a:latin typeface="Calibri"/>
+                <a:ea typeface="Calibri"/>
+                <a:cs typeface="Calibri"/>
+                <a:sym typeface="Calibri"/>
+              </a:defRPr>
+            </a:lvl2pPr>
+            <a:lvl3pPr marL="1371600" marR="0" lvl="2" indent="-228600" algn="l" rtl="0">
+              <a:spcBef>
+                <a:spcPts val="0"/>
+              </a:spcBef>
+              <a:spcAft>
+                <a:spcPts val="0"/>
+              </a:spcAft>
+              <a:buSzPts val="1400"/>
+              <a:buNone/>
+              <a:defRPr sz="1800" b="0" i="0" u="none" strike="noStrike" cap="none">
+                <a:latin typeface="Calibri"/>
+                <a:ea typeface="Calibri"/>
+                <a:cs typeface="Calibri"/>
+                <a:sym typeface="Calibri"/>
+              </a:defRPr>
+            </a:lvl3pPr>
+            <a:lvl4pPr marL="1828800" marR="0" lvl="3" indent="-228600" algn="l" rtl="0">
+              <a:spcBef>
+                <a:spcPts val="0"/>
+              </a:spcBef>
+              <a:spcAft>
+                <a:spcPts val="0"/>
+              </a:spcAft>
+              <a:buSzPts val="1400"/>
+              <a:buNone/>
+              <a:defRPr sz="1800" b="0" i="0" u="none" strike="noStrike" cap="none">
+                <a:latin typeface="Calibri"/>
+                <a:ea typeface="Calibri"/>
+                <a:cs typeface="Calibri"/>
+                <a:sym typeface="Calibri"/>
+              </a:defRPr>
+            </a:lvl4pPr>
+            <a:lvl5pPr marL="2286000" marR="0" lvl="4" indent="-228600" algn="l" rtl="0">
+              <a:spcBef>
+                <a:spcPts val="0"/>
+              </a:spcBef>
+              <a:spcAft>
+                <a:spcPts val="0"/>
+              </a:spcAft>
+              <a:buSzPts val="1400"/>
+              <a:buNone/>
+              <a:defRPr sz="1800" b="0" i="0" u="none" strike="noStrike" cap="none">
+                <a:latin typeface="Calibri"/>
+                <a:ea typeface="Calibri"/>
+                <a:cs typeface="Calibri"/>
+                <a:sym typeface="Calibri"/>
+              </a:defRPr>
+            </a:lvl5pPr>
+            <a:lvl6pPr marL="2743200" marR="0" lvl="5" indent="-228600" algn="l" rtl="0">
+              <a:spcBef>
+                <a:spcPts val="0"/>
+              </a:spcBef>
+              <a:spcAft>
+                <a:spcPts val="0"/>
+              </a:spcAft>
+              <a:buSzPts val="1400"/>
+              <a:buNone/>
+              <a:defRPr sz="1800" b="0" i="0" u="none" strike="noStrike" cap="none">
+                <a:latin typeface="Calibri"/>
+                <a:ea typeface="Calibri"/>
+                <a:cs typeface="Calibri"/>
+                <a:sym typeface="Calibri"/>
+              </a:defRPr>
+            </a:lvl6pPr>
+            <a:lvl7pPr marL="3200400" marR="0" lvl="6" indent="-228600" algn="l" rtl="0">
+              <a:spcBef>
+                <a:spcPts val="0"/>
+              </a:spcBef>
+              <a:spcAft>
+                <a:spcPts val="0"/>
+              </a:spcAft>
+              <a:buSzPts val="1400"/>
+              <a:buNone/>
+              <a:defRPr sz="1800" b="0" i="0" u="none" strike="noStrike" cap="none">
+                <a:latin typeface="Calibri"/>
+                <a:ea typeface="Calibri"/>
+                <a:cs typeface="Calibri"/>
+                <a:sym typeface="Calibri"/>
+              </a:defRPr>
+            </a:lvl7pPr>
+            <a:lvl8pPr marL="3657600" marR="0" lvl="7" indent="-228600" algn="l" rtl="0">
+              <a:spcBef>
+                <a:spcPts val="0"/>
+              </a:spcBef>
+              <a:spcAft>
+                <a:spcPts val="0"/>
+              </a:spcAft>
+              <a:buSzPts val="1400"/>
+              <a:buNone/>
+              <a:defRPr sz="1800" b="0" i="0" u="none" strike="noStrike" cap="none">
+                <a:latin typeface="Calibri"/>
+                <a:ea typeface="Calibri"/>
+                <a:cs typeface="Calibri"/>
+                <a:sym typeface="Calibri"/>
+              </a:defRPr>
+            </a:lvl8pPr>
+            <a:lvl9pPr marL="4114800" marR="0" lvl="8" indent="-228600" algn="l" rtl="0">
+              <a:spcBef>
+                <a:spcPts val="0"/>
+              </a:spcBef>
+              <a:spcAft>
+                <a:spcPts val="0"/>
+              </a:spcAft>
+              <a:buSzPts val="1400"/>
+              <a:buNone/>
+              <a:defRPr sz="1800" b="0" i="0" u="none" strike="noStrike" cap="none">
+                <a:latin typeface="Calibri"/>
+                <a:ea typeface="Calibri"/>
+                <a:cs typeface="Calibri"/>
+                <a:sym typeface="Calibri"/>
+              </a:defRPr>
+            </a:lvl9pPr>
+          </a:lstStyle>
+          <a:p>
+            <a:endParaRPr/>
+          </a:p>
+        </p:txBody>
+      </p:sp>
+      <p:sp>
+        <p:nvSpPr>
+          <p:cNvPr id="28" name="Google Shape;28;p3"/>
+          <p:cNvSpPr txBox="1">
+            <a:spLocks noGrp="1"/>
+          </p:cNvSpPr>
+          <p:nvPr>
+            <p:ph type="ftr" idx="11"/>
+          </p:nvPr>
+        </p:nvSpPr>
+        <p:spPr>
+          <a:xfrm>
+            <a:off x="1732360" y="4877217"/>
+            <a:ext cx="6054328" cy="145733"/>
+          </a:xfrm>
+          <a:prstGeom prst="rect">
+            <a:avLst/>
+          </a:prstGeom>
+          <a:noFill/>
+          <a:ln>
+            <a:noFill/>
+          </a:ln>
+        </p:spPr>
+        <p:txBody>
+          <a:bodyPr spcFirstLastPara="1" wrap="square" lIns="0" tIns="0" rIns="0" bIns="0" anchor="t" anchorCtr="0">
+            <a:noAutofit/>
+          </a:bodyPr>
+          <a:lstStyle>
+            <a:lvl1pPr lvl="0" algn="ctr">
+              <a:spcBef>
+                <a:spcPts val="0"/>
+              </a:spcBef>
+              <a:spcAft>
+                <a:spcPts val="0"/>
+              </a:spcAft>
+              <a:buSzPts val="1400"/>
+              <a:buNone/>
+              <a:defRPr sz="900">
+                <a:solidFill>
+                  <a:srgbClr val="004774"/>
+                </a:solidFill>
+              </a:defRPr>
+            </a:lvl1pPr>
+            <a:lvl2pPr lvl="1" algn="l">
+              <a:spcBef>
+                <a:spcPts val="0"/>
+              </a:spcBef>
+              <a:spcAft>
+                <a:spcPts val="0"/>
+              </a:spcAft>
+              <a:buSzPts val="1400"/>
+              <a:buNone/>
+              <a:defRPr/>
+            </a:lvl2pPr>
+            <a:lvl3pPr lvl="2" algn="l">
+              <a:spcBef>
+                <a:spcPts val="0"/>
+              </a:spcBef>
+              <a:spcAft>
+                <a:spcPts val="0"/>
+              </a:spcAft>
+              <a:buSzPts val="1400"/>
+              <a:buNone/>
+              <a:defRPr/>
+            </a:lvl3pPr>
+            <a:lvl4pPr lvl="3" algn="l">
+              <a:spcBef>
+                <a:spcPts val="0"/>
+              </a:spcBef>
+              <a:spcAft>
+                <a:spcPts val="0"/>
+              </a:spcAft>
+              <a:buSzPts val="1400"/>
+              <a:buNone/>
+              <a:defRPr/>
+            </a:lvl4pPr>
+            <a:lvl5pPr lvl="4" algn="l">
+              <a:spcBef>
+                <a:spcPts val="0"/>
+              </a:spcBef>
+              <a:spcAft>
+                <a:spcPts val="0"/>
+              </a:spcAft>
+              <a:buSzPts val="1400"/>
+              <a:buNone/>
+              <a:defRPr/>
+            </a:lvl5pPr>
+            <a:lvl6pPr lvl="5" algn="l">
+              <a:spcBef>
+                <a:spcPts val="0"/>
+              </a:spcBef>
+              <a:spcAft>
+                <a:spcPts val="0"/>
+              </a:spcAft>
+              <a:buSzPts val="1400"/>
+              <a:buNone/>
+              <a:defRPr/>
+            </a:lvl6pPr>
+            <a:lvl7pPr lvl="6" algn="l">
+              <a:spcBef>
+                <a:spcPts val="0"/>
+              </a:spcBef>
+              <a:spcAft>
+                <a:spcPts val="0"/>
+              </a:spcAft>
+              <a:buSzPts val="1400"/>
+              <a:buNone/>
+              <a:defRPr/>
+            </a:lvl7pPr>
+            <a:lvl8pPr lvl="7" algn="l">
+              <a:spcBef>
+                <a:spcPts val="0"/>
+              </a:spcBef>
+              <a:spcAft>
+                <a:spcPts val="0"/>
+              </a:spcAft>
+              <a:buSzPts val="1400"/>
+              <a:buNone/>
+              <a:defRPr/>
+            </a:lvl8pPr>
+            <a:lvl9pPr lvl="8" algn="l">
+              <a:spcBef>
+                <a:spcPts val="0"/>
+              </a:spcBef>
+              <a:spcAft>
+                <a:spcPts val="0"/>
+              </a:spcAft>
+              <a:buSzPts val="1400"/>
+              <a:buNone/>
+              <a:defRPr/>
+            </a:lvl9pPr>
+          </a:lstStyle>
+          <a:p>
+            <a:endParaRPr/>
+          </a:p>
+        </p:txBody>
+      </p:sp>
+      <p:sp>
+        <p:nvSpPr>
+          <p:cNvPr id="29" name="Google Shape;29;p3"/>
+          <p:cNvSpPr txBox="1">
+            <a:spLocks noGrp="1"/>
+          </p:cNvSpPr>
+          <p:nvPr>
+            <p:ph type="dt" idx="10"/>
+          </p:nvPr>
+        </p:nvSpPr>
+        <p:spPr>
+          <a:xfrm>
+            <a:off x="218599" y="4875610"/>
+            <a:ext cx="1031558" cy="147340"/>
+          </a:xfrm>
+          <a:prstGeom prst="rect">
+            <a:avLst/>
+          </a:prstGeom>
+          <a:noFill/>
+          <a:ln>
+            <a:noFill/>
+          </a:ln>
+        </p:spPr>
+        <p:txBody>
+          <a:bodyPr spcFirstLastPara="1" wrap="square" lIns="0" tIns="0" rIns="0" bIns="0" anchor="t" anchorCtr="0">
+            <a:noAutofit/>
+          </a:bodyPr>
+          <a:lstStyle>
+            <a:lvl1pPr lvl="0" algn="l">
+              <a:spcBef>
+                <a:spcPts val="0"/>
+              </a:spcBef>
+              <a:spcAft>
+                <a:spcPts val="0"/>
+              </a:spcAft>
+              <a:buSzPts val="1400"/>
+              <a:buNone/>
+              <a:defRPr sz="900">
+                <a:solidFill>
+                  <a:srgbClr val="888888"/>
+                </a:solidFill>
+              </a:defRPr>
+            </a:lvl1pPr>
+            <a:lvl2pPr lvl="1" algn="l">
+              <a:spcBef>
+                <a:spcPts val="0"/>
+              </a:spcBef>
+              <a:spcAft>
+                <a:spcPts val="0"/>
+              </a:spcAft>
+              <a:buSzPts val="1400"/>
+              <a:buNone/>
+              <a:defRPr/>
+            </a:lvl2pPr>
+            <a:lvl3pPr lvl="2" algn="l">
+              <a:spcBef>
+                <a:spcPts val="0"/>
+              </a:spcBef>
+              <a:spcAft>
+                <a:spcPts val="0"/>
+              </a:spcAft>
+              <a:buSzPts val="1400"/>
+              <a:buNone/>
+              <a:defRPr/>
+            </a:lvl3pPr>
+            <a:lvl4pPr lvl="3" algn="l">
+              <a:spcBef>
+                <a:spcPts val="0"/>
+              </a:spcBef>
+              <a:spcAft>
+                <a:spcPts val="0"/>
+              </a:spcAft>
+              <a:buSzPts val="1400"/>
+              <a:buNone/>
+              <a:defRPr/>
+            </a:lvl4pPr>
+            <a:lvl5pPr lvl="4" algn="l">
+              <a:spcBef>
+                <a:spcPts val="0"/>
+              </a:spcBef>
+              <a:spcAft>
+                <a:spcPts val="0"/>
+              </a:spcAft>
+              <a:buSzPts val="1400"/>
+              <a:buNone/>
+              <a:defRPr/>
+            </a:lvl5pPr>
+            <a:lvl6pPr lvl="5" algn="l">
+              <a:spcBef>
+                <a:spcPts val="0"/>
+              </a:spcBef>
+              <a:spcAft>
+                <a:spcPts val="0"/>
+              </a:spcAft>
+              <a:buSzPts val="1400"/>
+              <a:buNone/>
+              <a:defRPr/>
+            </a:lvl6pPr>
+            <a:lvl7pPr lvl="6" algn="l">
+              <a:spcBef>
+                <a:spcPts val="0"/>
+              </a:spcBef>
+              <a:spcAft>
+                <a:spcPts val="0"/>
+              </a:spcAft>
+              <a:buSzPts val="1400"/>
+              <a:buNone/>
+              <a:defRPr/>
+            </a:lvl7pPr>
+            <a:lvl8pPr lvl="7" algn="l">
+              <a:spcBef>
+                <a:spcPts val="0"/>
+              </a:spcBef>
+              <a:spcAft>
+                <a:spcPts val="0"/>
+              </a:spcAft>
+              <a:buSzPts val="1400"/>
+              <a:buNone/>
+              <a:defRPr/>
+            </a:lvl8pPr>
+            <a:lvl9pPr lvl="8" algn="l">
+              <a:spcBef>
+                <a:spcPts val="0"/>
+              </a:spcBef>
+              <a:spcAft>
+                <a:spcPts val="0"/>
+              </a:spcAft>
+              <a:buSzPts val="1400"/>
+              <a:buNone/>
+              <a:defRPr/>
+            </a:lvl9pPr>
+          </a:lstStyle>
+          <a:p>
+            <a:endParaRPr/>
+          </a:p>
+        </p:txBody>
+      </p:sp>
+      <p:sp>
+        <p:nvSpPr>
+          <p:cNvPr id="30" name="Google Shape;30;p3"/>
+          <p:cNvSpPr txBox="1">
+            <a:spLocks noGrp="1"/>
+          </p:cNvSpPr>
+          <p:nvPr>
+            <p:ph type="sldNum" idx="12"/>
+          </p:nvPr>
+        </p:nvSpPr>
+        <p:spPr>
+          <a:xfrm>
+            <a:off x="8322472" y="4894526"/>
+            <a:ext cx="602933" cy="128425"/>
+          </a:xfrm>
+          <a:prstGeom prst="rect">
+            <a:avLst/>
+          </a:prstGeom>
+          <a:noFill/>
+          <a:ln>
+            <a:noFill/>
+          </a:ln>
+        </p:spPr>
+        <p:txBody>
+          <a:bodyPr spcFirstLastPara="1" wrap="square" lIns="0" tIns="0" rIns="0" bIns="0" anchor="t" anchorCtr="0">
+            <a:noAutofit/>
+          </a:bodyPr>
+          <a:lstStyle>
+            <a:lvl1pPr marL="0" lvl="0" indent="0" algn="r">
+              <a:spcBef>
+                <a:spcPts val="0"/>
+              </a:spcBef>
+              <a:buNone/>
+              <a:defRPr sz="900">
+                <a:solidFill>
+                  <a:srgbClr val="888888"/>
+                </a:solidFill>
+                <a:latin typeface="Calibri"/>
+                <a:ea typeface="Calibri"/>
+                <a:cs typeface="Calibri"/>
+                <a:sym typeface="Calibri"/>
+              </a:defRPr>
+            </a:lvl1pPr>
+            <a:lvl2pPr marL="0" lvl="1" indent="0" algn="r">
+              <a:spcBef>
+                <a:spcPts val="0"/>
+              </a:spcBef>
+              <a:buNone/>
+              <a:defRPr sz="900">
+                <a:solidFill>
+                  <a:srgbClr val="888888"/>
+                </a:solidFill>
+                <a:latin typeface="Calibri"/>
+                <a:ea typeface="Calibri"/>
+                <a:cs typeface="Calibri"/>
+                <a:sym typeface="Calibri"/>
+              </a:defRPr>
+            </a:lvl2pPr>
+            <a:lvl3pPr marL="0" lvl="2" indent="0" algn="r">
+              <a:spcBef>
+                <a:spcPts val="0"/>
+              </a:spcBef>
+              <a:buNone/>
+              <a:defRPr sz="900">
+                <a:solidFill>
+                  <a:srgbClr val="888888"/>
+                </a:solidFill>
+                <a:latin typeface="Calibri"/>
+                <a:ea typeface="Calibri"/>
+                <a:cs typeface="Calibri"/>
+                <a:sym typeface="Calibri"/>
+              </a:defRPr>
+            </a:lvl3pPr>
+            <a:lvl4pPr marL="0" lvl="3" indent="0" algn="r">
+              <a:spcBef>
+                <a:spcPts val="0"/>
+              </a:spcBef>
+              <a:buNone/>
+              <a:defRPr sz="900">
+                <a:solidFill>
+                  <a:srgbClr val="888888"/>
+                </a:solidFill>
+                <a:latin typeface="Calibri"/>
+                <a:ea typeface="Calibri"/>
+                <a:cs typeface="Calibri"/>
+                <a:sym typeface="Calibri"/>
+              </a:defRPr>
+            </a:lvl4pPr>
+            <a:lvl5pPr marL="0" lvl="4" indent="0" algn="r">
+              <a:spcBef>
+                <a:spcPts val="0"/>
+              </a:spcBef>
+              <a:buNone/>
+              <a:defRPr sz="900">
+                <a:solidFill>
+                  <a:srgbClr val="888888"/>
+                </a:solidFill>
+                <a:latin typeface="Calibri"/>
+                <a:ea typeface="Calibri"/>
+                <a:cs typeface="Calibri"/>
+                <a:sym typeface="Calibri"/>
+              </a:defRPr>
+            </a:lvl5pPr>
+            <a:lvl6pPr marL="0" lvl="5" indent="0" algn="r">
+              <a:spcBef>
+                <a:spcPts val="0"/>
+              </a:spcBef>
+              <a:buNone/>
+              <a:defRPr sz="900">
+                <a:solidFill>
+                  <a:srgbClr val="888888"/>
+                </a:solidFill>
+                <a:latin typeface="Calibri"/>
+                <a:ea typeface="Calibri"/>
+                <a:cs typeface="Calibri"/>
+                <a:sym typeface="Calibri"/>
+              </a:defRPr>
+            </a:lvl6pPr>
+            <a:lvl7pPr marL="0" lvl="6" indent="0" algn="r">
+              <a:spcBef>
+                <a:spcPts val="0"/>
+              </a:spcBef>
+              <a:buNone/>
+              <a:defRPr sz="900">
+                <a:solidFill>
+                  <a:srgbClr val="888888"/>
+                </a:solidFill>
+                <a:latin typeface="Calibri"/>
+                <a:ea typeface="Calibri"/>
+                <a:cs typeface="Calibri"/>
+                <a:sym typeface="Calibri"/>
+              </a:defRPr>
+            </a:lvl7pPr>
+            <a:lvl8pPr marL="0" lvl="7" indent="0" algn="r">
+              <a:spcBef>
+                <a:spcPts val="0"/>
+              </a:spcBef>
+              <a:buNone/>
+              <a:defRPr sz="900">
+                <a:solidFill>
+                  <a:srgbClr val="888888"/>
+                </a:solidFill>
+                <a:latin typeface="Calibri"/>
+                <a:ea typeface="Calibri"/>
+                <a:cs typeface="Calibri"/>
+                <a:sym typeface="Calibri"/>
+              </a:defRPr>
+            </a:lvl8pPr>
+            <a:lvl9pPr marL="0" lvl="8" indent="0" algn="r">
+              <a:spcBef>
+                <a:spcPts val="0"/>
+              </a:spcBef>
+              <a:buNone/>
+              <a:defRPr sz="900">
+                <a:solidFill>
+                  <a:srgbClr val="888888"/>
+                </a:solidFill>
+                <a:latin typeface="Calibri"/>
+                <a:ea typeface="Calibri"/>
+                <a:cs typeface="Calibri"/>
+                <a:sym typeface="Calibri"/>
+              </a:defRPr>
+            </a:lvl9pPr>
+          </a:lstStyle>
+          <a:p>
+            <a:pPr marL="0" lvl="0" indent="0" algn="r" rtl="0">
+              <a:spcBef>
+                <a:spcPts val="0"/>
+              </a:spcBef>
+              <a:spcAft>
+                <a:spcPts val="0"/>
+              </a:spcAft>
+              <a:buNone/>
+            </a:pPr>
+            <a:fld id="{00000000-1234-1234-1234-123412341234}" type="slidenum">
+              <a:rPr lang="en-US"/>
+              <a:t>‹#›</a:t>
+            </a:fld>
+            <a:endParaRPr/>
+          </a:p>
+        </p:txBody>
+      </p:sp>
+      <p:sp>
+        <p:nvSpPr>
+          <p:cNvPr id="31" name="Google Shape;31;p3"/>
+          <p:cNvSpPr txBox="1">
+            <a:spLocks noGrp="1"/>
+          </p:cNvSpPr>
+          <p:nvPr>
+            <p:ph type="body" idx="2"/>
+          </p:nvPr>
+        </p:nvSpPr>
+        <p:spPr>
+          <a:xfrm>
+            <a:off x="5965034" y="277939"/>
+            <a:ext cx="2839641" cy="184666"/>
+          </a:xfrm>
+          <a:prstGeom prst="rect">
+            <a:avLst/>
+          </a:prstGeom>
+          <a:noFill/>
+          <a:ln>
+            <a:noFill/>
+          </a:ln>
+        </p:spPr>
+        <p:txBody>
+          <a:bodyPr spcFirstLastPara="1" wrap="square" lIns="91425" tIns="45700" rIns="91425" bIns="45700" anchor="t" anchorCtr="0">
+            <a:noAutofit/>
+          </a:bodyPr>
+          <a:lstStyle>
+            <a:lvl1pPr marL="457200" marR="0" lvl="0" indent="-228600" algn="r" rtl="0">
+              <a:spcBef>
+                <a:spcPts val="0"/>
+              </a:spcBef>
+              <a:spcAft>
+                <a:spcPts val="0"/>
+              </a:spcAft>
+              <a:buSzPts val="1400"/>
+              <a:buNone/>
+              <a:defRPr sz="1200" b="0" i="0" u="none" strike="noStrike" cap="none">
+                <a:solidFill>
+                  <a:srgbClr val="7F7F7F"/>
+                </a:solidFill>
+                <a:latin typeface="Calibri"/>
+                <a:ea typeface="Calibri"/>
+                <a:cs typeface="Calibri"/>
+                <a:sym typeface="Calibri"/>
+              </a:defRPr>
+            </a:lvl1pPr>
+            <a:lvl2pPr marL="914400" marR="0" lvl="1" indent="-228600" algn="l" rtl="0">
+              <a:spcBef>
+                <a:spcPts val="0"/>
+              </a:spcBef>
+              <a:spcAft>
+                <a:spcPts val="0"/>
+              </a:spcAft>
+              <a:buSzPts val="1400"/>
+              <a:buNone/>
+              <a:defRPr sz="1800" b="0" i="0" u="none" strike="noStrike" cap="none">
+                <a:latin typeface="Calibri"/>
+                <a:ea typeface="Calibri"/>
+                <a:cs typeface="Calibri"/>
+                <a:sym typeface="Calibri"/>
+              </a:defRPr>
+            </a:lvl2pPr>
+            <a:lvl3pPr marL="1371600" marR="0" lvl="2" indent="-228600" algn="l" rtl="0">
+              <a:spcBef>
+                <a:spcPts val="0"/>
+              </a:spcBef>
+              <a:spcAft>
+                <a:spcPts val="0"/>
+              </a:spcAft>
+              <a:buSzPts val="1400"/>
+              <a:buNone/>
+              <a:defRPr sz="1800" b="0" i="0" u="none" strike="noStrike" cap="none">
+                <a:latin typeface="Calibri"/>
+                <a:ea typeface="Calibri"/>
+                <a:cs typeface="Calibri"/>
+                <a:sym typeface="Calibri"/>
+              </a:defRPr>
+            </a:lvl3pPr>
+            <a:lvl4pPr marL="1828800" marR="0" lvl="3" indent="-228600" algn="l" rtl="0">
+              <a:spcBef>
+                <a:spcPts val="0"/>
+              </a:spcBef>
+              <a:spcAft>
+                <a:spcPts val="0"/>
+              </a:spcAft>
+              <a:buSzPts val="1400"/>
+              <a:buNone/>
+              <a:defRPr sz="1800" b="0" i="0" u="none" strike="noStrike" cap="none">
+                <a:latin typeface="Calibri"/>
+                <a:ea typeface="Calibri"/>
+                <a:cs typeface="Calibri"/>
+                <a:sym typeface="Calibri"/>
+              </a:defRPr>
+            </a:lvl4pPr>
+            <a:lvl5pPr marL="2286000" marR="0" lvl="4" indent="-228600" algn="l" rtl="0">
+              <a:spcBef>
+                <a:spcPts val="0"/>
+              </a:spcBef>
+              <a:spcAft>
+                <a:spcPts val="0"/>
+              </a:spcAft>
+              <a:buSzPts val="1400"/>
+              <a:buNone/>
+              <a:defRPr sz="1800" b="0" i="0" u="none" strike="noStrike" cap="none">
+                <a:latin typeface="Calibri"/>
+                <a:ea typeface="Calibri"/>
+                <a:cs typeface="Calibri"/>
+                <a:sym typeface="Calibri"/>
+              </a:defRPr>
+            </a:lvl5pPr>
+            <a:lvl6pPr marL="2743200" marR="0" lvl="5" indent="-228600" algn="l" rtl="0">
+              <a:spcBef>
+                <a:spcPts val="0"/>
+              </a:spcBef>
+              <a:spcAft>
+                <a:spcPts val="0"/>
+              </a:spcAft>
+              <a:buSzPts val="1400"/>
+              <a:buNone/>
+              <a:defRPr sz="1800" b="0" i="0" u="none" strike="noStrike" cap="none">
+                <a:latin typeface="Calibri"/>
+                <a:ea typeface="Calibri"/>
+                <a:cs typeface="Calibri"/>
+                <a:sym typeface="Calibri"/>
+              </a:defRPr>
+            </a:lvl6pPr>
+            <a:lvl7pPr marL="3200400" marR="0" lvl="6" indent="-228600" algn="l" rtl="0">
+              <a:spcBef>
+                <a:spcPts val="0"/>
+              </a:spcBef>
+              <a:spcAft>
+                <a:spcPts val="0"/>
+              </a:spcAft>
+              <a:buSzPts val="1400"/>
+              <a:buNone/>
+              <a:defRPr sz="1800" b="0" i="0" u="none" strike="noStrike" cap="none">
+                <a:latin typeface="Calibri"/>
+                <a:ea typeface="Calibri"/>
+                <a:cs typeface="Calibri"/>
+                <a:sym typeface="Calibri"/>
+              </a:defRPr>
+            </a:lvl7pPr>
+            <a:lvl8pPr marL="3657600" marR="0" lvl="7" indent="-228600" algn="l" rtl="0">
+              <a:spcBef>
+                <a:spcPts val="0"/>
+              </a:spcBef>
+              <a:spcAft>
+                <a:spcPts val="0"/>
+              </a:spcAft>
+              <a:buSzPts val="1400"/>
+              <a:buNone/>
+              <a:defRPr sz="1800" b="0" i="0" u="none" strike="noStrike" cap="none">
+                <a:latin typeface="Calibri"/>
+                <a:ea typeface="Calibri"/>
+                <a:cs typeface="Calibri"/>
+                <a:sym typeface="Calibri"/>
+              </a:defRPr>
+            </a:lvl8pPr>
+            <a:lvl9pPr marL="4114800" marR="0" lvl="8" indent="-228600" algn="l" rtl="0">
+              <a:spcBef>
+                <a:spcPts val="0"/>
+              </a:spcBef>
+              <a:spcAft>
+                <a:spcPts val="0"/>
+              </a:spcAft>
+              <a:buSzPts val="1400"/>
+              <a:buNone/>
+              <a:defRPr sz="1800" b="0" i="0" u="none" strike="noStrike" cap="none">
+                <a:latin typeface="Calibri"/>
+                <a:ea typeface="Calibri"/>
+                <a:cs typeface="Calibri"/>
+                <a:sym typeface="Calibri"/>
+              </a:defRPr>
+            </a:lvl9pPr>
+          </a:lstStyle>
+          <a:p>
+            <a:endParaRPr/>
+          </a:p>
+        </p:txBody>
+      </p:sp>
+    </p:spTree>
+    <p:extLst>
+      <p:ext uri="{BB962C8B-B14F-4D97-AF65-F5344CB8AC3E}">
+        <p14:creationId xmlns:p14="http://schemas.microsoft.com/office/powerpoint/2010/main" val="1945681352"/>
+      </p:ext>
+    </p:extLst>
+  </p:cSld>
+  <p:clrMapOvr>
+    <a:masterClrMapping/>
+  </p:clrMapOvr>
+</p:sldLayout>
+</file>
+
 <file path=ppt/slideMasters/slideMaster1.xml><?xml version="1.0" encoding="utf-8"?>
 <p:sldMaster xmlns:a="http://schemas.openxmlformats.org/drawingml/2006/main" xmlns:r="http://schemas.openxmlformats.org/officeDocument/2006/relationships" xmlns:p="http://schemas.openxmlformats.org/presentationml/2006/main">
   <p:cSld>
@@ -1921,13 +3138,13 @@
           <p:nvPr userDrawn="1"/>
         </p:nvPicPr>
         <p:blipFill>
-          <a:blip r:embed="rId6" cstate="print">
+          <a:blip r:embed="rId7" cstate="print">
             <a:extLst>
               <a:ext uri="{28A0092B-C50C-407E-A947-70E740481C1C}">
                 <a14:useLocalDpi xmlns:a14="http://schemas.microsoft.com/office/drawing/2010/main" val="0"/>
               </a:ext>
               <a:ext uri="{96DAC541-7B7A-43D3-8B79-37D633B846F1}">
-                <asvg:svgBlip xmlns:asvg="http://schemas.microsoft.com/office/drawing/2016/SVG/main" r:embed="rId7"/>
+                <asvg:svgBlip xmlns:asvg="http://schemas.microsoft.com/office/drawing/2016/SVG/main" r:embed="rId8"/>
               </a:ext>
             </a:extLst>
           </a:blip>
@@ -2122,6 +3339,7 @@
     <p:sldLayoutId id="2147483662" r:id="rId2"/>
     <p:sldLayoutId id="2147483666" r:id="rId3"/>
     <p:sldLayoutId id="2147483668" r:id="rId4"/>
+    <p:sldLayoutId id="2147483669" r:id="rId5"/>
   </p:sldLayoutIdLst>
   <p:hf hdr="0"/>
   <p:txStyles>
@@ -3439,7 +4657,12 @@
             <p:ph type="title"/>
           </p:nvPr>
         </p:nvSpPr>
-        <p:spPr/>
+        <p:spPr>
+          <a:xfrm>
+            <a:off x="537300" y="970601"/>
+            <a:ext cx="7623279" cy="430887"/>
+          </a:xfrm>
+        </p:spPr>
         <p:txBody>
           <a:bodyPr/>
           <a:lstStyle/>
@@ -3489,26 +4712,804 @@
           </p:nvPr>
         </p:nvSpPr>
         <p:spPr>
-          <a:xfrm>
-            <a:off x="660800" y="1563638"/>
-            <a:ext cx="3335137" cy="2808312"/>
+          <a:xfrm rot="10800000" flipV="1">
+            <a:off x="690235" y="1419622"/>
+            <a:ext cx="7470344" cy="3233505"/>
           </a:xfrm>
         </p:spPr>
         <p:txBody>
           <a:bodyPr/>
           <a:lstStyle/>
           <a:p>
-            <a:pPr marL="342900" indent="-342900">
-              <a:buFont typeface="Wingdings" pitchFamily="2" charset="2"/>
-              <a:buChar char="Ø"/>
+            <a:pPr rtl="0"/>
+            <a:r>
+              <a:rPr lang="tr-TR" sz="1800" b="0" i="0" u="none" strike="noStrike" dirty="0" err="1">
+                <a:solidFill>
+                  <a:schemeClr val="tx1"/>
+                </a:solidFill>
+                <a:effectLst/>
+                <a:latin typeface="Times New Roman" panose="02020603050405020304" pitchFamily="18" charset="0"/>
+                <a:cs typeface="Times New Roman" panose="02020603050405020304" pitchFamily="18" charset="0"/>
+              </a:rPr>
+              <a:t>After</a:t>
+            </a:r>
+            <a:r>
+              <a:rPr lang="tr-TR" sz="1800" b="0" i="0" u="none" strike="noStrike" dirty="0">
+                <a:solidFill>
+                  <a:schemeClr val="tx1"/>
+                </a:solidFill>
+                <a:effectLst/>
+                <a:latin typeface="Times New Roman" panose="02020603050405020304" pitchFamily="18" charset="0"/>
+                <a:cs typeface="Times New Roman" panose="02020603050405020304" pitchFamily="18" charset="0"/>
+              </a:rPr>
+              <a:t> data has been </a:t>
+            </a:r>
+            <a:r>
+              <a:rPr lang="tr-TR" sz="1800" b="0" i="0" u="none" strike="noStrike" dirty="0" err="1">
+                <a:solidFill>
+                  <a:schemeClr val="tx1"/>
+                </a:solidFill>
+                <a:effectLst/>
+                <a:latin typeface="Times New Roman" panose="02020603050405020304" pitchFamily="18" charset="0"/>
+                <a:cs typeface="Times New Roman" panose="02020603050405020304" pitchFamily="18" charset="0"/>
+              </a:rPr>
+              <a:t>acquisitied</a:t>
+            </a:r>
+            <a:r>
+              <a:rPr lang="tr-TR" sz="1800" b="0" i="0" u="none" strike="noStrike" dirty="0">
+                <a:solidFill>
+                  <a:schemeClr val="tx1"/>
+                </a:solidFill>
+                <a:effectLst/>
+                <a:latin typeface="Times New Roman" panose="02020603050405020304" pitchFamily="18" charset="0"/>
+                <a:cs typeface="Times New Roman" panose="02020603050405020304" pitchFamily="18" charset="0"/>
+              </a:rPr>
+              <a:t> and </a:t>
+            </a:r>
+            <a:r>
+              <a:rPr lang="tr-TR" sz="1800" b="0" i="0" u="none" strike="noStrike" dirty="0" err="1">
+                <a:solidFill>
+                  <a:schemeClr val="tx1"/>
+                </a:solidFill>
+                <a:effectLst/>
+                <a:latin typeface="Times New Roman" panose="02020603050405020304" pitchFamily="18" charset="0"/>
+                <a:cs typeface="Times New Roman" panose="02020603050405020304" pitchFamily="18" charset="0"/>
+              </a:rPr>
+              <a:t>preprocessed</a:t>
+            </a:r>
+            <a:r>
+              <a:rPr lang="tr-TR" sz="1800" b="0" i="0" u="none" strike="noStrike" dirty="0">
+                <a:solidFill>
+                  <a:schemeClr val="tx1"/>
+                </a:solidFill>
+                <a:effectLst/>
+                <a:latin typeface="Times New Roman" panose="02020603050405020304" pitchFamily="18" charset="0"/>
+                <a:cs typeface="Times New Roman" panose="02020603050405020304" pitchFamily="18" charset="0"/>
+              </a:rPr>
+              <a:t> for </a:t>
+            </a:r>
+            <a:r>
+              <a:rPr lang="tr-TR" sz="1800" b="0" i="0" u="none" strike="noStrike" dirty="0" err="1">
+                <a:solidFill>
+                  <a:schemeClr val="tx1"/>
+                </a:solidFill>
+                <a:effectLst/>
+                <a:latin typeface="Times New Roman" panose="02020603050405020304" pitchFamily="18" charset="0"/>
+                <a:cs typeface="Times New Roman" panose="02020603050405020304" pitchFamily="18" charset="0"/>
+              </a:rPr>
+              <a:t>creating</a:t>
+            </a:r>
+            <a:r>
+              <a:rPr lang="tr-TR" sz="1800" b="0" i="0" u="none" strike="noStrike" dirty="0">
+                <a:solidFill>
+                  <a:schemeClr val="tx1"/>
+                </a:solidFill>
+                <a:effectLst/>
+                <a:latin typeface="Times New Roman" panose="02020603050405020304" pitchFamily="18" charset="0"/>
+                <a:cs typeface="Times New Roman" panose="02020603050405020304" pitchFamily="18" charset="0"/>
+              </a:rPr>
+              <a:t> the </a:t>
+            </a:r>
+            <a:r>
+              <a:rPr lang="tr-TR" sz="1800" b="0" i="0" u="none" strike="noStrike" dirty="0" err="1">
+                <a:solidFill>
+                  <a:schemeClr val="tx1"/>
+                </a:solidFill>
+                <a:effectLst/>
+                <a:latin typeface="Times New Roman" panose="02020603050405020304" pitchFamily="18" charset="0"/>
+                <a:cs typeface="Times New Roman" panose="02020603050405020304" pitchFamily="18" charset="0"/>
+              </a:rPr>
+              <a:t>dataset</a:t>
+            </a:r>
+            <a:r>
+              <a:rPr lang="tr-TR" sz="1800" b="0" i="0" u="none" strike="noStrike" dirty="0">
+                <a:solidFill>
+                  <a:schemeClr val="tx1"/>
+                </a:solidFill>
+                <a:effectLst/>
+                <a:latin typeface="Times New Roman" panose="02020603050405020304" pitchFamily="18" charset="0"/>
+                <a:cs typeface="Times New Roman" panose="02020603050405020304" pitchFamily="18" charset="0"/>
+              </a:rPr>
+              <a:t> and </a:t>
+            </a:r>
+            <a:r>
+              <a:rPr lang="tr-TR" sz="1800" b="0" i="0" u="none" strike="noStrike" dirty="0" err="1">
+                <a:solidFill>
+                  <a:schemeClr val="tx1"/>
+                </a:solidFill>
+                <a:effectLst/>
+                <a:latin typeface="Times New Roman" panose="02020603050405020304" pitchFamily="18" charset="0"/>
+                <a:cs typeface="Times New Roman" panose="02020603050405020304" pitchFamily="18" charset="0"/>
+              </a:rPr>
+              <a:t>loading</a:t>
+            </a:r>
+            <a:r>
+              <a:rPr lang="tr-TR" sz="1800" b="0" i="0" u="none" strike="noStrike" dirty="0">
+                <a:solidFill>
+                  <a:schemeClr val="tx1"/>
+                </a:solidFill>
+                <a:effectLst/>
+                <a:latin typeface="Times New Roman" panose="02020603050405020304" pitchFamily="18" charset="0"/>
+                <a:cs typeface="Times New Roman" panose="02020603050405020304" pitchFamily="18" charset="0"/>
+              </a:rPr>
+              <a:t> the data:</a:t>
+            </a:r>
+            <a:endParaRPr lang="tr-TR" dirty="0">
+              <a:solidFill>
+                <a:schemeClr val="tx1"/>
+              </a:solidFill>
+              <a:effectLst/>
+              <a:latin typeface="Times New Roman" panose="02020603050405020304" pitchFamily="18" charset="0"/>
+              <a:cs typeface="Times New Roman" panose="02020603050405020304" pitchFamily="18" charset="0"/>
+            </a:endParaRPr>
+          </a:p>
+          <a:p>
+            <a:pPr marL="285750" indent="-285750" rtl="0" fontAlgn="base">
+              <a:buFont typeface="Arial" panose="020B0604020202020204" pitchFamily="34" charset="0"/>
+              <a:buChar char="•"/>
             </a:pPr>
             <a:r>
-              <a:rPr lang="en-US" i="1" dirty="0">
-                <a:latin typeface="Times New Roman" panose="02020603050405020304" pitchFamily="18" charset="0"/>
-                <a:cs typeface="Times New Roman" panose="02020603050405020304" pitchFamily="18" charset="0"/>
-              </a:rPr>
-              <a:t>TODO</a:t>
-            </a:r>
+              <a:rPr lang="tr-TR" sz="1800" b="0" i="0" u="none" strike="noStrike" dirty="0" err="1">
+                <a:solidFill>
+                  <a:schemeClr val="tx1"/>
+                </a:solidFill>
+                <a:effectLst/>
+                <a:latin typeface="Times New Roman" panose="02020603050405020304" pitchFamily="18" charset="0"/>
+                <a:cs typeface="Times New Roman" panose="02020603050405020304" pitchFamily="18" charset="0"/>
+              </a:rPr>
+              <a:t>Create</a:t>
+            </a:r>
+            <a:r>
+              <a:rPr lang="tr-TR" sz="1800" b="0" i="0" u="none" strike="noStrike" dirty="0">
+                <a:solidFill>
+                  <a:schemeClr val="tx1"/>
+                </a:solidFill>
+                <a:effectLst/>
+                <a:latin typeface="Times New Roman" panose="02020603050405020304" pitchFamily="18" charset="0"/>
+                <a:cs typeface="Times New Roman" panose="02020603050405020304" pitchFamily="18" charset="0"/>
+              </a:rPr>
+              <a:t> the </a:t>
+            </a:r>
+            <a:r>
+              <a:rPr lang="tr-TR" sz="1800" b="0" i="0" u="none" strike="noStrike" dirty="0" err="1">
+                <a:solidFill>
+                  <a:schemeClr val="tx1"/>
+                </a:solidFill>
+                <a:effectLst/>
+                <a:latin typeface="Times New Roman" panose="02020603050405020304" pitchFamily="18" charset="0"/>
+                <a:cs typeface="Times New Roman" panose="02020603050405020304" pitchFamily="18" charset="0"/>
+              </a:rPr>
+              <a:t>dataset</a:t>
+            </a:r>
+            <a:r>
+              <a:rPr lang="tr-TR" sz="1800" b="0" i="0" u="none" strike="noStrike" dirty="0">
+                <a:solidFill>
+                  <a:schemeClr val="tx1"/>
+                </a:solidFill>
+                <a:effectLst/>
+                <a:latin typeface="Times New Roman" panose="02020603050405020304" pitchFamily="18" charset="0"/>
+                <a:cs typeface="Times New Roman" panose="02020603050405020304" pitchFamily="18" charset="0"/>
+              </a:rPr>
+              <a:t> from </a:t>
+            </a:r>
+            <a:r>
+              <a:rPr lang="tr-TR" sz="1800" b="0" i="0" u="none" strike="noStrike" dirty="0" err="1">
+                <a:solidFill>
+                  <a:schemeClr val="tx1"/>
+                </a:solidFill>
+                <a:effectLst/>
+                <a:latin typeface="Times New Roman" panose="02020603050405020304" pitchFamily="18" charset="0"/>
+                <a:cs typeface="Times New Roman" panose="02020603050405020304" pitchFamily="18" charset="0"/>
+              </a:rPr>
+              <a:t>preprocessed</a:t>
+            </a:r>
+            <a:r>
+              <a:rPr lang="tr-TR" sz="1800" b="0" i="0" u="none" strike="noStrike" dirty="0">
+                <a:solidFill>
+                  <a:schemeClr val="tx1"/>
+                </a:solidFill>
+                <a:effectLst/>
+                <a:latin typeface="Times New Roman" panose="02020603050405020304" pitchFamily="18" charset="0"/>
+                <a:cs typeface="Times New Roman" panose="02020603050405020304" pitchFamily="18" charset="0"/>
+              </a:rPr>
+              <a:t> </a:t>
+            </a:r>
+            <a:r>
+              <a:rPr lang="tr-TR" sz="1800" b="0" i="0" u="none" strike="noStrike" dirty="0" err="1">
+                <a:solidFill>
+                  <a:schemeClr val="tx1"/>
+                </a:solidFill>
+                <a:effectLst/>
+                <a:latin typeface="Times New Roman" panose="02020603050405020304" pitchFamily="18" charset="0"/>
+                <a:cs typeface="Times New Roman" panose="02020603050405020304" pitchFamily="18" charset="0"/>
+              </a:rPr>
+              <a:t>images</a:t>
+            </a:r>
+            <a:r>
+              <a:rPr lang="tr-TR" sz="1800" b="0" i="0" u="none" strike="noStrike" dirty="0">
+                <a:solidFill>
+                  <a:schemeClr val="tx1"/>
+                </a:solidFill>
+                <a:effectLst/>
+                <a:latin typeface="Times New Roman" panose="02020603050405020304" pitchFamily="18" charset="0"/>
+                <a:cs typeface="Times New Roman" panose="02020603050405020304" pitchFamily="18" charset="0"/>
+              </a:rPr>
+              <a:t> and </a:t>
+            </a:r>
+            <a:r>
+              <a:rPr lang="tr-TR" sz="1800" b="0" i="0" u="none" strike="noStrike" dirty="0" err="1">
+                <a:solidFill>
+                  <a:schemeClr val="tx1"/>
+                </a:solidFill>
+                <a:effectLst/>
+                <a:latin typeface="Times New Roman" panose="02020603050405020304" pitchFamily="18" charset="0"/>
+                <a:cs typeface="Times New Roman" panose="02020603050405020304" pitchFamily="18" charset="0"/>
+              </a:rPr>
+              <a:t>prepare</a:t>
+            </a:r>
+            <a:r>
+              <a:rPr lang="tr-TR" sz="1800" b="0" i="0" u="none" strike="noStrike" dirty="0">
+                <a:solidFill>
+                  <a:schemeClr val="tx1"/>
+                </a:solidFill>
+                <a:effectLst/>
+                <a:latin typeface="Times New Roman" panose="02020603050405020304" pitchFamily="18" charset="0"/>
+                <a:cs typeface="Times New Roman" panose="02020603050405020304" pitchFamily="18" charset="0"/>
+              </a:rPr>
+              <a:t> it to be fed into the CNN, using Keras or PyTorch tools.- </a:t>
+            </a:r>
+            <a:r>
+              <a:rPr lang="tr-TR" sz="1800" b="0" i="0" u="none" strike="noStrike" dirty="0" err="1">
+                <a:solidFill>
+                  <a:schemeClr val="tx1"/>
+                </a:solidFill>
+                <a:effectLst/>
+                <a:latin typeface="Times New Roman" panose="02020603050405020304" pitchFamily="18" charset="0"/>
+                <a:cs typeface="Times New Roman" panose="02020603050405020304" pitchFamily="18" charset="0"/>
+              </a:rPr>
+              <a:t>possibly</a:t>
+            </a:r>
+            <a:r>
+              <a:rPr lang="tr-TR" sz="1800" b="0" i="0" u="none" strike="noStrike" dirty="0">
+                <a:solidFill>
+                  <a:schemeClr val="tx1"/>
+                </a:solidFill>
+                <a:effectLst/>
+                <a:latin typeface="Times New Roman" panose="02020603050405020304" pitchFamily="18" charset="0"/>
+                <a:cs typeface="Times New Roman" panose="02020603050405020304" pitchFamily="18" charset="0"/>
+              </a:rPr>
+              <a:t> PyTorch </a:t>
+            </a:r>
+            <a:r>
+              <a:rPr lang="tr-TR" sz="1800" b="0" i="0" u="none" strike="noStrike" dirty="0" err="1">
+                <a:solidFill>
+                  <a:schemeClr val="tx1"/>
+                </a:solidFill>
+                <a:effectLst/>
+                <a:latin typeface="Times New Roman" panose="02020603050405020304" pitchFamily="18" charset="0"/>
+                <a:cs typeface="Times New Roman" panose="02020603050405020304" pitchFamily="18" charset="0"/>
+              </a:rPr>
+              <a:t>better</a:t>
+            </a:r>
+            <a:r>
+              <a:rPr lang="tr-TR" sz="1800" b="0" i="0" u="none" strike="noStrike" dirty="0">
+                <a:solidFill>
+                  <a:schemeClr val="tx1"/>
+                </a:solidFill>
+                <a:effectLst/>
+                <a:latin typeface="Times New Roman" panose="02020603050405020304" pitchFamily="18" charset="0"/>
+                <a:cs typeface="Times New Roman" panose="02020603050405020304" pitchFamily="18" charset="0"/>
+              </a:rPr>
+              <a:t> since we </a:t>
+            </a:r>
+            <a:r>
+              <a:rPr lang="tr-TR" sz="1800" b="0" i="0" u="none" strike="noStrike" dirty="0" err="1">
+                <a:solidFill>
+                  <a:schemeClr val="tx1"/>
+                </a:solidFill>
+                <a:effectLst/>
+                <a:latin typeface="Times New Roman" panose="02020603050405020304" pitchFamily="18" charset="0"/>
+                <a:cs typeface="Times New Roman" panose="02020603050405020304" pitchFamily="18" charset="0"/>
+              </a:rPr>
+              <a:t>learned</a:t>
+            </a:r>
+            <a:r>
+              <a:rPr lang="tr-TR" sz="1800" b="0" i="0" u="none" strike="noStrike" dirty="0">
+                <a:solidFill>
+                  <a:schemeClr val="tx1"/>
+                </a:solidFill>
+                <a:effectLst/>
+                <a:latin typeface="Times New Roman" panose="02020603050405020304" pitchFamily="18" charset="0"/>
+                <a:cs typeface="Times New Roman" panose="02020603050405020304" pitchFamily="18" charset="0"/>
+              </a:rPr>
+              <a:t> in </a:t>
+            </a:r>
+            <a:r>
+              <a:rPr lang="tr-TR" sz="1800" b="0" i="0" u="none" strike="noStrike" dirty="0" err="1">
+                <a:solidFill>
+                  <a:schemeClr val="tx1"/>
+                </a:solidFill>
+                <a:effectLst/>
+                <a:latin typeface="Times New Roman" panose="02020603050405020304" pitchFamily="18" charset="0"/>
+                <a:cs typeface="Times New Roman" panose="02020603050405020304" pitchFamily="18" charset="0"/>
+              </a:rPr>
+              <a:t>class</a:t>
+            </a:r>
+            <a:r>
+              <a:rPr lang="tr-TR" sz="1800" b="0" i="0" u="none" strike="noStrike" dirty="0">
+                <a:solidFill>
+                  <a:schemeClr val="tx1"/>
+                </a:solidFill>
+                <a:effectLst/>
+                <a:latin typeface="Times New Roman" panose="02020603050405020304" pitchFamily="18" charset="0"/>
+                <a:cs typeface="Times New Roman" panose="02020603050405020304" pitchFamily="18" charset="0"/>
+              </a:rPr>
+              <a:t>?</a:t>
+            </a:r>
+          </a:p>
+          <a:p>
+            <a:pPr marL="285750" indent="-285750" rtl="0" fontAlgn="base">
+              <a:buFont typeface="Arial" panose="020B0604020202020204" pitchFamily="34" charset="0"/>
+              <a:buChar char="•"/>
+            </a:pPr>
+            <a:r>
+              <a:rPr lang="tr-TR" sz="1800" b="0" i="0" u="none" strike="noStrike" dirty="0" err="1">
+                <a:solidFill>
+                  <a:schemeClr val="tx1"/>
+                </a:solidFill>
+                <a:effectLst/>
+                <a:latin typeface="Times New Roman" panose="02020603050405020304" pitchFamily="18" charset="0"/>
+                <a:cs typeface="Times New Roman" panose="02020603050405020304" pitchFamily="18" charset="0"/>
+              </a:rPr>
+              <a:t>PyTorch</a:t>
+            </a:r>
+            <a:r>
+              <a:rPr lang="tr-TR" sz="1800" b="0" i="0" u="none" strike="noStrike" dirty="0">
+                <a:solidFill>
+                  <a:schemeClr val="tx1"/>
+                </a:solidFill>
+                <a:effectLst/>
+                <a:latin typeface="Times New Roman" panose="02020603050405020304" pitchFamily="18" charset="0"/>
+                <a:cs typeface="Times New Roman" panose="02020603050405020304" pitchFamily="18" charset="0"/>
+              </a:rPr>
+              <a:t>: </a:t>
+            </a:r>
+            <a:r>
+              <a:rPr lang="tr-TR" sz="1800" b="0" i="0" u="none" strike="noStrike" dirty="0" err="1">
+                <a:solidFill>
+                  <a:schemeClr val="tx1"/>
+                </a:solidFill>
+                <a:effectLst/>
+                <a:latin typeface="Times New Roman" panose="02020603050405020304" pitchFamily="18" charset="0"/>
+                <a:cs typeface="Times New Roman" panose="02020603050405020304" pitchFamily="18" charset="0"/>
+              </a:rPr>
+              <a:t>Use</a:t>
+            </a:r>
+            <a:r>
+              <a:rPr lang="tr-TR" sz="1800" b="0" i="0" u="none" strike="noStrike" dirty="0">
+                <a:solidFill>
+                  <a:schemeClr val="tx1"/>
+                </a:solidFill>
+                <a:effectLst/>
+                <a:latin typeface="Times New Roman" panose="02020603050405020304" pitchFamily="18" charset="0"/>
+                <a:cs typeface="Times New Roman" panose="02020603050405020304" pitchFamily="18" charset="0"/>
+              </a:rPr>
+              <a:t> a </a:t>
+            </a:r>
+            <a:r>
+              <a:rPr lang="tr-TR" sz="1800" b="0" i="0" u="none" strike="noStrike" dirty="0" err="1">
+                <a:solidFill>
+                  <a:schemeClr val="tx1"/>
+                </a:solidFill>
+                <a:effectLst/>
+                <a:latin typeface="Times New Roman" panose="02020603050405020304" pitchFamily="18" charset="0"/>
+                <a:cs typeface="Times New Roman" panose="02020603050405020304" pitchFamily="18" charset="0"/>
+              </a:rPr>
+              <a:t>custom</a:t>
+            </a:r>
+            <a:r>
+              <a:rPr lang="tr-TR" sz="1800" b="0" i="0" u="none" strike="noStrike" dirty="0">
+                <a:solidFill>
+                  <a:schemeClr val="tx1"/>
+                </a:solidFill>
+                <a:effectLst/>
+                <a:latin typeface="Times New Roman" panose="02020603050405020304" pitchFamily="18" charset="0"/>
+                <a:cs typeface="Times New Roman" panose="02020603050405020304" pitchFamily="18" charset="0"/>
+              </a:rPr>
+              <a:t> </a:t>
+            </a:r>
+            <a:r>
+              <a:rPr lang="tr-TR" sz="1800" b="0" i="0" u="none" strike="noStrike" dirty="0" err="1">
+                <a:solidFill>
+                  <a:schemeClr val="tx1"/>
+                </a:solidFill>
+                <a:effectLst/>
+                <a:latin typeface="Times New Roman" panose="02020603050405020304" pitchFamily="18" charset="0"/>
+                <a:cs typeface="Times New Roman" panose="02020603050405020304" pitchFamily="18" charset="0"/>
+              </a:rPr>
+              <a:t>Dataset</a:t>
+            </a:r>
+            <a:r>
+              <a:rPr lang="tr-TR" sz="1800" b="0" i="0" u="none" strike="noStrike" dirty="0">
+                <a:solidFill>
+                  <a:schemeClr val="tx1"/>
+                </a:solidFill>
+                <a:effectLst/>
+                <a:latin typeface="Times New Roman" panose="02020603050405020304" pitchFamily="18" charset="0"/>
+                <a:cs typeface="Times New Roman" panose="02020603050405020304" pitchFamily="18" charset="0"/>
+              </a:rPr>
+              <a:t> class to feed </a:t>
+            </a:r>
+            <a:r>
+              <a:rPr lang="tr-TR" sz="1800" b="0" i="0" u="none" strike="noStrike" dirty="0" err="1">
+                <a:solidFill>
+                  <a:schemeClr val="tx1"/>
+                </a:solidFill>
+                <a:effectLst/>
+                <a:latin typeface="Times New Roman" panose="02020603050405020304" pitchFamily="18" charset="0"/>
+                <a:cs typeface="Times New Roman" panose="02020603050405020304" pitchFamily="18" charset="0"/>
+              </a:rPr>
+              <a:t>images</a:t>
+            </a:r>
+            <a:r>
+              <a:rPr lang="tr-TR" sz="1800" b="0" i="0" u="none" strike="noStrike" dirty="0">
+                <a:solidFill>
+                  <a:schemeClr val="tx1"/>
+                </a:solidFill>
+                <a:effectLst/>
+                <a:latin typeface="Times New Roman" panose="02020603050405020304" pitchFamily="18" charset="0"/>
+                <a:cs typeface="Times New Roman" panose="02020603050405020304" pitchFamily="18" charset="0"/>
+              </a:rPr>
+              <a:t> and </a:t>
+            </a:r>
+            <a:r>
+              <a:rPr lang="tr-TR" sz="1800" b="0" i="0" u="none" strike="noStrike" dirty="0" err="1">
+                <a:solidFill>
+                  <a:schemeClr val="tx1"/>
+                </a:solidFill>
+                <a:effectLst/>
+                <a:latin typeface="Times New Roman" panose="02020603050405020304" pitchFamily="18" charset="0"/>
+                <a:cs typeface="Times New Roman" panose="02020603050405020304" pitchFamily="18" charset="0"/>
+              </a:rPr>
+              <a:t>labels</a:t>
+            </a:r>
+            <a:r>
+              <a:rPr lang="tr-TR" sz="1800" b="0" i="0" u="none" strike="noStrike" dirty="0">
+                <a:solidFill>
+                  <a:schemeClr val="tx1"/>
+                </a:solidFill>
+                <a:effectLst/>
+                <a:latin typeface="Times New Roman" panose="02020603050405020304" pitchFamily="18" charset="0"/>
+                <a:cs typeface="Times New Roman" panose="02020603050405020304" pitchFamily="18" charset="0"/>
+              </a:rPr>
+              <a:t>.</a:t>
+            </a:r>
+            <a:endParaRPr lang="tr-TR" dirty="0">
+              <a:solidFill>
+                <a:schemeClr val="tx1"/>
+              </a:solidFill>
+              <a:latin typeface="Times New Roman" panose="02020603050405020304" pitchFamily="18" charset="0"/>
+              <a:cs typeface="Times New Roman" panose="02020603050405020304" pitchFamily="18" charset="0"/>
+            </a:endParaRPr>
+          </a:p>
+          <a:p>
+            <a:pPr marL="285750" indent="-285750" rtl="0" fontAlgn="base">
+              <a:buFont typeface="Arial" panose="020B0604020202020204" pitchFamily="34" charset="0"/>
+              <a:buChar char="•"/>
+            </a:pPr>
+            <a:r>
+              <a:rPr lang="tr-TR" sz="1800" b="0" i="0" u="none" strike="noStrike" dirty="0" err="1">
+                <a:solidFill>
+                  <a:schemeClr val="tx1"/>
+                </a:solidFill>
+                <a:effectLst/>
+                <a:latin typeface="Times New Roman" panose="02020603050405020304" pitchFamily="18" charset="0"/>
+                <a:cs typeface="Times New Roman" panose="02020603050405020304" pitchFamily="18" charset="0"/>
+              </a:rPr>
+              <a:t>TensorFlow</a:t>
+            </a:r>
+            <a:r>
+              <a:rPr lang="tr-TR" sz="1800" b="0" i="0" u="none" strike="noStrike" dirty="0">
+                <a:solidFill>
+                  <a:schemeClr val="tx1"/>
+                </a:solidFill>
+                <a:effectLst/>
+                <a:latin typeface="Times New Roman" panose="02020603050405020304" pitchFamily="18" charset="0"/>
+                <a:cs typeface="Times New Roman" panose="02020603050405020304" pitchFamily="18" charset="0"/>
+              </a:rPr>
+              <a:t>: </a:t>
+            </a:r>
+            <a:r>
+              <a:rPr lang="tr-TR" sz="1800" b="0" i="0" u="none" strike="noStrike" dirty="0" err="1">
+                <a:solidFill>
+                  <a:schemeClr val="tx1"/>
+                </a:solidFill>
+                <a:effectLst/>
+                <a:latin typeface="Times New Roman" panose="02020603050405020304" pitchFamily="18" charset="0"/>
+                <a:cs typeface="Times New Roman" panose="02020603050405020304" pitchFamily="18" charset="0"/>
+              </a:rPr>
+              <a:t>Use</a:t>
+            </a:r>
+            <a:r>
+              <a:rPr lang="tr-TR" sz="1800" b="0" i="0" u="none" strike="noStrike" dirty="0">
+                <a:solidFill>
+                  <a:schemeClr val="tx1"/>
+                </a:solidFill>
+                <a:effectLst/>
+                <a:latin typeface="Times New Roman" panose="02020603050405020304" pitchFamily="18" charset="0"/>
+                <a:cs typeface="Times New Roman" panose="02020603050405020304" pitchFamily="18" charset="0"/>
+              </a:rPr>
+              <a:t> </a:t>
+            </a:r>
+            <a:r>
+              <a:rPr lang="tr-TR" sz="1800" b="0" i="0" u="none" strike="noStrike" dirty="0" err="1">
+                <a:solidFill>
+                  <a:schemeClr val="tx1"/>
+                </a:solidFill>
+                <a:effectLst/>
+                <a:latin typeface="Times New Roman" panose="02020603050405020304" pitchFamily="18" charset="0"/>
+                <a:cs typeface="Times New Roman" panose="02020603050405020304" pitchFamily="18" charset="0"/>
+              </a:rPr>
+              <a:t>tf.data.Dataset</a:t>
+            </a:r>
+            <a:r>
+              <a:rPr lang="tr-TR" sz="1800" b="0" i="0" u="none" strike="noStrike" dirty="0">
+                <a:solidFill>
+                  <a:schemeClr val="tx1"/>
+                </a:solidFill>
+                <a:effectLst/>
+                <a:latin typeface="Times New Roman" panose="02020603050405020304" pitchFamily="18" charset="0"/>
+                <a:cs typeface="Times New Roman" panose="02020603050405020304" pitchFamily="18" charset="0"/>
+              </a:rPr>
+              <a:t> for </a:t>
+            </a:r>
+            <a:r>
+              <a:rPr lang="tr-TR" sz="1800" b="0" i="0" u="none" strike="noStrike" dirty="0" err="1">
+                <a:solidFill>
+                  <a:schemeClr val="tx1"/>
+                </a:solidFill>
+                <a:effectLst/>
+                <a:latin typeface="Times New Roman" panose="02020603050405020304" pitchFamily="18" charset="0"/>
+                <a:cs typeface="Times New Roman" panose="02020603050405020304" pitchFamily="18" charset="0"/>
+              </a:rPr>
+              <a:t>batching</a:t>
+            </a:r>
+            <a:r>
+              <a:rPr lang="tr-TR" sz="1800" b="0" i="0" u="none" strike="noStrike" dirty="0">
+                <a:solidFill>
+                  <a:schemeClr val="tx1"/>
+                </a:solidFill>
+                <a:effectLst/>
+                <a:latin typeface="Times New Roman" panose="02020603050405020304" pitchFamily="18" charset="0"/>
+                <a:cs typeface="Times New Roman" panose="02020603050405020304" pitchFamily="18" charset="0"/>
+              </a:rPr>
+              <a:t> </a:t>
+            </a:r>
+            <a:r>
+              <a:rPr lang="tr-TR" sz="1800" b="0" i="0" u="none" strike="noStrike" dirty="0" err="1">
+                <a:solidFill>
+                  <a:schemeClr val="tx1"/>
+                </a:solidFill>
+                <a:effectLst/>
+                <a:latin typeface="Times New Roman" panose="02020603050405020304" pitchFamily="18" charset="0"/>
+                <a:cs typeface="Times New Roman" panose="02020603050405020304" pitchFamily="18" charset="0"/>
+              </a:rPr>
+              <a:t>and</a:t>
+            </a:r>
+            <a:r>
+              <a:rPr lang="tr-TR" sz="1800" b="0" i="0" u="none" strike="noStrike" dirty="0">
+                <a:solidFill>
+                  <a:schemeClr val="tx1"/>
+                </a:solidFill>
+                <a:effectLst/>
+                <a:latin typeface="Times New Roman" panose="02020603050405020304" pitchFamily="18" charset="0"/>
+                <a:cs typeface="Times New Roman" panose="02020603050405020304" pitchFamily="18" charset="0"/>
+              </a:rPr>
+              <a:t> </a:t>
+            </a:r>
+            <a:r>
+              <a:rPr lang="tr-TR" sz="1800" b="0" i="0" u="none" strike="noStrike" dirty="0" err="1">
+                <a:solidFill>
+                  <a:schemeClr val="tx1"/>
+                </a:solidFill>
+                <a:effectLst/>
+                <a:latin typeface="Times New Roman" panose="02020603050405020304" pitchFamily="18" charset="0"/>
+                <a:cs typeface="Times New Roman" panose="02020603050405020304" pitchFamily="18" charset="0"/>
+              </a:rPr>
+              <a:t>prefetching</a:t>
+            </a:r>
+            <a:endParaRPr lang="tr-TR" dirty="0">
+              <a:solidFill>
+                <a:schemeClr val="tx1"/>
+              </a:solidFill>
+              <a:latin typeface="Times New Roman" panose="02020603050405020304" pitchFamily="18" charset="0"/>
+              <a:cs typeface="Times New Roman" panose="02020603050405020304" pitchFamily="18" charset="0"/>
+            </a:endParaRPr>
+          </a:p>
+          <a:p>
+            <a:pPr marL="285750" indent="-285750" rtl="0" fontAlgn="base">
+              <a:buFont typeface="Arial" panose="020B0604020202020204" pitchFamily="34" charset="0"/>
+              <a:buChar char="•"/>
+            </a:pPr>
+            <a:r>
+              <a:rPr lang="tr-TR" sz="1800" b="0" i="0" u="none" strike="noStrike" dirty="0" err="1">
+                <a:solidFill>
+                  <a:srgbClr val="595959"/>
+                </a:solidFill>
+                <a:effectLst/>
+                <a:latin typeface="Lucida Console" panose="020B0609040504020204" pitchFamily="49" charset="0"/>
+                <a:cs typeface="Times New Roman" panose="02020603050405020304" pitchFamily="18" charset="0"/>
+              </a:rPr>
+              <a:t>train_ds</a:t>
+            </a:r>
+            <a:r>
+              <a:rPr lang="tr-TR" sz="1800" b="0" i="0" u="none" strike="noStrike" dirty="0">
+                <a:solidFill>
+                  <a:srgbClr val="595959"/>
+                </a:solidFill>
+                <a:effectLst/>
+                <a:latin typeface="Lucida Console" panose="020B0609040504020204" pitchFamily="49" charset="0"/>
+                <a:cs typeface="Times New Roman" panose="02020603050405020304" pitchFamily="18" charset="0"/>
+              </a:rPr>
+              <a:t> = </a:t>
+            </a:r>
+            <a:r>
+              <a:rPr lang="tr-TR" sz="1800" b="0" i="0" u="none" strike="noStrike" dirty="0" err="1">
+                <a:solidFill>
+                  <a:srgbClr val="595959"/>
+                </a:solidFill>
+                <a:effectLst/>
+                <a:latin typeface="Lucida Console" panose="020B0609040504020204" pitchFamily="49" charset="0"/>
+                <a:cs typeface="Times New Roman" panose="02020603050405020304" pitchFamily="18" charset="0"/>
+              </a:rPr>
+              <a:t>torchvision.datasets.ImageFolder</a:t>
+            </a:r>
+            <a:r>
+              <a:rPr lang="tr-TR" sz="1800" b="0" i="0" u="none" strike="noStrike" dirty="0">
+                <a:solidFill>
+                  <a:srgbClr val="595959"/>
+                </a:solidFill>
+                <a:effectLst/>
+                <a:latin typeface="Lucida Console" panose="020B0609040504020204" pitchFamily="49" charset="0"/>
+                <a:cs typeface="Times New Roman" panose="02020603050405020304" pitchFamily="18" charset="0"/>
+              </a:rPr>
+              <a:t>("path_to_data", </a:t>
+            </a:r>
+            <a:r>
+              <a:rPr lang="tr-TR" sz="1800" b="0" i="0" u="none" strike="noStrike" dirty="0" err="1">
+                <a:solidFill>
+                  <a:srgbClr val="595959"/>
+                </a:solidFill>
+                <a:effectLst/>
+                <a:latin typeface="Lucida Console" panose="020B0609040504020204" pitchFamily="49" charset="0"/>
+                <a:cs typeface="Times New Roman" panose="02020603050405020304" pitchFamily="18" charset="0"/>
+              </a:rPr>
+              <a:t>transform</a:t>
+            </a:r>
+            <a:r>
+              <a:rPr lang="tr-TR" sz="1800" b="0" i="0" u="none" strike="noStrike" dirty="0">
+                <a:solidFill>
+                  <a:srgbClr val="595959"/>
+                </a:solidFill>
+                <a:effectLst/>
+                <a:latin typeface="Lucida Console" panose="020B0609040504020204" pitchFamily="49" charset="0"/>
+                <a:cs typeface="Times New Roman" panose="02020603050405020304" pitchFamily="18" charset="0"/>
+              </a:rPr>
+              <a:t>=...)</a:t>
+            </a:r>
+            <a:r>
+              <a:rPr lang="tr-TR" sz="1800" b="0" i="0" u="none" strike="noStrike" dirty="0" err="1">
+                <a:solidFill>
+                  <a:srgbClr val="595959"/>
+                </a:solidFill>
+                <a:effectLst/>
+                <a:latin typeface="Lucida Console" panose="020B0609040504020204" pitchFamily="49" charset="0"/>
+                <a:cs typeface="Times New Roman" panose="02020603050405020304" pitchFamily="18" charset="0"/>
+              </a:rPr>
+              <a:t>train_loader</a:t>
+            </a:r>
+            <a:r>
+              <a:rPr lang="tr-TR" sz="1800" b="0" i="0" u="none" strike="noStrike" dirty="0">
+                <a:solidFill>
+                  <a:srgbClr val="595959"/>
+                </a:solidFill>
+                <a:effectLst/>
+                <a:latin typeface="Lucida Console" panose="020B0609040504020204" pitchFamily="49" charset="0"/>
+                <a:cs typeface="Times New Roman" panose="02020603050405020304" pitchFamily="18" charset="0"/>
+              </a:rPr>
+              <a:t> = torch.utils.data.DataLoader(</a:t>
+            </a:r>
+            <a:r>
+              <a:rPr lang="tr-TR" sz="1800" b="0" i="0" u="none" strike="noStrike" dirty="0" err="1">
+                <a:solidFill>
+                  <a:srgbClr val="595959"/>
+                </a:solidFill>
+                <a:effectLst/>
+                <a:latin typeface="Lucida Console" panose="020B0609040504020204" pitchFamily="49" charset="0"/>
+                <a:cs typeface="Times New Roman" panose="02020603050405020304" pitchFamily="18" charset="0"/>
+              </a:rPr>
+              <a:t>train_ds</a:t>
+            </a:r>
+            <a:r>
+              <a:rPr lang="tr-TR" sz="1800" b="0" i="0" u="none" strike="noStrike" dirty="0">
+                <a:solidFill>
+                  <a:srgbClr val="595959"/>
+                </a:solidFill>
+                <a:effectLst/>
+                <a:latin typeface="Lucida Console" panose="020B0609040504020204" pitchFamily="49" charset="0"/>
+                <a:cs typeface="Times New Roman" panose="02020603050405020304" pitchFamily="18" charset="0"/>
+              </a:rPr>
+              <a:t>, </a:t>
+            </a:r>
+            <a:r>
+              <a:rPr lang="tr-TR" sz="1800" b="0" i="0" u="none" strike="noStrike" dirty="0" err="1">
+                <a:solidFill>
+                  <a:srgbClr val="595959"/>
+                </a:solidFill>
+                <a:effectLst/>
+                <a:latin typeface="Lucida Console" panose="020B0609040504020204" pitchFamily="49" charset="0"/>
+                <a:cs typeface="Times New Roman" panose="02020603050405020304" pitchFamily="18" charset="0"/>
+              </a:rPr>
+              <a:t>batch_size</a:t>
+            </a:r>
+            <a:r>
+              <a:rPr lang="tr-TR" sz="1800" b="0" i="0" u="none" strike="noStrike" dirty="0">
+                <a:solidFill>
+                  <a:srgbClr val="595959"/>
+                </a:solidFill>
+                <a:effectLst/>
+                <a:latin typeface="Lucida Console" panose="020B0609040504020204" pitchFamily="49" charset="0"/>
+                <a:cs typeface="Times New Roman" panose="02020603050405020304" pitchFamily="18" charset="0"/>
+              </a:rPr>
+              <a:t>=32, shuffle=True)</a:t>
+            </a:r>
+            <a:endParaRPr lang="en-US" sz="1800" b="0" i="0" u="none" strike="noStrike" dirty="0">
+              <a:solidFill>
+                <a:srgbClr val="595959"/>
+              </a:solidFill>
+              <a:effectLst/>
+              <a:latin typeface="Lucida Console" panose="020B0609040504020204" pitchFamily="49" charset="0"/>
+              <a:cs typeface="Times New Roman" panose="02020603050405020304" pitchFamily="18" charset="0"/>
+            </a:endParaRPr>
+          </a:p>
+          <a:p>
+            <a:pPr rtl="0"/>
+            <a:r>
+              <a:rPr lang="tr-TR" sz="1800" b="0" i="0" u="none" strike="noStrike" dirty="0">
+                <a:solidFill>
+                  <a:srgbClr val="595959"/>
+                </a:solidFill>
+                <a:effectLst/>
+                <a:latin typeface="Times New Roman" panose="02020603050405020304" pitchFamily="18" charset="0"/>
+                <a:cs typeface="Times New Roman" panose="02020603050405020304" pitchFamily="18" charset="0"/>
+              </a:rPr>
+              <a:t> </a:t>
+            </a:r>
+            <a:endParaRPr lang="tr-TR" dirty="0">
+              <a:effectLst/>
+              <a:latin typeface="Times New Roman" panose="02020603050405020304" pitchFamily="18" charset="0"/>
+              <a:cs typeface="Times New Roman" panose="02020603050405020304" pitchFamily="18" charset="0"/>
+            </a:endParaRPr>
           </a:p>
         </p:txBody>
       </p:sp>
@@ -3534,10 +5535,9 @@
           <a:lstStyle/>
           <a:p>
             <a:r>
-              <a:rPr lang="de-DE"/>
+              <a:rPr lang="de-DE" dirty="0"/>
               <a:t>Georg-August-Universität Göttingen</a:t>
             </a:r>
-            <a:endParaRPr lang="de-DE" dirty="0"/>
           </a:p>
         </p:txBody>
       </p:sp>
@@ -3640,6 +5640,2353 @@
 </file>
 
 <file path=ppt/slides/slide14.xml><?xml version="1.0" encoding="utf-8"?>
+<p:sld xmlns:a="http://schemas.openxmlformats.org/drawingml/2006/main" xmlns:r="http://schemas.openxmlformats.org/officeDocument/2006/relationships" xmlns:p="http://schemas.openxmlformats.org/presentationml/2006/main">
+  <p:cSld>
+    <p:spTree>
+      <p:nvGrpSpPr>
+        <p:cNvPr id="1" name=""/>
+        <p:cNvGrpSpPr/>
+        <p:nvPr/>
+      </p:nvGrpSpPr>
+      <p:grpSpPr>
+        <a:xfrm>
+          <a:off x="0" y="0"/>
+          <a:ext cx="0" cy="0"/>
+          <a:chOff x="0" y="0"/>
+          <a:chExt cx="0" cy="0"/>
+        </a:xfrm>
+      </p:grpSpPr>
+      <p:pic>
+        <p:nvPicPr>
+          <p:cNvPr id="12" name="Resim 11">
+            <a:extLst>
+              <a:ext uri="{FF2B5EF4-FFF2-40B4-BE49-F238E27FC236}">
+                <a16:creationId xmlns:a16="http://schemas.microsoft.com/office/drawing/2014/main" id="{5944661C-DC8C-0768-72A2-8527BB9F0B08}"/>
+              </a:ext>
+            </a:extLst>
+          </p:cNvPr>
+          <p:cNvPicPr>
+            <a:picLocks noChangeAspect="1"/>
+          </p:cNvPicPr>
+          <p:nvPr/>
+        </p:nvPicPr>
+        <p:blipFill rotWithShape="1">
+          <a:blip r:embed="rId2" cstate="print">
+            <a:extLst>
+              <a:ext uri="{28A0092B-C50C-407E-A947-70E740481C1C}">
+                <a14:useLocalDpi xmlns:a14="http://schemas.microsoft.com/office/drawing/2010/main" val="0"/>
+              </a:ext>
+            </a:extLst>
+          </a:blip>
+          <a:srcRect t="13606"/>
+          <a:stretch/>
+        </p:blipFill>
+        <p:spPr>
+          <a:xfrm>
+            <a:off x="5566915" y="735778"/>
+            <a:ext cx="3237760" cy="3896769"/>
+          </a:xfrm>
+          <a:prstGeom prst="rect">
+            <a:avLst/>
+          </a:prstGeom>
+        </p:spPr>
+      </p:pic>
+      <p:sp>
+        <p:nvSpPr>
+          <p:cNvPr id="2" name="Başlık 1">
+            <a:extLst>
+              <a:ext uri="{FF2B5EF4-FFF2-40B4-BE49-F238E27FC236}">
+                <a16:creationId xmlns:a16="http://schemas.microsoft.com/office/drawing/2014/main" id="{46DE654A-E3FA-E784-FB25-2428ED649F69}"/>
+              </a:ext>
+            </a:extLst>
+          </p:cNvPr>
+          <p:cNvSpPr>
+            <a:spLocks noGrp="1"/>
+          </p:cNvSpPr>
+          <p:nvPr>
+            <p:ph type="title"/>
+          </p:nvPr>
+        </p:nvSpPr>
+        <p:spPr>
+          <a:xfrm>
+            <a:off x="467544" y="840214"/>
+            <a:ext cx="7623279" cy="430887"/>
+          </a:xfrm>
+        </p:spPr>
+        <p:txBody>
+          <a:bodyPr/>
+          <a:lstStyle/>
+          <a:p>
+            <a:r>
+              <a:rPr lang="en-US" b="1" dirty="0">
+                <a:latin typeface="Times New Roman" panose="02020603050405020304" pitchFamily="18" charset="0"/>
+                <a:cs typeface="Times New Roman" panose="02020603050405020304" pitchFamily="18" charset="0"/>
+              </a:rPr>
+              <a:t>Different Models </a:t>
+            </a:r>
+            <a:r>
+              <a:rPr lang="en-US" dirty="0">
+                <a:latin typeface="Times New Roman" panose="02020603050405020304" pitchFamily="18" charset="0"/>
+                <a:cs typeface="Times New Roman" panose="02020603050405020304" pitchFamily="18" charset="0"/>
+              </a:rPr>
+              <a:t>–</a:t>
+            </a:r>
+            <a:r>
+              <a:rPr lang="en-US" sz="2400" dirty="0">
+                <a:latin typeface="Times New Roman" panose="02020603050405020304" pitchFamily="18" charset="0"/>
+                <a:cs typeface="Times New Roman" panose="02020603050405020304" pitchFamily="18" charset="0"/>
+              </a:rPr>
+              <a:t> </a:t>
+            </a:r>
+            <a:r>
+              <a:rPr lang="en-US" dirty="0">
+                <a:latin typeface="Times New Roman" panose="02020603050405020304" pitchFamily="18" charset="0"/>
+                <a:cs typeface="Times New Roman" panose="02020603050405020304" pitchFamily="18" charset="0"/>
+              </a:rPr>
+              <a:t>CNN</a:t>
+            </a:r>
+            <a:endParaRPr lang="tr-DE" dirty="0">
+              <a:latin typeface="Times New Roman" panose="02020603050405020304" pitchFamily="18" charset="0"/>
+              <a:cs typeface="Times New Roman" panose="02020603050405020304" pitchFamily="18" charset="0"/>
+            </a:endParaRPr>
+          </a:p>
+        </p:txBody>
+      </p:sp>
+      <p:sp>
+        <p:nvSpPr>
+          <p:cNvPr id="3" name="Metin Yer Tutucusu 2">
+            <a:extLst>
+              <a:ext uri="{FF2B5EF4-FFF2-40B4-BE49-F238E27FC236}">
+                <a16:creationId xmlns:a16="http://schemas.microsoft.com/office/drawing/2014/main" id="{9FBD22B8-DF2E-00F4-16F1-4E0345611A54}"/>
+              </a:ext>
+            </a:extLst>
+          </p:cNvPr>
+          <p:cNvSpPr>
+            <a:spLocks noGrp="1"/>
+          </p:cNvSpPr>
+          <p:nvPr>
+            <p:ph type="body" idx="1"/>
+          </p:nvPr>
+        </p:nvSpPr>
+        <p:spPr>
+          <a:xfrm rot="10800000" flipV="1">
+            <a:off x="395536" y="1300328"/>
+            <a:ext cx="7015635" cy="3238435"/>
+          </a:xfrm>
+        </p:spPr>
+        <p:txBody>
+          <a:bodyPr/>
+          <a:lstStyle/>
+          <a:p>
+            <a:pPr rtl="0"/>
+            <a:r>
+              <a:rPr lang="tr-TR" sz="1500" b="0" i="0" u="none" strike="noStrike" dirty="0" err="1">
+                <a:solidFill>
+                  <a:schemeClr val="tx1"/>
+                </a:solidFill>
+                <a:effectLst/>
+                <a:latin typeface="Times New Roman" panose="02020603050405020304" pitchFamily="18" charset="0"/>
+                <a:cs typeface="Times New Roman" panose="02020603050405020304" pitchFamily="18" charset="0"/>
+              </a:rPr>
+              <a:t>Add</a:t>
+            </a:r>
+            <a:r>
+              <a:rPr lang="tr-TR" sz="1500" b="0" i="0" u="none" strike="noStrike" dirty="0">
+                <a:solidFill>
+                  <a:schemeClr val="tx1"/>
+                </a:solidFill>
+                <a:effectLst/>
+                <a:latin typeface="Times New Roman" panose="02020603050405020304" pitchFamily="18" charset="0"/>
+                <a:cs typeface="Times New Roman" panose="02020603050405020304" pitchFamily="18" charset="0"/>
+              </a:rPr>
+              <a:t> Metadata (</a:t>
+            </a:r>
+            <a:r>
+              <a:rPr lang="tr-TR" sz="1500" b="0" i="0" u="none" strike="noStrike" dirty="0" err="1">
+                <a:solidFill>
+                  <a:schemeClr val="tx1"/>
+                </a:solidFill>
+                <a:effectLst/>
+                <a:latin typeface="Times New Roman" panose="02020603050405020304" pitchFamily="18" charset="0"/>
+                <a:cs typeface="Times New Roman" panose="02020603050405020304" pitchFamily="18" charset="0"/>
+              </a:rPr>
+              <a:t>Optional</a:t>
+            </a:r>
+            <a:r>
+              <a:rPr lang="tr-TR" sz="1500" b="0" i="0" u="none" strike="noStrike" dirty="0">
+                <a:solidFill>
+                  <a:schemeClr val="tx1"/>
+                </a:solidFill>
+                <a:effectLst/>
+                <a:latin typeface="Times New Roman" panose="02020603050405020304" pitchFamily="18" charset="0"/>
+                <a:cs typeface="Times New Roman" panose="02020603050405020304" pitchFamily="18" charset="0"/>
+              </a:rPr>
+              <a:t> Feature Enhancement)</a:t>
+            </a:r>
+            <a:endParaRPr lang="tr-TR" sz="1500" dirty="0">
+              <a:solidFill>
+                <a:schemeClr val="tx1"/>
+              </a:solidFill>
+              <a:effectLst/>
+              <a:latin typeface="Times New Roman" panose="02020603050405020304" pitchFamily="18" charset="0"/>
+              <a:cs typeface="Times New Roman" panose="02020603050405020304" pitchFamily="18" charset="0"/>
+            </a:endParaRPr>
+          </a:p>
+          <a:p>
+            <a:pPr rtl="0"/>
+            <a:br>
+              <a:rPr lang="tr-TR" sz="1500" dirty="0">
+                <a:solidFill>
+                  <a:schemeClr val="tx1"/>
+                </a:solidFill>
+                <a:latin typeface="Times New Roman" panose="02020603050405020304" pitchFamily="18" charset="0"/>
+                <a:cs typeface="Times New Roman" panose="02020603050405020304" pitchFamily="18" charset="0"/>
+              </a:rPr>
+            </a:br>
+            <a:r>
+              <a:rPr lang="tr-TR" sz="1500" b="0" i="0" u="none" strike="noStrike" dirty="0" err="1">
+                <a:solidFill>
+                  <a:schemeClr val="tx1"/>
+                </a:solidFill>
+                <a:effectLst/>
+                <a:latin typeface="Times New Roman" panose="02020603050405020304" pitchFamily="18" charset="0"/>
+                <a:cs typeface="Times New Roman" panose="02020603050405020304" pitchFamily="18" charset="0"/>
+              </a:rPr>
+              <a:t>Neighbourhood</a:t>
+            </a:r>
+            <a:r>
+              <a:rPr lang="tr-TR" sz="1500" b="0" i="0" u="none" strike="noStrike" dirty="0">
+                <a:solidFill>
+                  <a:schemeClr val="tx1"/>
+                </a:solidFill>
+                <a:effectLst/>
+                <a:latin typeface="Times New Roman" panose="02020603050405020304" pitchFamily="18" charset="0"/>
+                <a:cs typeface="Times New Roman" panose="02020603050405020304" pitchFamily="18" charset="0"/>
+              </a:rPr>
+              <a:t>, </a:t>
+            </a:r>
+            <a:r>
+              <a:rPr lang="tr-TR" sz="1500" b="0" i="0" u="none" strike="noStrike" dirty="0" err="1">
+                <a:solidFill>
+                  <a:schemeClr val="tx1"/>
+                </a:solidFill>
+                <a:effectLst/>
+                <a:latin typeface="Times New Roman" panose="02020603050405020304" pitchFamily="18" charset="0"/>
+                <a:cs typeface="Times New Roman" panose="02020603050405020304" pitchFamily="18" charset="0"/>
+              </a:rPr>
+              <a:t>latitude</a:t>
+            </a:r>
+            <a:r>
+              <a:rPr lang="tr-TR" sz="1500" b="0" i="0" u="none" strike="noStrike" dirty="0">
+                <a:solidFill>
+                  <a:schemeClr val="tx1"/>
+                </a:solidFill>
+                <a:effectLst/>
+                <a:latin typeface="Times New Roman" panose="02020603050405020304" pitchFamily="18" charset="0"/>
+                <a:cs typeface="Times New Roman" panose="02020603050405020304" pitchFamily="18" charset="0"/>
+              </a:rPr>
+              <a:t>, </a:t>
+            </a:r>
+            <a:r>
+              <a:rPr lang="tr-TR" sz="1500" b="0" i="0" u="none" strike="noStrike" dirty="0" err="1">
+                <a:solidFill>
+                  <a:schemeClr val="tx1"/>
+                </a:solidFill>
+                <a:effectLst/>
+                <a:latin typeface="Times New Roman" panose="02020603050405020304" pitchFamily="18" charset="0"/>
+                <a:cs typeface="Times New Roman" panose="02020603050405020304" pitchFamily="18" charset="0"/>
+              </a:rPr>
+              <a:t>longitude</a:t>
+            </a:r>
+            <a:r>
+              <a:rPr lang="tr-TR" sz="1500" b="0" i="0" u="none" strike="noStrike" dirty="0">
+                <a:solidFill>
+                  <a:schemeClr val="tx1"/>
+                </a:solidFill>
+                <a:effectLst/>
+                <a:latin typeface="Times New Roman" panose="02020603050405020304" pitchFamily="18" charset="0"/>
+                <a:cs typeface="Times New Roman" panose="02020603050405020304" pitchFamily="18" charset="0"/>
+              </a:rPr>
+              <a:t>, </a:t>
+            </a:r>
+            <a:r>
+              <a:rPr lang="tr-TR" sz="1500" b="0" i="0" u="none" strike="noStrike" dirty="0" err="1">
+                <a:solidFill>
+                  <a:schemeClr val="tx1"/>
+                </a:solidFill>
+                <a:effectLst/>
+                <a:latin typeface="Times New Roman" panose="02020603050405020304" pitchFamily="18" charset="0"/>
+                <a:cs typeface="Times New Roman" panose="02020603050405020304" pitchFamily="18" charset="0"/>
+              </a:rPr>
+              <a:t>location</a:t>
+            </a:r>
+            <a:r>
+              <a:rPr lang="tr-TR" sz="1500" b="0" i="0" u="none" strike="noStrike" dirty="0">
+                <a:solidFill>
+                  <a:schemeClr val="tx1"/>
+                </a:solidFill>
+                <a:effectLst/>
+                <a:latin typeface="Times New Roman" panose="02020603050405020304" pitchFamily="18" charset="0"/>
+                <a:cs typeface="Times New Roman" panose="02020603050405020304" pitchFamily="18" charset="0"/>
+              </a:rPr>
+              <a:t>, </a:t>
+            </a:r>
+            <a:r>
+              <a:rPr lang="tr-TR" sz="1500" b="0" i="0" u="none" strike="noStrike" dirty="0" err="1">
+                <a:solidFill>
+                  <a:schemeClr val="tx1"/>
+                </a:solidFill>
+                <a:effectLst/>
+                <a:latin typeface="Times New Roman" panose="02020603050405020304" pitchFamily="18" charset="0"/>
+                <a:cs typeface="Times New Roman" panose="02020603050405020304" pitchFamily="18" charset="0"/>
+              </a:rPr>
+              <a:t>etc</a:t>
+            </a:r>
+            <a:endParaRPr lang="tr-TR" sz="1500" dirty="0">
+              <a:solidFill>
+                <a:schemeClr val="tx1"/>
+              </a:solidFill>
+              <a:effectLst/>
+              <a:latin typeface="Times New Roman" panose="02020603050405020304" pitchFamily="18" charset="0"/>
+              <a:cs typeface="Times New Roman" panose="02020603050405020304" pitchFamily="18" charset="0"/>
+            </a:endParaRPr>
+          </a:p>
+          <a:p>
+            <a:pPr marL="285750" indent="-285750" rtl="0">
+              <a:buFont typeface="Arial" panose="020B0604020202020204" pitchFamily="34" charset="0"/>
+              <a:buChar char="•"/>
+            </a:pPr>
+            <a:r>
+              <a:rPr lang="tr-TR" sz="1500" b="0" i="0" u="none" strike="noStrike" dirty="0" err="1">
+                <a:solidFill>
+                  <a:schemeClr val="tx1"/>
+                </a:solidFill>
+                <a:effectLst/>
+                <a:latin typeface="Times New Roman" panose="02020603050405020304" pitchFamily="18" charset="0"/>
+                <a:cs typeface="Times New Roman" panose="02020603050405020304" pitchFamily="18" charset="0"/>
+              </a:rPr>
+              <a:t>Concatenate</a:t>
+            </a:r>
+            <a:r>
+              <a:rPr lang="tr-TR" sz="1500" b="0" i="0" u="none" strike="noStrike" dirty="0">
+                <a:solidFill>
+                  <a:schemeClr val="tx1"/>
+                </a:solidFill>
+                <a:effectLst/>
+                <a:latin typeface="Times New Roman" panose="02020603050405020304" pitchFamily="18" charset="0"/>
+                <a:cs typeface="Times New Roman" panose="02020603050405020304" pitchFamily="18" charset="0"/>
+              </a:rPr>
+              <a:t> metadata features with CNN features </a:t>
+            </a:r>
+            <a:r>
+              <a:rPr lang="tr-TR" sz="1500" b="0" i="0" u="none" strike="noStrike" dirty="0" err="1">
+                <a:solidFill>
+                  <a:schemeClr val="tx1"/>
+                </a:solidFill>
+                <a:effectLst/>
+                <a:latin typeface="Times New Roman" panose="02020603050405020304" pitchFamily="18" charset="0"/>
+                <a:cs typeface="Times New Roman" panose="02020603050405020304" pitchFamily="18" charset="0"/>
+              </a:rPr>
+              <a:t>before</a:t>
+            </a:r>
+            <a:r>
+              <a:rPr lang="tr-TR" sz="1500" b="0" i="0" u="none" strike="noStrike" dirty="0">
+                <a:solidFill>
+                  <a:schemeClr val="tx1"/>
+                </a:solidFill>
+                <a:effectLst/>
+                <a:latin typeface="Times New Roman" panose="02020603050405020304" pitchFamily="18" charset="0"/>
+                <a:cs typeface="Times New Roman" panose="02020603050405020304" pitchFamily="18" charset="0"/>
+              </a:rPr>
+              <a:t> final </a:t>
+            </a:r>
+            <a:r>
+              <a:rPr lang="tr-TR" sz="1500" b="0" i="0" u="none" strike="noStrike" dirty="0" err="1">
+                <a:solidFill>
+                  <a:schemeClr val="tx1"/>
+                </a:solidFill>
+                <a:effectLst/>
+                <a:latin typeface="Times New Roman" panose="02020603050405020304" pitchFamily="18" charset="0"/>
+                <a:cs typeface="Times New Roman" panose="02020603050405020304" pitchFamily="18" charset="0"/>
+              </a:rPr>
+              <a:t>classification</a:t>
+            </a:r>
+            <a:r>
+              <a:rPr lang="tr-TR" sz="1500" b="0" i="0" u="none" strike="noStrike" dirty="0">
+                <a:solidFill>
+                  <a:schemeClr val="tx1"/>
+                </a:solidFill>
+                <a:effectLst/>
+                <a:latin typeface="Times New Roman" panose="02020603050405020304" pitchFamily="18" charset="0"/>
+                <a:cs typeface="Times New Roman" panose="02020603050405020304" pitchFamily="18" charset="0"/>
+              </a:rPr>
+              <a:t> </a:t>
+            </a:r>
+            <a:r>
+              <a:rPr lang="tr-TR" sz="1500" b="0" i="0" u="none" strike="noStrike" dirty="0" err="1">
+                <a:solidFill>
+                  <a:schemeClr val="tx1"/>
+                </a:solidFill>
+                <a:effectLst/>
+                <a:latin typeface="Times New Roman" panose="02020603050405020304" pitchFamily="18" charset="0"/>
+                <a:cs typeface="Times New Roman" panose="02020603050405020304" pitchFamily="18" charset="0"/>
+              </a:rPr>
+              <a:t>layer</a:t>
+            </a:r>
+            <a:r>
+              <a:rPr lang="tr-TR" sz="1500" b="0" i="0" u="none" strike="noStrike" dirty="0">
+                <a:solidFill>
+                  <a:schemeClr val="tx1"/>
+                </a:solidFill>
+                <a:effectLst/>
+                <a:latin typeface="Times New Roman" panose="02020603050405020304" pitchFamily="18" charset="0"/>
+                <a:cs typeface="Times New Roman" panose="02020603050405020304" pitchFamily="18" charset="0"/>
+              </a:rPr>
+              <a:t>.</a:t>
+            </a:r>
+            <a:endParaRPr lang="tr-TR" sz="1500" dirty="0">
+              <a:solidFill>
+                <a:schemeClr val="tx1"/>
+              </a:solidFill>
+              <a:latin typeface="Times New Roman" panose="02020603050405020304" pitchFamily="18" charset="0"/>
+              <a:cs typeface="Times New Roman" panose="02020603050405020304" pitchFamily="18" charset="0"/>
+            </a:endParaRPr>
+          </a:p>
+          <a:p>
+            <a:pPr marL="285750" indent="-285750" rtl="0">
+              <a:buFont typeface="Arial" panose="020B0604020202020204" pitchFamily="34" charset="0"/>
+              <a:buChar char="•"/>
+            </a:pPr>
+            <a:r>
+              <a:rPr lang="tr-TR" sz="1500" b="0" i="0" u="none" strike="noStrike" dirty="0" err="1">
+                <a:solidFill>
+                  <a:schemeClr val="tx1"/>
+                </a:solidFill>
+                <a:effectLst/>
+                <a:latin typeface="Times New Roman" panose="02020603050405020304" pitchFamily="18" charset="0"/>
+                <a:cs typeface="Times New Roman" panose="02020603050405020304" pitchFamily="18" charset="0"/>
+              </a:rPr>
+              <a:t>split</a:t>
+            </a:r>
+            <a:r>
+              <a:rPr lang="tr-TR" sz="1500" b="0" i="0" u="none" strike="noStrike" dirty="0">
+                <a:solidFill>
+                  <a:schemeClr val="tx1"/>
+                </a:solidFill>
+                <a:effectLst/>
+                <a:latin typeface="Times New Roman" panose="02020603050405020304" pitchFamily="18" charset="0"/>
+                <a:cs typeface="Times New Roman" panose="02020603050405020304" pitchFamily="18" charset="0"/>
+              </a:rPr>
+              <a:t> the  model: CNN part + metadata MLP.</a:t>
+            </a:r>
+            <a:endParaRPr lang="de-DE" sz="1500" b="0" i="0" u="none" strike="noStrike" dirty="0">
+              <a:solidFill>
+                <a:schemeClr val="tx1"/>
+              </a:solidFill>
+              <a:effectLst/>
+              <a:latin typeface="Times New Roman" panose="02020603050405020304" pitchFamily="18" charset="0"/>
+              <a:cs typeface="Times New Roman" panose="02020603050405020304" pitchFamily="18" charset="0"/>
+            </a:endParaRPr>
+          </a:p>
+          <a:p>
+            <a:pPr marL="0" marR="0" lvl="0" indent="0" defTabSz="914400" rtl="0" eaLnBrk="1" fontAlgn="auto" latinLnBrk="0" hangingPunct="1">
+              <a:lnSpc>
+                <a:spcPct val="100000"/>
+              </a:lnSpc>
+              <a:spcBef>
+                <a:spcPts val="0"/>
+              </a:spcBef>
+              <a:spcAft>
+                <a:spcPts val="0"/>
+              </a:spcAft>
+              <a:buClrTx/>
+              <a:buSzTx/>
+              <a:buFontTx/>
+              <a:buNone/>
+              <a:tabLst/>
+              <a:defRPr/>
+            </a:pPr>
+            <a:r>
+              <a:rPr kumimoji="0" lang="tr-TR" sz="1500" b="0" i="0" u="none" strike="noStrike" kern="0" cap="none" spc="0" normalizeH="0" baseline="0" noProof="0" dirty="0">
+                <a:ln>
+                  <a:noFill/>
+                </a:ln>
+                <a:solidFill>
+                  <a:schemeClr val="tx1"/>
+                </a:solidFill>
+                <a:effectLst/>
+                <a:uLnTx/>
+                <a:uFillTx/>
+                <a:latin typeface="Lucida Console" panose="020B0609040504020204" pitchFamily="49" charset="0"/>
+                <a:cs typeface="Times New Roman" panose="02020603050405020304" pitchFamily="18" charset="0"/>
+              </a:rPr>
+              <a:t>class CNN(nn.Module):</a:t>
+            </a:r>
+          </a:p>
+          <a:p>
+            <a:pPr marL="0" marR="0" lvl="0" indent="0" defTabSz="914400" rtl="0" eaLnBrk="1" fontAlgn="auto" latinLnBrk="0" hangingPunct="1">
+              <a:lnSpc>
+                <a:spcPct val="100000"/>
+              </a:lnSpc>
+              <a:spcBef>
+                <a:spcPts val="0"/>
+              </a:spcBef>
+              <a:spcAft>
+                <a:spcPts val="0"/>
+              </a:spcAft>
+              <a:buClrTx/>
+              <a:buSzTx/>
+              <a:buFontTx/>
+              <a:buNone/>
+              <a:tabLst/>
+              <a:defRPr/>
+            </a:pPr>
+            <a:endParaRPr kumimoji="0" lang="tr-TR" sz="1500" b="0" i="0" u="none" strike="noStrike" kern="0" cap="none" spc="0" normalizeH="0" baseline="0" noProof="0" dirty="0">
+              <a:ln>
+                <a:noFill/>
+              </a:ln>
+              <a:solidFill>
+                <a:schemeClr val="tx1"/>
+              </a:solidFill>
+              <a:effectLst/>
+              <a:uLnTx/>
+              <a:uFillTx/>
+              <a:latin typeface="Times New Roman" panose="02020603050405020304" pitchFamily="18" charset="0"/>
+              <a:cs typeface="Times New Roman" panose="02020603050405020304" pitchFamily="18" charset="0"/>
+            </a:endParaRPr>
+          </a:p>
+          <a:p>
+            <a:pPr marL="0" marR="0" lvl="0" indent="0" defTabSz="914400" rtl="0" eaLnBrk="1" fontAlgn="auto" latinLnBrk="0" hangingPunct="1">
+              <a:lnSpc>
+                <a:spcPct val="100000"/>
+              </a:lnSpc>
+              <a:spcBef>
+                <a:spcPts val="0"/>
+              </a:spcBef>
+              <a:spcAft>
+                <a:spcPts val="0"/>
+              </a:spcAft>
+              <a:buClrTx/>
+              <a:buSzTx/>
+              <a:buFontTx/>
+              <a:buNone/>
+              <a:tabLst/>
+              <a:defRPr/>
+            </a:pPr>
+            <a:r>
+              <a:rPr kumimoji="0" lang="tr-TR" sz="1500" b="0" i="0" u="none" strike="noStrike" kern="0" cap="none" spc="0" normalizeH="0" baseline="0" noProof="0" dirty="0" err="1">
+                <a:ln>
+                  <a:noFill/>
+                </a:ln>
+                <a:solidFill>
+                  <a:schemeClr val="tx1"/>
+                </a:solidFill>
+                <a:effectLst/>
+                <a:uLnTx/>
+                <a:uFillTx/>
+                <a:latin typeface="Times New Roman" panose="02020603050405020304" pitchFamily="18" charset="0"/>
+                <a:cs typeface="Times New Roman" panose="02020603050405020304" pitchFamily="18" charset="0"/>
+              </a:rPr>
+              <a:t>This</a:t>
+            </a:r>
+            <a:r>
+              <a:rPr kumimoji="0" lang="tr-TR" sz="1500" b="0" i="0" u="none" strike="noStrike" kern="0" cap="none" spc="0" normalizeH="0" baseline="0" noProof="0" dirty="0">
+                <a:ln>
+                  <a:noFill/>
+                </a:ln>
+                <a:solidFill>
+                  <a:schemeClr val="tx1"/>
+                </a:solidFill>
+                <a:effectLst/>
+                <a:uLnTx/>
+                <a:uFillTx/>
+                <a:latin typeface="Times New Roman" panose="02020603050405020304" pitchFamily="18" charset="0"/>
+                <a:cs typeface="Times New Roman" panose="02020603050405020304" pitchFamily="18" charset="0"/>
+              </a:rPr>
+              <a:t> creates a custom neural network class called CNN, which inherits from torch.nn.Module.</a:t>
+            </a:r>
+          </a:p>
+          <a:p>
+            <a:pPr marL="0" marR="0" lvl="0" indent="0" defTabSz="914400" rtl="0" eaLnBrk="1" fontAlgn="auto" latinLnBrk="0" hangingPunct="1">
+              <a:lnSpc>
+                <a:spcPct val="100000"/>
+              </a:lnSpc>
+              <a:spcBef>
+                <a:spcPts val="0"/>
+              </a:spcBef>
+              <a:spcAft>
+                <a:spcPts val="0"/>
+              </a:spcAft>
+              <a:buClrTx/>
+              <a:buSzTx/>
+              <a:buFontTx/>
+              <a:buNone/>
+              <a:tabLst/>
+              <a:defRPr/>
+            </a:pPr>
+            <a:r>
+              <a:rPr kumimoji="0" lang="tr-TR" sz="1500" b="0" i="0" u="none" strike="noStrike" kern="0" cap="none" spc="0" normalizeH="0" baseline="0" noProof="0" dirty="0">
+                <a:ln>
+                  <a:noFill/>
+                </a:ln>
+                <a:solidFill>
+                  <a:schemeClr val="tx1"/>
+                </a:solidFill>
+                <a:effectLst/>
+                <a:uLnTx/>
+                <a:uFillTx/>
+                <a:latin typeface="Times New Roman" panose="02020603050405020304" pitchFamily="18" charset="0"/>
+                <a:cs typeface="Times New Roman" panose="02020603050405020304" pitchFamily="18" charset="0"/>
+              </a:rPr>
+              <a:t>2. Inside the Constructor __init__</a:t>
+            </a:r>
+          </a:p>
+          <a:p>
+            <a:pPr marL="0" marR="0" lvl="0" indent="0" defTabSz="914400" rtl="0" eaLnBrk="1" fontAlgn="auto" latinLnBrk="0" hangingPunct="1">
+              <a:lnSpc>
+                <a:spcPct val="100000"/>
+              </a:lnSpc>
+              <a:spcBef>
+                <a:spcPts val="0"/>
+              </a:spcBef>
+              <a:spcAft>
+                <a:spcPts val="0"/>
+              </a:spcAft>
+              <a:buClrTx/>
+              <a:buSzTx/>
+              <a:buFontTx/>
+              <a:buNone/>
+              <a:tabLst/>
+              <a:defRPr/>
+            </a:pPr>
+            <a:r>
+              <a:rPr kumimoji="0" lang="tr-TR" sz="1500" b="0" i="0" u="none" strike="noStrike" kern="0" cap="none" spc="0" normalizeH="0" baseline="0" noProof="0" dirty="0">
+                <a:ln>
+                  <a:noFill/>
+                </a:ln>
+                <a:solidFill>
+                  <a:schemeClr val="tx1"/>
+                </a:solidFill>
+                <a:effectLst/>
+                <a:uLnTx/>
+                <a:uFillTx/>
+                <a:latin typeface="Times New Roman" panose="02020603050405020304" pitchFamily="18" charset="0"/>
+                <a:cs typeface="Times New Roman" panose="02020603050405020304" pitchFamily="18" charset="0"/>
+              </a:rPr>
+              <a:t>Layers Defined:</a:t>
+            </a:r>
+          </a:p>
+          <a:p>
+            <a:pPr marL="0" marR="0" lvl="0" indent="0" defTabSz="914400" rtl="0" eaLnBrk="1" fontAlgn="auto" latinLnBrk="0" hangingPunct="1">
+              <a:lnSpc>
+                <a:spcPct val="100000"/>
+              </a:lnSpc>
+              <a:spcBef>
+                <a:spcPts val="0"/>
+              </a:spcBef>
+              <a:spcAft>
+                <a:spcPts val="0"/>
+              </a:spcAft>
+              <a:buClrTx/>
+              <a:buSzTx/>
+              <a:buFontTx/>
+              <a:buNone/>
+              <a:tabLst/>
+              <a:defRPr/>
+            </a:pPr>
+            <a:r>
+              <a:rPr kumimoji="0" lang="tr-TR" sz="1500" b="0" i="0" u="none" strike="noStrike" kern="0" cap="none" spc="0" normalizeH="0" baseline="0" noProof="0" dirty="0">
+                <a:ln>
+                  <a:noFill/>
+                </a:ln>
+                <a:solidFill>
+                  <a:schemeClr val="tx1"/>
+                </a:solidFill>
+                <a:effectLst/>
+                <a:uLnTx/>
+                <a:uFillTx/>
+                <a:latin typeface="Times New Roman" panose="02020603050405020304" pitchFamily="18" charset="0"/>
+                <a:cs typeface="Times New Roman" panose="02020603050405020304" pitchFamily="18" charset="0"/>
+              </a:rPr>
+              <a:t>• self.conv1 = nn.Conv2d(...) → First convolutional layer. Etc…</a:t>
+            </a:r>
+          </a:p>
+          <a:p>
+            <a:pPr marL="0" marR="0" lvl="0" indent="0" defTabSz="914400" rtl="0" eaLnBrk="1" fontAlgn="auto" latinLnBrk="0" hangingPunct="1">
+              <a:lnSpc>
+                <a:spcPct val="100000"/>
+              </a:lnSpc>
+              <a:spcBef>
+                <a:spcPts val="0"/>
+              </a:spcBef>
+              <a:spcAft>
+                <a:spcPts val="0"/>
+              </a:spcAft>
+              <a:buClrTx/>
+              <a:buSzTx/>
+              <a:buFontTx/>
+              <a:buNone/>
+              <a:tabLst/>
+              <a:defRPr/>
+            </a:pPr>
+            <a:r>
+              <a:rPr kumimoji="0" lang="tr-TR" sz="1500" b="0" i="0" u="none" strike="noStrike" kern="0" cap="none" spc="0" normalizeH="0" baseline="0" noProof="0" dirty="0">
+                <a:ln>
+                  <a:noFill/>
+                </a:ln>
+                <a:solidFill>
+                  <a:schemeClr val="tx1"/>
+                </a:solidFill>
+                <a:effectLst/>
+                <a:uLnTx/>
+                <a:uFillTx/>
+                <a:latin typeface="Times New Roman" panose="02020603050405020304" pitchFamily="18" charset="0"/>
+                <a:cs typeface="Times New Roman" panose="02020603050405020304" pitchFamily="18" charset="0"/>
+              </a:rPr>
+              <a:t>3. The forward() Method</a:t>
+            </a:r>
+          </a:p>
+          <a:p>
+            <a:pPr marL="0" marR="0" lvl="0" indent="0" defTabSz="914400" rtl="0" eaLnBrk="1" fontAlgn="auto" latinLnBrk="0" hangingPunct="1">
+              <a:lnSpc>
+                <a:spcPct val="100000"/>
+              </a:lnSpc>
+              <a:spcBef>
+                <a:spcPts val="0"/>
+              </a:spcBef>
+              <a:spcAft>
+                <a:spcPts val="0"/>
+              </a:spcAft>
+              <a:buClrTx/>
+              <a:buSzTx/>
+              <a:buFontTx/>
+              <a:buNone/>
+              <a:tabLst/>
+              <a:defRPr/>
+            </a:pPr>
+            <a:br>
+              <a:rPr kumimoji="0" lang="tr-TR" sz="1500" b="0" i="0" u="none" strike="noStrike" kern="0" cap="none" spc="0" normalizeH="0" baseline="0" noProof="0" dirty="0">
+                <a:ln>
+                  <a:noFill/>
+                </a:ln>
+                <a:solidFill>
+                  <a:schemeClr val="tx1"/>
+                </a:solidFill>
+                <a:effectLst/>
+                <a:uLnTx/>
+                <a:uFillTx/>
+                <a:latin typeface="Times New Roman" panose="02020603050405020304" pitchFamily="18" charset="0"/>
+                <a:cs typeface="Times New Roman" panose="02020603050405020304" pitchFamily="18" charset="0"/>
+              </a:rPr>
+            </a:br>
+            <a:r>
+              <a:rPr kumimoji="0" lang="tr-TR" sz="1500" b="0" i="0" u="none" strike="noStrike" kern="0" cap="none" spc="0" normalizeH="0" baseline="0" noProof="0" dirty="0">
+                <a:ln>
+                  <a:noFill/>
+                </a:ln>
+                <a:solidFill>
+                  <a:schemeClr val="tx1"/>
+                </a:solidFill>
+                <a:effectLst/>
+                <a:uLnTx/>
+                <a:uFillTx/>
+                <a:latin typeface="Times New Roman" panose="02020603050405020304" pitchFamily="18" charset="0"/>
+                <a:cs typeface="Times New Roman" panose="02020603050405020304" pitchFamily="18" charset="0"/>
+              </a:rPr>
+              <a:t>This defines how data flows through the network during training or prediction.</a:t>
+            </a:r>
+          </a:p>
+          <a:p>
+            <a:pPr marL="0" marR="0" lvl="0" indent="0" defTabSz="914400" rtl="0" eaLnBrk="1" fontAlgn="auto" latinLnBrk="0" hangingPunct="1">
+              <a:lnSpc>
+                <a:spcPct val="100000"/>
+              </a:lnSpc>
+              <a:spcBef>
+                <a:spcPts val="0"/>
+              </a:spcBef>
+              <a:spcAft>
+                <a:spcPts val="0"/>
+              </a:spcAft>
+              <a:buClrTx/>
+              <a:buSzTx/>
+              <a:buFontTx/>
+              <a:buNone/>
+              <a:tabLst/>
+              <a:defRPr/>
+            </a:pPr>
+            <a:r>
+              <a:rPr kumimoji="0" lang="tr-TR" sz="1500" b="0" i="0" u="none" strike="noStrike" kern="0" cap="none" spc="0" normalizeH="0" baseline="0" noProof="0" dirty="0">
+                <a:ln>
+                  <a:noFill/>
+                </a:ln>
+                <a:solidFill>
+                  <a:schemeClr val="tx1"/>
+                </a:solidFill>
+                <a:effectLst/>
+                <a:uLnTx/>
+                <a:uFillTx/>
+                <a:latin typeface="Times New Roman" panose="02020603050405020304" pitchFamily="18" charset="0"/>
+                <a:cs typeface="Times New Roman" panose="02020603050405020304" pitchFamily="18" charset="0"/>
+              </a:rPr>
+              <a:t>def forward(self, x):</a:t>
+            </a:r>
+            <a:endParaRPr kumimoji="0" lang="en-US" sz="1500" b="0" i="0" u="none" strike="noStrike" kern="0" cap="none" spc="0" normalizeH="0" baseline="0" noProof="0" dirty="0">
+              <a:ln>
+                <a:noFill/>
+              </a:ln>
+              <a:solidFill>
+                <a:schemeClr val="tx1"/>
+              </a:solidFill>
+              <a:effectLst/>
+              <a:uLnTx/>
+              <a:uFillTx/>
+              <a:latin typeface="Times New Roman" panose="02020603050405020304" pitchFamily="18" charset="0"/>
+              <a:cs typeface="Times New Roman" panose="02020603050405020304" pitchFamily="18" charset="0"/>
+            </a:endParaRPr>
+          </a:p>
+          <a:p>
+            <a:pPr rtl="0"/>
+            <a:endParaRPr lang="tr-TR" dirty="0">
+              <a:solidFill>
+                <a:schemeClr val="tx1"/>
+              </a:solidFill>
+              <a:effectLst/>
+              <a:latin typeface="Times New Roman" panose="02020603050405020304" pitchFamily="18" charset="0"/>
+              <a:cs typeface="Times New Roman" panose="02020603050405020304" pitchFamily="18" charset="0"/>
+            </a:endParaRPr>
+          </a:p>
+          <a:p>
+            <a:endParaRPr lang="tr-DE" dirty="0">
+              <a:solidFill>
+                <a:schemeClr val="tx1"/>
+              </a:solidFill>
+              <a:latin typeface="Times New Roman" panose="02020603050405020304" pitchFamily="18" charset="0"/>
+              <a:cs typeface="Times New Roman" panose="02020603050405020304" pitchFamily="18" charset="0"/>
+            </a:endParaRPr>
+          </a:p>
+        </p:txBody>
+      </p:sp>
+      <p:sp>
+        <p:nvSpPr>
+          <p:cNvPr id="4" name="Alt Bilgi Yer Tutucusu 3">
+            <a:extLst>
+              <a:ext uri="{FF2B5EF4-FFF2-40B4-BE49-F238E27FC236}">
+                <a16:creationId xmlns:a16="http://schemas.microsoft.com/office/drawing/2014/main" id="{B39E7257-5225-D93D-8017-94AB2B781DDB}"/>
+              </a:ext>
+            </a:extLst>
+          </p:cNvPr>
+          <p:cNvSpPr>
+            <a:spLocks noGrp="1"/>
+          </p:cNvSpPr>
+          <p:nvPr>
+            <p:ph type="ftr" sz="quarter" idx="3"/>
+          </p:nvPr>
+        </p:nvSpPr>
+        <p:spPr/>
+        <p:txBody>
+          <a:bodyPr/>
+          <a:lstStyle/>
+          <a:p>
+            <a:r>
+              <a:rPr lang="de-DE"/>
+              <a:t>Georg-August-Universität Göttingen</a:t>
+            </a:r>
+            <a:endParaRPr lang="de-DE" dirty="0"/>
+          </a:p>
+        </p:txBody>
+      </p:sp>
+      <p:sp>
+        <p:nvSpPr>
+          <p:cNvPr id="5" name="Veri Yer Tutucusu 4">
+            <a:extLst>
+              <a:ext uri="{FF2B5EF4-FFF2-40B4-BE49-F238E27FC236}">
+                <a16:creationId xmlns:a16="http://schemas.microsoft.com/office/drawing/2014/main" id="{EBB6A016-08C7-4FCE-E04A-25D1985CD937}"/>
+              </a:ext>
+            </a:extLst>
+          </p:cNvPr>
+          <p:cNvSpPr>
+            <a:spLocks noGrp="1"/>
+          </p:cNvSpPr>
+          <p:nvPr>
+            <p:ph type="dt" sz="half" idx="2"/>
+          </p:nvPr>
+        </p:nvSpPr>
+        <p:spPr/>
+        <p:txBody>
+          <a:bodyPr/>
+          <a:lstStyle/>
+          <a:p>
+            <a:fld id="{ACF5EF15-2C16-6A49-87B6-C5AFB945A04B}" type="datetime1">
+              <a:rPr lang="de-DE" smtClean="0"/>
+              <a:pPr/>
+              <a:t>24.06.25</a:t>
+            </a:fld>
+            <a:endParaRPr lang="en-US" dirty="0"/>
+          </a:p>
+        </p:txBody>
+      </p:sp>
+      <p:sp>
+        <p:nvSpPr>
+          <p:cNvPr id="6" name="Slayt Numarası Yer Tutucusu 5">
+            <a:extLst>
+              <a:ext uri="{FF2B5EF4-FFF2-40B4-BE49-F238E27FC236}">
+                <a16:creationId xmlns:a16="http://schemas.microsoft.com/office/drawing/2014/main" id="{C3F2548D-91E1-528D-5385-ACEA313AF3FC}"/>
+              </a:ext>
+            </a:extLst>
+          </p:cNvPr>
+          <p:cNvSpPr>
+            <a:spLocks noGrp="1"/>
+          </p:cNvSpPr>
+          <p:nvPr>
+            <p:ph type="sldNum" sz="quarter" idx="4"/>
+          </p:nvPr>
+        </p:nvSpPr>
+        <p:spPr/>
+        <p:txBody>
+          <a:bodyPr/>
+          <a:lstStyle/>
+          <a:p>
+            <a:fld id="{B6F15528-21DE-4FAA-801E-634DDDAF4B2B}" type="slidenum">
+              <a:rPr lang="de-DE" smtClean="0"/>
+              <a:pPr/>
+              <a:t>14</a:t>
+            </a:fld>
+            <a:endParaRPr lang="de-DE" dirty="0"/>
+          </a:p>
+        </p:txBody>
+      </p:sp>
+      <p:sp>
+        <p:nvSpPr>
+          <p:cNvPr id="7" name="Metin Yer Tutucusu 6">
+            <a:extLst>
+              <a:ext uri="{FF2B5EF4-FFF2-40B4-BE49-F238E27FC236}">
+                <a16:creationId xmlns:a16="http://schemas.microsoft.com/office/drawing/2014/main" id="{7A0F574D-0AC3-4E55-E883-0C4A80F7423B}"/>
+              </a:ext>
+            </a:extLst>
+          </p:cNvPr>
+          <p:cNvSpPr>
+            <a:spLocks noGrp="1"/>
+          </p:cNvSpPr>
+          <p:nvPr>
+            <p:ph type="body" sz="quarter" idx="12"/>
+          </p:nvPr>
+        </p:nvSpPr>
+        <p:spPr/>
+        <p:txBody>
+          <a:bodyPr/>
+          <a:lstStyle/>
+          <a:p>
+            <a:endParaRPr lang="tr-DE"/>
+          </a:p>
+        </p:txBody>
+      </p:sp>
+    </p:spTree>
+    <p:extLst>
+      <p:ext uri="{BB962C8B-B14F-4D97-AF65-F5344CB8AC3E}">
+        <p14:creationId xmlns:p14="http://schemas.microsoft.com/office/powerpoint/2010/main" val="340122029"/>
+      </p:ext>
+    </p:extLst>
+  </p:cSld>
+  <p:clrMapOvr>
+    <a:masterClrMapping/>
+  </p:clrMapOvr>
+</p:sld>
+</file>
+
+<file path=ppt/slides/slide15.xml><?xml version="1.0" encoding="utf-8"?>
+<p:sld xmlns:a="http://schemas.openxmlformats.org/drawingml/2006/main" xmlns:r="http://schemas.openxmlformats.org/officeDocument/2006/relationships" xmlns:p="http://schemas.openxmlformats.org/presentationml/2006/main">
+  <p:cSld>
+    <p:spTree>
+      <p:nvGrpSpPr>
+        <p:cNvPr id="1" name=""/>
+        <p:cNvGrpSpPr/>
+        <p:nvPr/>
+      </p:nvGrpSpPr>
+      <p:grpSpPr>
+        <a:xfrm>
+          <a:off x="0" y="0"/>
+          <a:ext cx="0" cy="0"/>
+          <a:chOff x="0" y="0"/>
+          <a:chExt cx="0" cy="0"/>
+        </a:xfrm>
+      </p:grpSpPr>
+      <p:sp>
+        <p:nvSpPr>
+          <p:cNvPr id="2" name="Başlık 1">
+            <a:extLst>
+              <a:ext uri="{FF2B5EF4-FFF2-40B4-BE49-F238E27FC236}">
+                <a16:creationId xmlns:a16="http://schemas.microsoft.com/office/drawing/2014/main" id="{A3B72E5E-FCD4-C1BF-508D-BAB7510D015F}"/>
+              </a:ext>
+            </a:extLst>
+          </p:cNvPr>
+          <p:cNvSpPr>
+            <a:spLocks noGrp="1"/>
+          </p:cNvSpPr>
+          <p:nvPr>
+            <p:ph type="title"/>
+          </p:nvPr>
+        </p:nvSpPr>
+        <p:spPr/>
+        <p:txBody>
+          <a:bodyPr/>
+          <a:lstStyle/>
+          <a:p>
+            <a:r>
+              <a:rPr lang="de-DE" dirty="0"/>
+              <a:t>CNN</a:t>
+            </a:r>
+            <a:endParaRPr lang="tr-DE" dirty="0"/>
+          </a:p>
+        </p:txBody>
+      </p:sp>
+      <p:sp>
+        <p:nvSpPr>
+          <p:cNvPr id="3" name="Metin Yer Tutucusu 2">
+            <a:extLst>
+              <a:ext uri="{FF2B5EF4-FFF2-40B4-BE49-F238E27FC236}">
+                <a16:creationId xmlns:a16="http://schemas.microsoft.com/office/drawing/2014/main" id="{00D65385-7D28-9C65-DA50-77019ACA7FA8}"/>
+              </a:ext>
+            </a:extLst>
+          </p:cNvPr>
+          <p:cNvSpPr>
+            <a:spLocks noGrp="1"/>
+          </p:cNvSpPr>
+          <p:nvPr>
+            <p:ph type="body" idx="1"/>
+          </p:nvPr>
+        </p:nvSpPr>
+        <p:spPr/>
+        <p:txBody>
+          <a:bodyPr/>
+          <a:lstStyle/>
+          <a:p>
+            <a:r>
+              <a:rPr lang="tr-TR" b="1" dirty="0" err="1"/>
+              <a:t>Training</a:t>
+            </a:r>
+            <a:r>
+              <a:rPr lang="tr-TR" b="1" dirty="0"/>
+              <a:t> the CNN – </a:t>
+            </a:r>
+            <a:r>
+              <a:rPr lang="tr-TR" b="1" dirty="0" err="1"/>
+              <a:t>Epoch</a:t>
+            </a:r>
+            <a:r>
+              <a:rPr lang="tr-TR" b="1" dirty="0"/>
+              <a:t> Loop</a:t>
+            </a:r>
+          </a:p>
+          <a:p>
+            <a:r>
+              <a:rPr lang="tr-TR" dirty="0"/>
+              <a:t>num_epochs = 10for epoch in range(num_epochs):    print(f"Epoch [{epoch + 1}/{num_epochs}]")</a:t>
+            </a:r>
+            <a:endParaRPr lang="en-US" dirty="0"/>
+          </a:p>
+          <a:p>
+            <a:r>
+              <a:rPr lang="tr-TR" dirty="0"/>
+              <a:t>for </a:t>
+            </a:r>
+            <a:r>
+              <a:rPr lang="tr-TR" dirty="0" err="1"/>
+              <a:t>batch_index</a:t>
+            </a:r>
+            <a:r>
+              <a:rPr lang="tr-TR" dirty="0"/>
+              <a:t>, (data, </a:t>
+            </a:r>
+            <a:r>
+              <a:rPr lang="tr-TR" dirty="0" err="1"/>
+              <a:t>targets</a:t>
+            </a:r>
+            <a:r>
+              <a:rPr lang="tr-TR" dirty="0"/>
+              <a:t>) in </a:t>
+            </a:r>
+            <a:r>
+              <a:rPr lang="tr-TR" dirty="0" err="1"/>
+              <a:t>enumerate</a:t>
+            </a:r>
+            <a:r>
+              <a:rPr lang="tr-TR" dirty="0"/>
+              <a:t>(</a:t>
+            </a:r>
+            <a:r>
+              <a:rPr lang="tr-TR" dirty="0" err="1"/>
+              <a:t>train_loader</a:t>
+            </a:r>
+            <a:r>
+              <a:rPr lang="tr-TR" dirty="0"/>
+              <a:t>):    data = data.to(device)    </a:t>
+            </a:r>
+            <a:r>
+              <a:rPr lang="tr-TR" dirty="0" err="1"/>
+              <a:t>targets</a:t>
+            </a:r>
+            <a:r>
+              <a:rPr lang="tr-TR" dirty="0"/>
+              <a:t> = </a:t>
+            </a:r>
+            <a:r>
+              <a:rPr lang="tr-TR" dirty="0" err="1"/>
+              <a:t>targets.to</a:t>
+            </a:r>
+            <a:r>
+              <a:rPr lang="tr-TR" dirty="0"/>
+              <a:t>(device)</a:t>
+            </a:r>
+            <a:endParaRPr lang="en-US" dirty="0"/>
+          </a:p>
+          <a:p>
+            <a:r>
+              <a:rPr lang="tr-TR" dirty="0" err="1"/>
+              <a:t>Load</a:t>
+            </a:r>
+            <a:r>
+              <a:rPr lang="tr-TR" dirty="0"/>
+              <a:t> a </a:t>
+            </a:r>
+            <a:r>
+              <a:rPr lang="tr-TR" dirty="0" err="1"/>
+              <a:t>batch</a:t>
+            </a:r>
+            <a:r>
+              <a:rPr lang="tr-TR" dirty="0"/>
+              <a:t> of </a:t>
+            </a:r>
+            <a:r>
+              <a:rPr lang="tr-TR" dirty="0" err="1"/>
+              <a:t>images</a:t>
+            </a:r>
+            <a:r>
+              <a:rPr lang="tr-TR" dirty="0"/>
+              <a:t> and </a:t>
+            </a:r>
+            <a:r>
+              <a:rPr lang="tr-TR" dirty="0" err="1"/>
+              <a:t>labels</a:t>
+            </a:r>
+            <a:endParaRPr lang="tr-TR" dirty="0"/>
+          </a:p>
+          <a:p>
+            <a:r>
+              <a:rPr lang="tr-DE" dirty="0"/>
+              <a:t>🔹 </a:t>
+            </a:r>
+            <a:r>
+              <a:rPr lang="tr-TR" dirty="0"/>
+              <a:t>Send them to the device (GPU/CPU) for </a:t>
+            </a:r>
+            <a:r>
+              <a:rPr lang="tr-TR" dirty="0" err="1"/>
+              <a:t>training</a:t>
+            </a:r>
+            <a:endParaRPr lang="tr-TR" dirty="0"/>
+          </a:p>
+          <a:p>
+            <a:endParaRPr lang="tr-DE" dirty="0"/>
+          </a:p>
+        </p:txBody>
+      </p:sp>
+      <p:sp>
+        <p:nvSpPr>
+          <p:cNvPr id="4" name="Alt Bilgi Yer Tutucusu 3">
+            <a:extLst>
+              <a:ext uri="{FF2B5EF4-FFF2-40B4-BE49-F238E27FC236}">
+                <a16:creationId xmlns:a16="http://schemas.microsoft.com/office/drawing/2014/main" id="{624FB5D6-E5C8-E0F8-B00C-F35370BD6D94}"/>
+              </a:ext>
+            </a:extLst>
+          </p:cNvPr>
+          <p:cNvSpPr>
+            <a:spLocks noGrp="1"/>
+          </p:cNvSpPr>
+          <p:nvPr>
+            <p:ph type="ftr" sz="quarter" idx="3"/>
+          </p:nvPr>
+        </p:nvSpPr>
+        <p:spPr/>
+        <p:txBody>
+          <a:bodyPr/>
+          <a:lstStyle/>
+          <a:p>
+            <a:r>
+              <a:rPr lang="de-DE"/>
+              <a:t>Georg-August-Universität Göttingen</a:t>
+            </a:r>
+            <a:endParaRPr lang="de-DE" dirty="0"/>
+          </a:p>
+        </p:txBody>
+      </p:sp>
+      <p:sp>
+        <p:nvSpPr>
+          <p:cNvPr id="5" name="Veri Yer Tutucusu 4">
+            <a:extLst>
+              <a:ext uri="{FF2B5EF4-FFF2-40B4-BE49-F238E27FC236}">
+                <a16:creationId xmlns:a16="http://schemas.microsoft.com/office/drawing/2014/main" id="{96C287C9-F552-BB25-5C10-02046ECA6784}"/>
+              </a:ext>
+            </a:extLst>
+          </p:cNvPr>
+          <p:cNvSpPr>
+            <a:spLocks noGrp="1"/>
+          </p:cNvSpPr>
+          <p:nvPr>
+            <p:ph type="dt" sz="half" idx="2"/>
+          </p:nvPr>
+        </p:nvSpPr>
+        <p:spPr/>
+        <p:txBody>
+          <a:bodyPr/>
+          <a:lstStyle/>
+          <a:p>
+            <a:fld id="{ACF5EF15-2C16-6A49-87B6-C5AFB945A04B}" type="datetime1">
+              <a:rPr lang="de-DE" smtClean="0"/>
+              <a:pPr/>
+              <a:t>24.06.25</a:t>
+            </a:fld>
+            <a:endParaRPr lang="en-US" dirty="0"/>
+          </a:p>
+        </p:txBody>
+      </p:sp>
+      <p:sp>
+        <p:nvSpPr>
+          <p:cNvPr id="6" name="Slayt Numarası Yer Tutucusu 5">
+            <a:extLst>
+              <a:ext uri="{FF2B5EF4-FFF2-40B4-BE49-F238E27FC236}">
+                <a16:creationId xmlns:a16="http://schemas.microsoft.com/office/drawing/2014/main" id="{9397D7E9-92B3-8700-AD23-E1C3CF8BABC7}"/>
+              </a:ext>
+            </a:extLst>
+          </p:cNvPr>
+          <p:cNvSpPr>
+            <a:spLocks noGrp="1"/>
+          </p:cNvSpPr>
+          <p:nvPr>
+            <p:ph type="sldNum" sz="quarter" idx="4"/>
+          </p:nvPr>
+        </p:nvSpPr>
+        <p:spPr/>
+        <p:txBody>
+          <a:bodyPr/>
+          <a:lstStyle/>
+          <a:p>
+            <a:fld id="{B6F15528-21DE-4FAA-801E-634DDDAF4B2B}" type="slidenum">
+              <a:rPr lang="de-DE" smtClean="0"/>
+              <a:pPr/>
+              <a:t>15</a:t>
+            </a:fld>
+            <a:endParaRPr lang="de-DE" dirty="0"/>
+          </a:p>
+        </p:txBody>
+      </p:sp>
+      <p:sp>
+        <p:nvSpPr>
+          <p:cNvPr id="7" name="Metin Yer Tutucusu 6">
+            <a:extLst>
+              <a:ext uri="{FF2B5EF4-FFF2-40B4-BE49-F238E27FC236}">
+                <a16:creationId xmlns:a16="http://schemas.microsoft.com/office/drawing/2014/main" id="{A20B7993-958F-5281-E4A9-72381BB6CFB9}"/>
+              </a:ext>
+            </a:extLst>
+          </p:cNvPr>
+          <p:cNvSpPr>
+            <a:spLocks noGrp="1"/>
+          </p:cNvSpPr>
+          <p:nvPr>
+            <p:ph type="body" sz="quarter" idx="12"/>
+          </p:nvPr>
+        </p:nvSpPr>
+        <p:spPr/>
+        <p:txBody>
+          <a:bodyPr/>
+          <a:lstStyle/>
+          <a:p>
+            <a:endParaRPr lang="tr-DE"/>
+          </a:p>
+        </p:txBody>
+      </p:sp>
+      <p:pic>
+        <p:nvPicPr>
+          <p:cNvPr id="8" name="Resim 7">
+            <a:extLst>
+              <a:ext uri="{FF2B5EF4-FFF2-40B4-BE49-F238E27FC236}">
+                <a16:creationId xmlns:a16="http://schemas.microsoft.com/office/drawing/2014/main" id="{F707711C-FF90-BCF7-62A2-8039FCB895CE}"/>
+              </a:ext>
+            </a:extLst>
+          </p:cNvPr>
+          <p:cNvPicPr>
+            <a:picLocks noChangeAspect="1"/>
+          </p:cNvPicPr>
+          <p:nvPr/>
+        </p:nvPicPr>
+        <p:blipFill>
+          <a:blip r:embed="rId2" cstate="print">
+            <a:extLst>
+              <a:ext uri="{28A0092B-C50C-407E-A947-70E740481C1C}">
+                <a14:useLocalDpi xmlns:a14="http://schemas.microsoft.com/office/drawing/2010/main" val="0"/>
+              </a:ext>
+            </a:extLst>
+          </a:blip>
+          <a:stretch>
+            <a:fillRect/>
+          </a:stretch>
+        </p:blipFill>
+        <p:spPr>
+          <a:xfrm>
+            <a:off x="6536286" y="1348193"/>
+            <a:ext cx="2052789" cy="3082194"/>
+          </a:xfrm>
+          <a:prstGeom prst="rect">
+            <a:avLst/>
+          </a:prstGeom>
+        </p:spPr>
+      </p:pic>
+    </p:spTree>
+    <p:extLst>
+      <p:ext uri="{BB962C8B-B14F-4D97-AF65-F5344CB8AC3E}">
+        <p14:creationId xmlns:p14="http://schemas.microsoft.com/office/powerpoint/2010/main" val="2151360478"/>
+      </p:ext>
+    </p:extLst>
+  </p:cSld>
+  <p:clrMapOvr>
+    <a:masterClrMapping/>
+  </p:clrMapOvr>
+</p:sld>
+</file>
+
+<file path=ppt/slides/slide16.xml><?xml version="1.0" encoding="utf-8"?>
+<p:sld xmlns:a="http://schemas.openxmlformats.org/drawingml/2006/main" xmlns:r="http://schemas.openxmlformats.org/officeDocument/2006/relationships" xmlns:p="http://schemas.openxmlformats.org/presentationml/2006/main">
+  <p:cSld>
+    <p:spTree>
+      <p:nvGrpSpPr>
+        <p:cNvPr id="1" name=""/>
+        <p:cNvGrpSpPr/>
+        <p:nvPr/>
+      </p:nvGrpSpPr>
+      <p:grpSpPr>
+        <a:xfrm>
+          <a:off x="0" y="0"/>
+          <a:ext cx="0" cy="0"/>
+          <a:chOff x="0" y="0"/>
+          <a:chExt cx="0" cy="0"/>
+        </a:xfrm>
+      </p:grpSpPr>
+      <p:sp>
+        <p:nvSpPr>
+          <p:cNvPr id="2" name="Başlık 1">
+            <a:extLst>
+              <a:ext uri="{FF2B5EF4-FFF2-40B4-BE49-F238E27FC236}">
+                <a16:creationId xmlns:a16="http://schemas.microsoft.com/office/drawing/2014/main" id="{5C5BE432-21CC-0E2A-9546-4238E41F57D6}"/>
+              </a:ext>
+            </a:extLst>
+          </p:cNvPr>
+          <p:cNvSpPr>
+            <a:spLocks noGrp="1"/>
+          </p:cNvSpPr>
+          <p:nvPr>
+            <p:ph type="title"/>
+          </p:nvPr>
+        </p:nvSpPr>
+        <p:spPr/>
+        <p:txBody>
+          <a:bodyPr/>
+          <a:lstStyle/>
+          <a:p>
+            <a:r>
+              <a:rPr lang="en-US" dirty="0" err="1"/>
+              <a:t>Cnn</a:t>
+            </a:r>
+            <a:r>
+              <a:rPr lang="en-US" dirty="0"/>
+              <a:t>- continue</a:t>
+            </a:r>
+            <a:endParaRPr lang="tr-DE" dirty="0"/>
+          </a:p>
+        </p:txBody>
+      </p:sp>
+      <p:sp>
+        <p:nvSpPr>
+          <p:cNvPr id="3" name="Metin Yer Tutucusu 2">
+            <a:extLst>
+              <a:ext uri="{FF2B5EF4-FFF2-40B4-BE49-F238E27FC236}">
+                <a16:creationId xmlns:a16="http://schemas.microsoft.com/office/drawing/2014/main" id="{B99516E0-C8DB-DCA8-BD2F-8DB1DAA28E1E}"/>
+              </a:ext>
+            </a:extLst>
+          </p:cNvPr>
+          <p:cNvSpPr>
+            <a:spLocks noGrp="1"/>
+          </p:cNvSpPr>
+          <p:nvPr>
+            <p:ph type="body" idx="1"/>
+          </p:nvPr>
+        </p:nvSpPr>
+        <p:spPr/>
+        <p:txBody>
+          <a:bodyPr/>
+          <a:lstStyle/>
+          <a:p>
+            <a:r>
+              <a:rPr lang="tr-TR" dirty="0" err="1"/>
+              <a:t>scores</a:t>
+            </a:r>
+            <a:r>
+              <a:rPr lang="tr-TR" dirty="0"/>
+              <a:t> = model(data)</a:t>
+            </a:r>
+            <a:r>
+              <a:rPr lang="tr-TR" dirty="0" err="1"/>
+              <a:t>loss</a:t>
+            </a:r>
+            <a:r>
+              <a:rPr lang="tr-TR" dirty="0"/>
+              <a:t> = </a:t>
+            </a:r>
+            <a:r>
+              <a:rPr lang="tr-TR" dirty="0" err="1"/>
+              <a:t>criterion</a:t>
+            </a:r>
+            <a:r>
+              <a:rPr lang="tr-TR" dirty="0"/>
+              <a:t>(</a:t>
+            </a:r>
+            <a:r>
+              <a:rPr lang="tr-TR" dirty="0" err="1"/>
+              <a:t>scores</a:t>
+            </a:r>
+            <a:r>
+              <a:rPr lang="tr-TR" dirty="0"/>
+              <a:t>, </a:t>
+            </a:r>
+            <a:r>
+              <a:rPr lang="tr-TR" dirty="0" err="1"/>
+              <a:t>targets</a:t>
+            </a:r>
+            <a:r>
+              <a:rPr lang="tr-TR" dirty="0"/>
+              <a:t>)</a:t>
+            </a:r>
+            <a:r>
+              <a:rPr lang="tr-TR" dirty="0" err="1"/>
+              <a:t>optimizer.zero_grad</a:t>
+            </a:r>
+            <a:r>
+              <a:rPr lang="tr-TR" dirty="0"/>
+              <a:t>()</a:t>
+            </a:r>
+            <a:r>
+              <a:rPr lang="tr-TR" dirty="0" err="1"/>
+              <a:t>loss.backward</a:t>
+            </a:r>
+            <a:r>
+              <a:rPr lang="tr-TR" dirty="0"/>
+              <a:t>()</a:t>
+            </a:r>
+            <a:r>
+              <a:rPr lang="tr-TR" dirty="0" err="1"/>
+              <a:t>optimizer.step</a:t>
+            </a:r>
+            <a:r>
+              <a:rPr lang="tr-TR" dirty="0"/>
+              <a:t>()</a:t>
+            </a:r>
+            <a:endParaRPr lang="en-US" dirty="0"/>
+          </a:p>
+          <a:p>
+            <a:endParaRPr lang="en-US" dirty="0"/>
+          </a:p>
+          <a:p>
+            <a:r>
+              <a:rPr lang="tr-TR" dirty="0"/>
+              <a:t>Model </a:t>
+            </a:r>
+            <a:r>
+              <a:rPr lang="tr-TR" dirty="0" err="1"/>
+              <a:t>makes</a:t>
+            </a:r>
+            <a:r>
+              <a:rPr lang="tr-TR" dirty="0"/>
+              <a:t> </a:t>
+            </a:r>
+            <a:r>
+              <a:rPr lang="tr-TR" dirty="0" err="1"/>
+              <a:t>predictions</a:t>
+            </a:r>
+            <a:r>
+              <a:rPr lang="tr-TR" dirty="0"/>
+              <a:t> (</a:t>
+            </a:r>
+            <a:r>
+              <a:rPr lang="tr-TR" dirty="0" err="1"/>
+              <a:t>scores</a:t>
+            </a:r>
+            <a:r>
+              <a:rPr lang="tr-TR" dirty="0"/>
+              <a:t>)</a:t>
+            </a:r>
+          </a:p>
+          <a:p>
+            <a:r>
+              <a:rPr lang="en-US" dirty="0"/>
+              <a:t>Loss </a:t>
+            </a:r>
+            <a:r>
+              <a:rPr lang="tr-TR" dirty="0"/>
+              <a:t>is </a:t>
+            </a:r>
+            <a:r>
+              <a:rPr lang="tr-TR" dirty="0" err="1"/>
+              <a:t>calculated</a:t>
+            </a:r>
+            <a:r>
+              <a:rPr lang="tr-TR" dirty="0"/>
+              <a:t> (how </a:t>
+            </a:r>
+            <a:r>
+              <a:rPr lang="tr-TR" dirty="0" err="1"/>
+              <a:t>wrong</a:t>
+            </a:r>
+            <a:r>
+              <a:rPr lang="tr-TR" dirty="0"/>
+              <a:t> the prediction is)</a:t>
+            </a:r>
+          </a:p>
+          <a:p>
+            <a:r>
+              <a:rPr lang="tr-DE" dirty="0"/>
+              <a:t> </a:t>
+            </a:r>
+            <a:r>
+              <a:rPr lang="tr-TR" dirty="0" err="1"/>
+              <a:t>Gradients</a:t>
+            </a:r>
+            <a:r>
+              <a:rPr lang="tr-TR" dirty="0"/>
+              <a:t> are </a:t>
+            </a:r>
+            <a:r>
+              <a:rPr lang="tr-TR" dirty="0" err="1"/>
+              <a:t>computed</a:t>
+            </a:r>
+            <a:r>
+              <a:rPr lang="tr-TR" dirty="0"/>
+              <a:t> and </a:t>
+            </a:r>
+            <a:r>
+              <a:rPr lang="tr-TR" dirty="0" err="1"/>
+              <a:t>applied</a:t>
+            </a:r>
+            <a:endParaRPr lang="tr-TR" dirty="0"/>
+          </a:p>
+          <a:p>
+            <a:endParaRPr lang="tr-DE" dirty="0"/>
+          </a:p>
+        </p:txBody>
+      </p:sp>
+      <p:sp>
+        <p:nvSpPr>
+          <p:cNvPr id="4" name="Alt Bilgi Yer Tutucusu 3">
+            <a:extLst>
+              <a:ext uri="{FF2B5EF4-FFF2-40B4-BE49-F238E27FC236}">
+                <a16:creationId xmlns:a16="http://schemas.microsoft.com/office/drawing/2014/main" id="{7636DB8A-2B29-0B12-691B-424D1454FA36}"/>
+              </a:ext>
+            </a:extLst>
+          </p:cNvPr>
+          <p:cNvSpPr>
+            <a:spLocks noGrp="1"/>
+          </p:cNvSpPr>
+          <p:nvPr>
+            <p:ph type="ftr" sz="quarter" idx="3"/>
+          </p:nvPr>
+        </p:nvSpPr>
+        <p:spPr/>
+        <p:txBody>
+          <a:bodyPr/>
+          <a:lstStyle/>
+          <a:p>
+            <a:r>
+              <a:rPr lang="de-DE"/>
+              <a:t>Georg-August-Universität Göttingen</a:t>
+            </a:r>
+            <a:endParaRPr lang="de-DE" dirty="0"/>
+          </a:p>
+        </p:txBody>
+      </p:sp>
+      <p:sp>
+        <p:nvSpPr>
+          <p:cNvPr id="5" name="Veri Yer Tutucusu 4">
+            <a:extLst>
+              <a:ext uri="{FF2B5EF4-FFF2-40B4-BE49-F238E27FC236}">
+                <a16:creationId xmlns:a16="http://schemas.microsoft.com/office/drawing/2014/main" id="{504879FB-7724-DAE8-BBD0-D25F1D1825B5}"/>
+              </a:ext>
+            </a:extLst>
+          </p:cNvPr>
+          <p:cNvSpPr>
+            <a:spLocks noGrp="1"/>
+          </p:cNvSpPr>
+          <p:nvPr>
+            <p:ph type="dt" sz="half" idx="2"/>
+          </p:nvPr>
+        </p:nvSpPr>
+        <p:spPr/>
+        <p:txBody>
+          <a:bodyPr/>
+          <a:lstStyle/>
+          <a:p>
+            <a:fld id="{ACF5EF15-2C16-6A49-87B6-C5AFB945A04B}" type="datetime1">
+              <a:rPr lang="de-DE" smtClean="0"/>
+              <a:pPr/>
+              <a:t>24.06.25</a:t>
+            </a:fld>
+            <a:endParaRPr lang="en-US" dirty="0"/>
+          </a:p>
+        </p:txBody>
+      </p:sp>
+      <p:sp>
+        <p:nvSpPr>
+          <p:cNvPr id="6" name="Slayt Numarası Yer Tutucusu 5">
+            <a:extLst>
+              <a:ext uri="{FF2B5EF4-FFF2-40B4-BE49-F238E27FC236}">
+                <a16:creationId xmlns:a16="http://schemas.microsoft.com/office/drawing/2014/main" id="{91175B32-CDF9-6609-2E9A-7B59482088B2}"/>
+              </a:ext>
+            </a:extLst>
+          </p:cNvPr>
+          <p:cNvSpPr>
+            <a:spLocks noGrp="1"/>
+          </p:cNvSpPr>
+          <p:nvPr>
+            <p:ph type="sldNum" sz="quarter" idx="4"/>
+          </p:nvPr>
+        </p:nvSpPr>
+        <p:spPr/>
+        <p:txBody>
+          <a:bodyPr/>
+          <a:lstStyle/>
+          <a:p>
+            <a:fld id="{B6F15528-21DE-4FAA-801E-634DDDAF4B2B}" type="slidenum">
+              <a:rPr lang="de-DE" smtClean="0"/>
+              <a:pPr/>
+              <a:t>16</a:t>
+            </a:fld>
+            <a:endParaRPr lang="de-DE" dirty="0"/>
+          </a:p>
+        </p:txBody>
+      </p:sp>
+      <p:sp>
+        <p:nvSpPr>
+          <p:cNvPr id="7" name="Metin Yer Tutucusu 6">
+            <a:extLst>
+              <a:ext uri="{FF2B5EF4-FFF2-40B4-BE49-F238E27FC236}">
+                <a16:creationId xmlns:a16="http://schemas.microsoft.com/office/drawing/2014/main" id="{C803526A-59A9-A979-446A-68F5898B9752}"/>
+              </a:ext>
+            </a:extLst>
+          </p:cNvPr>
+          <p:cNvSpPr>
+            <a:spLocks noGrp="1"/>
+          </p:cNvSpPr>
+          <p:nvPr>
+            <p:ph type="body" sz="quarter" idx="12"/>
+          </p:nvPr>
+        </p:nvSpPr>
+        <p:spPr/>
+        <p:txBody>
+          <a:bodyPr/>
+          <a:lstStyle/>
+          <a:p>
+            <a:endParaRPr lang="tr-DE"/>
+          </a:p>
+        </p:txBody>
+      </p:sp>
+    </p:spTree>
+    <p:extLst>
+      <p:ext uri="{BB962C8B-B14F-4D97-AF65-F5344CB8AC3E}">
+        <p14:creationId xmlns:p14="http://schemas.microsoft.com/office/powerpoint/2010/main" val="2061585867"/>
+      </p:ext>
+    </p:extLst>
+  </p:cSld>
+  <p:clrMapOvr>
+    <a:masterClrMapping/>
+  </p:clrMapOvr>
+</p:sld>
+</file>
+
+<file path=ppt/slides/slide17.xml><?xml version="1.0" encoding="utf-8"?>
+<p:sld xmlns:a="http://schemas.openxmlformats.org/drawingml/2006/main" xmlns:r="http://schemas.openxmlformats.org/officeDocument/2006/relationships" xmlns:p="http://schemas.openxmlformats.org/presentationml/2006/main">
+  <p:cSld>
+    <p:spTree>
+      <p:nvGrpSpPr>
+        <p:cNvPr id="1" name=""/>
+        <p:cNvGrpSpPr/>
+        <p:nvPr/>
+      </p:nvGrpSpPr>
+      <p:grpSpPr>
+        <a:xfrm>
+          <a:off x="0" y="0"/>
+          <a:ext cx="0" cy="0"/>
+          <a:chOff x="0" y="0"/>
+          <a:chExt cx="0" cy="0"/>
+        </a:xfrm>
+      </p:grpSpPr>
+      <p:sp>
+        <p:nvSpPr>
+          <p:cNvPr id="2" name="Başlık 1">
+            <a:extLst>
+              <a:ext uri="{FF2B5EF4-FFF2-40B4-BE49-F238E27FC236}">
+                <a16:creationId xmlns:a16="http://schemas.microsoft.com/office/drawing/2014/main" id="{09EB6346-ABA1-DD96-9B97-02BE2BA4ED0B}"/>
+              </a:ext>
+            </a:extLst>
+          </p:cNvPr>
+          <p:cNvSpPr>
+            <a:spLocks noGrp="1"/>
+          </p:cNvSpPr>
+          <p:nvPr>
+            <p:ph type="title"/>
+          </p:nvPr>
+        </p:nvSpPr>
+        <p:spPr/>
+        <p:txBody>
+          <a:bodyPr/>
+          <a:lstStyle/>
+          <a:p>
+            <a:r>
+              <a:rPr lang="en-US" dirty="0" err="1"/>
+              <a:t>Cnn</a:t>
+            </a:r>
+            <a:r>
+              <a:rPr lang="en-US" dirty="0"/>
+              <a:t>-Continue</a:t>
+            </a:r>
+            <a:endParaRPr lang="tr-DE" dirty="0"/>
+          </a:p>
+        </p:txBody>
+      </p:sp>
+      <p:sp>
+        <p:nvSpPr>
+          <p:cNvPr id="3" name="Metin Yer Tutucusu 2">
+            <a:extLst>
+              <a:ext uri="{FF2B5EF4-FFF2-40B4-BE49-F238E27FC236}">
+                <a16:creationId xmlns:a16="http://schemas.microsoft.com/office/drawing/2014/main" id="{145272EF-3A8F-1D07-E964-C0AA18121A2B}"/>
+              </a:ext>
+            </a:extLst>
+          </p:cNvPr>
+          <p:cNvSpPr>
+            <a:spLocks noGrp="1"/>
+          </p:cNvSpPr>
+          <p:nvPr>
+            <p:ph type="body" idx="1"/>
+          </p:nvPr>
+        </p:nvSpPr>
+        <p:spPr/>
+        <p:txBody>
+          <a:bodyPr/>
+          <a:lstStyle/>
+          <a:p>
+            <a:br>
+              <a:rPr lang="tr-TR" dirty="0"/>
+            </a:br>
+            <a:endParaRPr lang="tr-DE" dirty="0"/>
+          </a:p>
+        </p:txBody>
+      </p:sp>
+      <p:sp>
+        <p:nvSpPr>
+          <p:cNvPr id="4" name="Alt Bilgi Yer Tutucusu 3">
+            <a:extLst>
+              <a:ext uri="{FF2B5EF4-FFF2-40B4-BE49-F238E27FC236}">
+                <a16:creationId xmlns:a16="http://schemas.microsoft.com/office/drawing/2014/main" id="{5DFCB94A-C890-9729-8360-F00136553C85}"/>
+              </a:ext>
+            </a:extLst>
+          </p:cNvPr>
+          <p:cNvSpPr>
+            <a:spLocks noGrp="1"/>
+          </p:cNvSpPr>
+          <p:nvPr>
+            <p:ph type="ftr" sz="quarter" idx="3"/>
+          </p:nvPr>
+        </p:nvSpPr>
+        <p:spPr/>
+        <p:txBody>
+          <a:bodyPr/>
+          <a:lstStyle/>
+          <a:p>
+            <a:r>
+              <a:rPr lang="de-DE"/>
+              <a:t>Georg-August-Universität Göttingen</a:t>
+            </a:r>
+            <a:endParaRPr lang="de-DE" dirty="0"/>
+          </a:p>
+        </p:txBody>
+      </p:sp>
+      <p:sp>
+        <p:nvSpPr>
+          <p:cNvPr id="5" name="Veri Yer Tutucusu 4">
+            <a:extLst>
+              <a:ext uri="{FF2B5EF4-FFF2-40B4-BE49-F238E27FC236}">
+                <a16:creationId xmlns:a16="http://schemas.microsoft.com/office/drawing/2014/main" id="{338F1887-2BEF-69D7-01FE-EAED08E99528}"/>
+              </a:ext>
+            </a:extLst>
+          </p:cNvPr>
+          <p:cNvSpPr>
+            <a:spLocks noGrp="1"/>
+          </p:cNvSpPr>
+          <p:nvPr>
+            <p:ph type="dt" sz="half" idx="2"/>
+          </p:nvPr>
+        </p:nvSpPr>
+        <p:spPr/>
+        <p:txBody>
+          <a:bodyPr/>
+          <a:lstStyle/>
+          <a:p>
+            <a:fld id="{ACF5EF15-2C16-6A49-87B6-C5AFB945A04B}" type="datetime1">
+              <a:rPr lang="de-DE" smtClean="0"/>
+              <a:pPr/>
+              <a:t>24.06.25</a:t>
+            </a:fld>
+            <a:endParaRPr lang="en-US" dirty="0"/>
+          </a:p>
+        </p:txBody>
+      </p:sp>
+      <p:sp>
+        <p:nvSpPr>
+          <p:cNvPr id="6" name="Slayt Numarası Yer Tutucusu 5">
+            <a:extLst>
+              <a:ext uri="{FF2B5EF4-FFF2-40B4-BE49-F238E27FC236}">
+                <a16:creationId xmlns:a16="http://schemas.microsoft.com/office/drawing/2014/main" id="{CAC20968-1940-418C-88E1-2566F1E6CA13}"/>
+              </a:ext>
+            </a:extLst>
+          </p:cNvPr>
+          <p:cNvSpPr>
+            <a:spLocks noGrp="1"/>
+          </p:cNvSpPr>
+          <p:nvPr>
+            <p:ph type="sldNum" sz="quarter" idx="4"/>
+          </p:nvPr>
+        </p:nvSpPr>
+        <p:spPr/>
+        <p:txBody>
+          <a:bodyPr/>
+          <a:lstStyle/>
+          <a:p>
+            <a:fld id="{B6F15528-21DE-4FAA-801E-634DDDAF4B2B}" type="slidenum">
+              <a:rPr lang="de-DE" smtClean="0"/>
+              <a:pPr/>
+              <a:t>17</a:t>
+            </a:fld>
+            <a:endParaRPr lang="de-DE" dirty="0"/>
+          </a:p>
+        </p:txBody>
+      </p:sp>
+      <p:sp>
+        <p:nvSpPr>
+          <p:cNvPr id="7" name="Metin Yer Tutucusu 6">
+            <a:extLst>
+              <a:ext uri="{FF2B5EF4-FFF2-40B4-BE49-F238E27FC236}">
+                <a16:creationId xmlns:a16="http://schemas.microsoft.com/office/drawing/2014/main" id="{AD54102A-B7CF-F999-3EBA-DB099F4624A4}"/>
+              </a:ext>
+            </a:extLst>
+          </p:cNvPr>
+          <p:cNvSpPr>
+            <a:spLocks noGrp="1"/>
+          </p:cNvSpPr>
+          <p:nvPr>
+            <p:ph type="body" sz="quarter" idx="12"/>
+          </p:nvPr>
+        </p:nvSpPr>
+        <p:spPr/>
+        <p:txBody>
+          <a:bodyPr/>
+          <a:lstStyle/>
+          <a:p>
+            <a:endParaRPr lang="tr-DE"/>
+          </a:p>
+        </p:txBody>
+      </p:sp>
+      <p:sp>
+        <p:nvSpPr>
+          <p:cNvPr id="9" name="Textfeld 8">
+            <a:extLst>
+              <a:ext uri="{FF2B5EF4-FFF2-40B4-BE49-F238E27FC236}">
+                <a16:creationId xmlns:a16="http://schemas.microsoft.com/office/drawing/2014/main" id="{7EE632FF-4402-4318-B626-5ED8D8B8D120}"/>
+              </a:ext>
+            </a:extLst>
+          </p:cNvPr>
+          <p:cNvSpPr txBox="1"/>
+          <p:nvPr/>
+        </p:nvSpPr>
+        <p:spPr>
+          <a:xfrm>
+            <a:off x="735296" y="1751062"/>
+            <a:ext cx="4572000" cy="2339102"/>
+          </a:xfrm>
+          <a:prstGeom prst="rect">
+            <a:avLst/>
+          </a:prstGeom>
+          <a:noFill/>
+        </p:spPr>
+        <p:txBody>
+          <a:bodyPr wrap="square">
+            <a:spAutoFit/>
+          </a:bodyPr>
+          <a:lstStyle/>
+          <a:p>
+            <a:pPr marL="0" marR="0" lvl="0" indent="0" defTabSz="914400" rtl="0" eaLnBrk="1" fontAlgn="auto" latinLnBrk="0" hangingPunct="1">
+              <a:lnSpc>
+                <a:spcPct val="100000"/>
+              </a:lnSpc>
+              <a:spcBef>
+                <a:spcPts val="0"/>
+              </a:spcBef>
+              <a:spcAft>
+                <a:spcPts val="0"/>
+              </a:spcAft>
+              <a:buClrTx/>
+              <a:buSzTx/>
+              <a:buFontTx/>
+              <a:buNone/>
+              <a:tabLst/>
+              <a:defRPr/>
+            </a:pPr>
+            <a:r>
+              <a:rPr kumimoji="0" lang="tr-TR" sz="1800" b="0" i="0" u="none" strike="noStrike" kern="0" cap="none" spc="0" normalizeH="0" baseline="0" noProof="0" dirty="0">
+                <a:ln>
+                  <a:noFill/>
+                </a:ln>
+                <a:solidFill>
+                  <a:srgbClr val="595959"/>
+                </a:solidFill>
+                <a:effectLst/>
+                <a:uLnTx/>
+                <a:uFillTx/>
+                <a:latin typeface="Arial" panose="020B0604020202020204" pitchFamily="34" charset="0"/>
+                <a:ea typeface="+mn-ea"/>
+              </a:rPr>
+              <a:t>4. Add Attention Layers or Other Architecture Components</a:t>
+            </a:r>
+            <a:endParaRPr kumimoji="0" lang="tr-TR" sz="2000" b="0" i="0" u="none" strike="noStrike" kern="0" cap="none" spc="0" normalizeH="0" baseline="0" noProof="0" dirty="0">
+              <a:ln>
+                <a:noFill/>
+              </a:ln>
+              <a:solidFill>
+                <a:srgbClr val="575756"/>
+              </a:solidFill>
+              <a:effectLst/>
+              <a:uLnTx/>
+              <a:uFillTx/>
+              <a:latin typeface="Calibri"/>
+              <a:ea typeface="+mn-ea"/>
+            </a:endParaRPr>
+          </a:p>
+          <a:p>
+            <a:pPr marL="0" marR="0" lvl="0" indent="0" defTabSz="914400" rtl="0" eaLnBrk="1" fontAlgn="auto" latinLnBrk="0" hangingPunct="1">
+              <a:lnSpc>
+                <a:spcPct val="100000"/>
+              </a:lnSpc>
+              <a:spcBef>
+                <a:spcPts val="0"/>
+              </a:spcBef>
+              <a:spcAft>
+                <a:spcPts val="0"/>
+              </a:spcAft>
+              <a:buClrTx/>
+              <a:buSzTx/>
+              <a:buFontTx/>
+              <a:buNone/>
+              <a:tabLst/>
+              <a:defRPr/>
+            </a:pPr>
+            <a:br>
+              <a:rPr kumimoji="0" lang="tr-TR" sz="2000" b="0" i="0" u="none" strike="noStrike" kern="0" cap="none" spc="0" normalizeH="0" baseline="0" noProof="0" dirty="0">
+                <a:ln>
+                  <a:noFill/>
+                </a:ln>
+                <a:solidFill>
+                  <a:srgbClr val="575756"/>
+                </a:solidFill>
+                <a:effectLst/>
+                <a:uLnTx/>
+                <a:uFillTx/>
+                <a:latin typeface="Calibri"/>
+                <a:ea typeface="+mn-ea"/>
+              </a:rPr>
+            </a:br>
+            <a:r>
+              <a:rPr kumimoji="0" lang="tr-TR" sz="1800" b="0" i="0" u="none" strike="noStrike" kern="0" cap="none" spc="0" normalizeH="0" baseline="0" noProof="0" dirty="0">
+                <a:ln>
+                  <a:noFill/>
+                </a:ln>
+                <a:solidFill>
+                  <a:srgbClr val="595959"/>
+                </a:solidFill>
+                <a:effectLst/>
+                <a:uLnTx/>
+                <a:uFillTx/>
+                <a:latin typeface="Arial" panose="020B0604020202020204" pitchFamily="34" charset="0"/>
+                <a:ea typeface="+mn-ea"/>
+              </a:rPr>
+              <a:t>If enhancing model capacity:</a:t>
+            </a:r>
+            <a:endParaRPr kumimoji="0" lang="tr-TR" sz="2000" b="0" i="0" u="none" strike="noStrike" kern="0" cap="none" spc="0" normalizeH="0" baseline="0" noProof="0" dirty="0">
+              <a:ln>
+                <a:noFill/>
+              </a:ln>
+              <a:solidFill>
+                <a:srgbClr val="575756"/>
+              </a:solidFill>
+              <a:effectLst/>
+              <a:uLnTx/>
+              <a:uFillTx/>
+              <a:latin typeface="Calibri"/>
+              <a:ea typeface="+mn-ea"/>
+            </a:endParaRPr>
+          </a:p>
+          <a:p>
+            <a:pPr marL="0" marR="0" lvl="0" indent="0" defTabSz="914400" rtl="0" eaLnBrk="1" fontAlgn="auto" latinLnBrk="0" hangingPunct="1">
+              <a:lnSpc>
+                <a:spcPct val="100000"/>
+              </a:lnSpc>
+              <a:spcBef>
+                <a:spcPts val="0"/>
+              </a:spcBef>
+              <a:spcAft>
+                <a:spcPts val="0"/>
+              </a:spcAft>
+              <a:buClrTx/>
+              <a:buSzTx/>
+              <a:buFontTx/>
+              <a:buNone/>
+              <a:tabLst/>
+              <a:defRPr/>
+            </a:pPr>
+            <a:r>
+              <a:rPr kumimoji="0" lang="tr-TR" sz="1800" b="0" i="0" u="none" strike="noStrike" kern="0" cap="none" spc="0" normalizeH="0" baseline="0" noProof="0" dirty="0">
+                <a:ln>
+                  <a:noFill/>
+                </a:ln>
+                <a:solidFill>
+                  <a:srgbClr val="595959"/>
+                </a:solidFill>
+                <a:effectLst/>
+                <a:uLnTx/>
+                <a:uFillTx/>
+                <a:latin typeface="Arial" panose="020B0604020202020204" pitchFamily="34" charset="0"/>
+                <a:ea typeface="+mn-ea"/>
+              </a:rPr>
+              <a:t>• Use Dropout, BatchNorm, Residual Blocks, or Attention modules.</a:t>
+            </a:r>
+            <a:endParaRPr kumimoji="0" lang="tr-TR" sz="2000" b="0" i="0" u="none" strike="noStrike" kern="0" cap="none" spc="0" normalizeH="0" baseline="0" noProof="0" dirty="0">
+              <a:ln>
+                <a:noFill/>
+              </a:ln>
+              <a:solidFill>
+                <a:srgbClr val="575756"/>
+              </a:solidFill>
+              <a:effectLst/>
+              <a:uLnTx/>
+              <a:uFillTx/>
+              <a:latin typeface="Calibri"/>
+              <a:ea typeface="+mn-ea"/>
+            </a:endParaRPr>
+          </a:p>
+          <a:p>
+            <a:pPr marL="0" marR="0" lvl="0" indent="0" defTabSz="914400" rtl="0" eaLnBrk="1" fontAlgn="auto" latinLnBrk="0" hangingPunct="1">
+              <a:lnSpc>
+                <a:spcPct val="100000"/>
+              </a:lnSpc>
+              <a:spcBef>
+                <a:spcPts val="0"/>
+              </a:spcBef>
+              <a:spcAft>
+                <a:spcPts val="0"/>
+              </a:spcAft>
+              <a:buClrTx/>
+              <a:buSzTx/>
+              <a:buFontTx/>
+              <a:buNone/>
+              <a:tabLst/>
+              <a:defRPr/>
+            </a:pPr>
+            <a:r>
+              <a:rPr kumimoji="0" lang="tr-TR" sz="1800" b="0" i="0" u="none" strike="noStrike" kern="0" cap="none" spc="0" normalizeH="0" baseline="0" noProof="0" dirty="0">
+                <a:ln>
+                  <a:noFill/>
+                </a:ln>
+                <a:solidFill>
+                  <a:srgbClr val="595959"/>
+                </a:solidFill>
+                <a:effectLst/>
+                <a:uLnTx/>
+                <a:uFillTx/>
+                <a:latin typeface="Arial" panose="020B0604020202020204" pitchFamily="34" charset="0"/>
+                <a:ea typeface="+mn-ea"/>
+              </a:rPr>
+              <a:t>• the preprocessed images could be turned into more complex CNN architectures.</a:t>
+            </a:r>
+            <a:endParaRPr kumimoji="0" lang="tr-TR" sz="2000" b="0" i="0" u="none" strike="noStrike" kern="0" cap="none" spc="0" normalizeH="0" baseline="0" noProof="0" dirty="0">
+              <a:ln>
+                <a:noFill/>
+              </a:ln>
+              <a:solidFill>
+                <a:srgbClr val="575756"/>
+              </a:solidFill>
+              <a:effectLst/>
+              <a:uLnTx/>
+              <a:uFillTx/>
+              <a:latin typeface="Calibri"/>
+              <a:ea typeface="+mn-ea"/>
+            </a:endParaRPr>
+          </a:p>
+        </p:txBody>
+      </p:sp>
+    </p:spTree>
+    <p:extLst>
+      <p:ext uri="{BB962C8B-B14F-4D97-AF65-F5344CB8AC3E}">
+        <p14:creationId xmlns:p14="http://schemas.microsoft.com/office/powerpoint/2010/main" val="2598749645"/>
+      </p:ext>
+    </p:extLst>
+  </p:cSld>
+  <p:clrMapOvr>
+    <a:masterClrMapping/>
+  </p:clrMapOvr>
+</p:sld>
+</file>
+
+<file path=ppt/slides/slide18.xml><?xml version="1.0" encoding="utf-8"?>
+<p:sld xmlns:a="http://schemas.openxmlformats.org/drawingml/2006/main" xmlns:r="http://schemas.openxmlformats.org/officeDocument/2006/relationships" xmlns:p="http://schemas.openxmlformats.org/presentationml/2006/main">
+  <p:cSld>
+    <p:spTree>
+      <p:nvGrpSpPr>
+        <p:cNvPr id="1" name=""/>
+        <p:cNvGrpSpPr/>
+        <p:nvPr/>
+      </p:nvGrpSpPr>
+      <p:grpSpPr>
+        <a:xfrm>
+          <a:off x="0" y="0"/>
+          <a:ext cx="0" cy="0"/>
+          <a:chOff x="0" y="0"/>
+          <a:chExt cx="0" cy="0"/>
+        </a:xfrm>
+      </p:grpSpPr>
+      <p:sp>
+        <p:nvSpPr>
+          <p:cNvPr id="2" name="Titel 1">
+            <a:extLst>
+              <a:ext uri="{FF2B5EF4-FFF2-40B4-BE49-F238E27FC236}">
+                <a16:creationId xmlns:a16="http://schemas.microsoft.com/office/drawing/2014/main" id="{7CCA4E1C-E83F-4CD7-99D7-D6CE0C4D1408}"/>
+              </a:ext>
+            </a:extLst>
+          </p:cNvPr>
+          <p:cNvSpPr>
+            <a:spLocks noGrp="1"/>
+          </p:cNvSpPr>
+          <p:nvPr>
+            <p:ph type="title"/>
+          </p:nvPr>
+        </p:nvSpPr>
+        <p:spPr/>
+        <p:txBody>
+          <a:bodyPr/>
+          <a:lstStyle/>
+          <a:p>
+            <a:r>
+              <a:rPr lang="de-DE" dirty="0" err="1"/>
+              <a:t>Example</a:t>
+            </a:r>
+            <a:r>
+              <a:rPr lang="de-DE" dirty="0"/>
+              <a:t> Sources </a:t>
+            </a:r>
+            <a:r>
+              <a:rPr lang="de-DE" dirty="0" err="1"/>
+              <a:t>for</a:t>
+            </a:r>
+            <a:r>
+              <a:rPr lang="de-DE" dirty="0"/>
+              <a:t> Image Processing </a:t>
+            </a:r>
+            <a:r>
+              <a:rPr lang="de-DE" dirty="0" err="1"/>
+              <a:t>with</a:t>
+            </a:r>
+            <a:r>
+              <a:rPr lang="de-DE" dirty="0"/>
+              <a:t> CNN</a:t>
+            </a:r>
+          </a:p>
+        </p:txBody>
+      </p:sp>
+      <p:sp>
+        <p:nvSpPr>
+          <p:cNvPr id="3" name="Textplatzhalter 2">
+            <a:extLst>
+              <a:ext uri="{FF2B5EF4-FFF2-40B4-BE49-F238E27FC236}">
+                <a16:creationId xmlns:a16="http://schemas.microsoft.com/office/drawing/2014/main" id="{51D4C2B8-A64F-46A9-A7B1-CC30A62E355D}"/>
+              </a:ext>
+            </a:extLst>
+          </p:cNvPr>
+          <p:cNvSpPr>
+            <a:spLocks noGrp="1"/>
+          </p:cNvSpPr>
+          <p:nvPr>
+            <p:ph type="body" idx="1"/>
+          </p:nvPr>
+        </p:nvSpPr>
+        <p:spPr>
+          <a:xfrm>
+            <a:off x="971600" y="2211710"/>
+            <a:ext cx="5786438" cy="230832"/>
+          </a:xfrm>
+        </p:spPr>
+        <p:txBody>
+          <a:bodyPr/>
+          <a:lstStyle/>
+          <a:p>
+            <a:r>
+              <a:rPr lang="en-US" dirty="0">
+                <a:hlinkClick r:id="rId2"/>
+              </a:rPr>
+              <a:t>python - How to feed images into a CNN - Stack Overflow</a:t>
+            </a:r>
+            <a:endParaRPr lang="en-US" dirty="0"/>
+          </a:p>
+          <a:p>
+            <a:r>
+              <a:rPr lang="en-US" dirty="0">
+                <a:hlinkClick r:id="rId3"/>
+              </a:rPr>
+              <a:t>Image Processing Using CNN: A Beginners Guide</a:t>
+            </a:r>
+            <a:endParaRPr lang="de-DE" dirty="0"/>
+          </a:p>
+        </p:txBody>
+      </p:sp>
+      <p:sp>
+        <p:nvSpPr>
+          <p:cNvPr id="4" name="Fußzeilenplatzhalter 3">
+            <a:extLst>
+              <a:ext uri="{FF2B5EF4-FFF2-40B4-BE49-F238E27FC236}">
+                <a16:creationId xmlns:a16="http://schemas.microsoft.com/office/drawing/2014/main" id="{646AD7EB-16EE-46A2-B0EF-8E36F0FB8836}"/>
+              </a:ext>
+            </a:extLst>
+          </p:cNvPr>
+          <p:cNvSpPr>
+            <a:spLocks noGrp="1"/>
+          </p:cNvSpPr>
+          <p:nvPr>
+            <p:ph type="ftr" sz="quarter" idx="3"/>
+          </p:nvPr>
+        </p:nvSpPr>
+        <p:spPr/>
+        <p:txBody>
+          <a:bodyPr/>
+          <a:lstStyle/>
+          <a:p>
+            <a:r>
+              <a:rPr lang="de-DE"/>
+              <a:t>Georg-August-Universität Göttingen</a:t>
+            </a:r>
+            <a:endParaRPr lang="de-DE" dirty="0"/>
+          </a:p>
+        </p:txBody>
+      </p:sp>
+      <p:sp>
+        <p:nvSpPr>
+          <p:cNvPr id="5" name="Datumsplatzhalter 4">
+            <a:extLst>
+              <a:ext uri="{FF2B5EF4-FFF2-40B4-BE49-F238E27FC236}">
+                <a16:creationId xmlns:a16="http://schemas.microsoft.com/office/drawing/2014/main" id="{696EFC4D-D781-4C9E-A83D-2C56E98B784E}"/>
+              </a:ext>
+            </a:extLst>
+          </p:cNvPr>
+          <p:cNvSpPr>
+            <a:spLocks noGrp="1"/>
+          </p:cNvSpPr>
+          <p:nvPr>
+            <p:ph type="dt" sz="half" idx="2"/>
+          </p:nvPr>
+        </p:nvSpPr>
+        <p:spPr/>
+        <p:txBody>
+          <a:bodyPr/>
+          <a:lstStyle/>
+          <a:p>
+            <a:fld id="{ACF5EF15-2C16-6A49-87B6-C5AFB945A04B}" type="datetime1">
+              <a:rPr lang="de-DE" smtClean="0"/>
+              <a:pPr/>
+              <a:t>24.06.25</a:t>
+            </a:fld>
+            <a:endParaRPr lang="en-US" dirty="0"/>
+          </a:p>
+        </p:txBody>
+      </p:sp>
+      <p:sp>
+        <p:nvSpPr>
+          <p:cNvPr id="6" name="Foliennummernplatzhalter 5">
+            <a:extLst>
+              <a:ext uri="{FF2B5EF4-FFF2-40B4-BE49-F238E27FC236}">
+                <a16:creationId xmlns:a16="http://schemas.microsoft.com/office/drawing/2014/main" id="{308A168A-537E-405A-81A2-10C6D30E43AA}"/>
+              </a:ext>
+            </a:extLst>
+          </p:cNvPr>
+          <p:cNvSpPr>
+            <a:spLocks noGrp="1"/>
+          </p:cNvSpPr>
+          <p:nvPr>
+            <p:ph type="sldNum" sz="quarter" idx="4"/>
+          </p:nvPr>
+        </p:nvSpPr>
+        <p:spPr/>
+        <p:txBody>
+          <a:bodyPr/>
+          <a:lstStyle/>
+          <a:p>
+            <a:fld id="{B6F15528-21DE-4FAA-801E-634DDDAF4B2B}" type="slidenum">
+              <a:rPr lang="de-DE" smtClean="0"/>
+              <a:pPr/>
+              <a:t>18</a:t>
+            </a:fld>
+            <a:endParaRPr lang="de-DE" dirty="0"/>
+          </a:p>
+        </p:txBody>
+      </p:sp>
+      <p:sp>
+        <p:nvSpPr>
+          <p:cNvPr id="7" name="Textplatzhalter 6">
+            <a:extLst>
+              <a:ext uri="{FF2B5EF4-FFF2-40B4-BE49-F238E27FC236}">
+                <a16:creationId xmlns:a16="http://schemas.microsoft.com/office/drawing/2014/main" id="{9D200EB0-04F5-4F7B-A96A-E87218A26A39}"/>
+              </a:ext>
+            </a:extLst>
+          </p:cNvPr>
+          <p:cNvSpPr>
+            <a:spLocks noGrp="1"/>
+          </p:cNvSpPr>
+          <p:nvPr>
+            <p:ph type="body" sz="quarter" idx="12"/>
+          </p:nvPr>
+        </p:nvSpPr>
+        <p:spPr/>
+        <p:txBody>
+          <a:bodyPr/>
+          <a:lstStyle/>
+          <a:p>
+            <a:endParaRPr lang="de-DE"/>
+          </a:p>
+        </p:txBody>
+      </p:sp>
+    </p:spTree>
+    <p:extLst>
+      <p:ext uri="{BB962C8B-B14F-4D97-AF65-F5344CB8AC3E}">
+        <p14:creationId xmlns:p14="http://schemas.microsoft.com/office/powerpoint/2010/main" val="3616688438"/>
+      </p:ext>
+    </p:extLst>
+  </p:cSld>
+  <p:clrMapOvr>
+    <a:masterClrMapping/>
+  </p:clrMapOvr>
+</p:sld>
+</file>
+
+<file path=ppt/slides/slide19.xml><?xml version="1.0" encoding="utf-8"?>
 <p:sld xmlns:a="http://schemas.openxmlformats.org/drawingml/2006/main" xmlns:r="http://schemas.openxmlformats.org/officeDocument/2006/relationships" xmlns:p="http://schemas.openxmlformats.org/presentationml/2006/main">
   <p:cSld>
     <p:spTree>
@@ -3798,7 +8145,7 @@
                 <a:cs typeface="Times New Roman" panose="02020603050405020304" pitchFamily="18" charset="0"/>
               </a:rPr>
               <a:pPr/>
-              <a:t>14</a:t>
+              <a:t>19</a:t>
             </a:fld>
             <a:endParaRPr lang="de-DE" dirty="0">
               <a:latin typeface="Times New Roman" panose="02020603050405020304" pitchFamily="18" charset="0"/>
@@ -4644,7 +8991,12 @@
             <p:ph type="title"/>
           </p:nvPr>
         </p:nvSpPr>
-        <p:spPr/>
+        <p:spPr>
+          <a:xfrm>
+            <a:off x="660800" y="856522"/>
+            <a:ext cx="7623279" cy="430887"/>
+          </a:xfrm>
+        </p:spPr>
         <p:txBody>
           <a:bodyPr/>
           <a:lstStyle/>
@@ -4677,7 +9029,7 @@
         </p:nvSpPr>
         <p:spPr>
           <a:xfrm>
-            <a:off x="660800" y="1635646"/>
+            <a:off x="660800" y="1419622"/>
             <a:ext cx="5786438" cy="230832"/>
           </a:xfrm>
         </p:spPr>
@@ -4957,6 +9309,309 @@
         <p14:creationId xmlns:p14="http://schemas.microsoft.com/office/powerpoint/2010/main" val="1046724856"/>
       </p:ext>
     </p:extLst>
+  </p:cSld>
+  <p:clrMapOvr>
+    <a:masterClrMapping/>
+  </p:clrMapOvr>
+</p:sld>
+</file>
+
+<file path=ppt/slides/slide20.xml><?xml version="1.0" encoding="utf-8"?>
+<p:sld xmlns:a="http://schemas.openxmlformats.org/drawingml/2006/main" xmlns:r="http://schemas.openxmlformats.org/officeDocument/2006/relationships" xmlns:p="http://schemas.openxmlformats.org/presentationml/2006/main">
+  <p:cSld>
+    <p:spTree>
+      <p:nvGrpSpPr>
+        <p:cNvPr id="1" name="Shape 50"/>
+        <p:cNvGrpSpPr/>
+        <p:nvPr/>
+      </p:nvGrpSpPr>
+      <p:grpSpPr>
+        <a:xfrm>
+          <a:off x="0" y="0"/>
+          <a:ext cx="0" cy="0"/>
+          <a:chOff x="0" y="0"/>
+          <a:chExt cx="0" cy="0"/>
+        </a:xfrm>
+      </p:grpSpPr>
+      <p:sp>
+        <p:nvSpPr>
+          <p:cNvPr id="51" name="Google Shape;51;p6"/>
+          <p:cNvSpPr txBox="1">
+            <a:spLocks noGrp="1"/>
+          </p:cNvSpPr>
+          <p:nvPr>
+            <p:ph type="title"/>
+          </p:nvPr>
+        </p:nvSpPr>
+        <p:spPr>
+          <a:xfrm>
+            <a:off x="660800" y="988761"/>
+            <a:ext cx="7623300" cy="430800"/>
+          </a:xfrm>
+          <a:prstGeom prst="rect">
+            <a:avLst/>
+          </a:prstGeom>
+        </p:spPr>
+        <p:txBody>
+          <a:bodyPr spcFirstLastPara="1" wrap="square" lIns="0" tIns="0" rIns="0" bIns="0" anchor="t" anchorCtr="0">
+            <a:noAutofit/>
+          </a:bodyPr>
+          <a:lstStyle/>
+          <a:p>
+            <a:pPr marL="0" lvl="0" indent="0" algn="l" rtl="0">
+              <a:spcBef>
+                <a:spcPts val="0"/>
+              </a:spcBef>
+              <a:spcAft>
+                <a:spcPts val="0"/>
+              </a:spcAft>
+              <a:buNone/>
+            </a:pPr>
+            <a:r>
+              <a:rPr lang="en-US" dirty="0">
+                <a:latin typeface="Times New Roman" panose="02020603050405020304" pitchFamily="18" charset="0"/>
+                <a:cs typeface="Times New Roman" panose="02020603050405020304" pitchFamily="18" charset="0"/>
+              </a:rPr>
+              <a:t>Questions </a:t>
+            </a:r>
+            <a:endParaRPr dirty="0">
+              <a:latin typeface="Times New Roman" panose="02020603050405020304" pitchFamily="18" charset="0"/>
+              <a:cs typeface="Times New Roman" panose="02020603050405020304" pitchFamily="18" charset="0"/>
+            </a:endParaRPr>
+          </a:p>
+        </p:txBody>
+      </p:sp>
+      <p:sp>
+        <p:nvSpPr>
+          <p:cNvPr id="52" name="Google Shape;52;p6"/>
+          <p:cNvSpPr txBox="1">
+            <a:spLocks noGrp="1"/>
+          </p:cNvSpPr>
+          <p:nvPr>
+            <p:ph type="body" idx="1"/>
+          </p:nvPr>
+        </p:nvSpPr>
+        <p:spPr>
+          <a:xfrm>
+            <a:off x="660800" y="1635646"/>
+            <a:ext cx="5786400" cy="1749000"/>
+          </a:xfrm>
+          <a:prstGeom prst="rect">
+            <a:avLst/>
+          </a:prstGeom>
+        </p:spPr>
+        <p:txBody>
+          <a:bodyPr spcFirstLastPara="1" wrap="square" lIns="0" tIns="0" rIns="0" bIns="0" anchor="t" anchorCtr="0">
+            <a:noAutofit/>
+          </a:bodyPr>
+          <a:lstStyle/>
+          <a:p>
+            <a:pPr marL="482600" lvl="0" indent="-342900" algn="l" rtl="0">
+              <a:spcBef>
+                <a:spcPts val="0"/>
+              </a:spcBef>
+              <a:spcAft>
+                <a:spcPts val="0"/>
+              </a:spcAft>
+              <a:buSzPts val="1400"/>
+              <a:buFont typeface="Wingdings" pitchFamily="2" charset="2"/>
+              <a:buChar char="Ø"/>
+            </a:pPr>
+            <a:r>
+              <a:rPr lang="en-US" dirty="0">
+                <a:solidFill>
+                  <a:schemeClr val="tx1"/>
+                </a:solidFill>
+                <a:latin typeface="Times New Roman" panose="02020603050405020304" pitchFamily="18" charset="0"/>
+                <a:cs typeface="Times New Roman" panose="02020603050405020304" pitchFamily="18" charset="0"/>
+              </a:rPr>
+              <a:t>Are we allowed to use LLMs for text to numerical values ? </a:t>
+            </a:r>
+            <a:endParaRPr dirty="0">
+              <a:solidFill>
+                <a:schemeClr val="tx1"/>
+              </a:solidFill>
+              <a:latin typeface="Times New Roman" panose="02020603050405020304" pitchFamily="18" charset="0"/>
+              <a:cs typeface="Times New Roman" panose="02020603050405020304" pitchFamily="18" charset="0"/>
+            </a:endParaRPr>
+          </a:p>
+          <a:p>
+            <a:pPr marL="482600" lvl="0" indent="-342900" algn="l" rtl="0">
+              <a:spcBef>
+                <a:spcPts val="0"/>
+              </a:spcBef>
+              <a:spcAft>
+                <a:spcPts val="0"/>
+              </a:spcAft>
+              <a:buSzPts val="1400"/>
+              <a:buFont typeface="Wingdings" pitchFamily="2" charset="2"/>
+              <a:buChar char="Ø"/>
+            </a:pPr>
+            <a:r>
+              <a:rPr lang="en-US" dirty="0">
+                <a:solidFill>
+                  <a:schemeClr val="tx1"/>
+                </a:solidFill>
+                <a:latin typeface="Times New Roman" panose="02020603050405020304" pitchFamily="18" charset="0"/>
+                <a:cs typeface="Times New Roman" panose="02020603050405020304" pitchFamily="18" charset="0"/>
+              </a:rPr>
+              <a:t>What would be a good feature count ?</a:t>
+            </a:r>
+            <a:endParaRPr dirty="0">
+              <a:solidFill>
+                <a:schemeClr val="tx1"/>
+              </a:solidFill>
+              <a:latin typeface="Times New Roman" panose="02020603050405020304" pitchFamily="18" charset="0"/>
+              <a:cs typeface="Times New Roman" panose="02020603050405020304" pitchFamily="18" charset="0"/>
+            </a:endParaRPr>
+          </a:p>
+          <a:p>
+            <a:pPr marL="482600" lvl="0" indent="-342900" algn="l" rtl="0">
+              <a:spcBef>
+                <a:spcPts val="0"/>
+              </a:spcBef>
+              <a:spcAft>
+                <a:spcPts val="0"/>
+              </a:spcAft>
+              <a:buSzPts val="1400"/>
+              <a:buFont typeface="Wingdings" pitchFamily="2" charset="2"/>
+              <a:buChar char="Ø"/>
+            </a:pPr>
+            <a:r>
+              <a:rPr lang="en-US" dirty="0">
+                <a:solidFill>
+                  <a:schemeClr val="tx1"/>
+                </a:solidFill>
+                <a:latin typeface="Times New Roman" panose="02020603050405020304" pitchFamily="18" charset="0"/>
+                <a:cs typeface="Times New Roman" panose="02020603050405020304" pitchFamily="18" charset="0"/>
+              </a:rPr>
+              <a:t>Join, save - takes long time any suggestions</a:t>
+            </a:r>
+            <a:endParaRPr dirty="0">
+              <a:solidFill>
+                <a:schemeClr val="tx1"/>
+              </a:solidFill>
+              <a:latin typeface="Times New Roman" panose="02020603050405020304" pitchFamily="18" charset="0"/>
+              <a:cs typeface="Times New Roman" panose="02020603050405020304" pitchFamily="18" charset="0"/>
+            </a:endParaRPr>
+          </a:p>
+          <a:p>
+            <a:pPr marL="482600" lvl="0" indent="-342900" algn="l" rtl="0">
+              <a:spcBef>
+                <a:spcPts val="0"/>
+              </a:spcBef>
+              <a:spcAft>
+                <a:spcPts val="0"/>
+              </a:spcAft>
+              <a:buSzPts val="1400"/>
+              <a:buFont typeface="Wingdings" pitchFamily="2" charset="2"/>
+              <a:buChar char="Ø"/>
+            </a:pPr>
+            <a:r>
+              <a:rPr lang="en-US" dirty="0">
+                <a:solidFill>
+                  <a:schemeClr val="tx1"/>
+                </a:solidFill>
+                <a:latin typeface="Times New Roman" panose="02020603050405020304" pitchFamily="18" charset="0"/>
+                <a:cs typeface="Times New Roman" panose="02020603050405020304" pitchFamily="18" charset="0"/>
+              </a:rPr>
+              <a:t>Avg of pricing ? </a:t>
+            </a:r>
+            <a:endParaRPr dirty="0">
+              <a:solidFill>
+                <a:schemeClr val="tx1"/>
+              </a:solidFill>
+              <a:latin typeface="Times New Roman" panose="02020603050405020304" pitchFamily="18" charset="0"/>
+              <a:cs typeface="Times New Roman" panose="02020603050405020304" pitchFamily="18" charset="0"/>
+            </a:endParaRPr>
+          </a:p>
+        </p:txBody>
+      </p:sp>
+      <p:sp>
+        <p:nvSpPr>
+          <p:cNvPr id="53" name="Google Shape;53;p6"/>
+          <p:cNvSpPr txBox="1">
+            <a:spLocks noGrp="1"/>
+          </p:cNvSpPr>
+          <p:nvPr>
+            <p:ph type="sldNum" idx="12"/>
+          </p:nvPr>
+        </p:nvSpPr>
+        <p:spPr>
+          <a:xfrm>
+            <a:off x="8322472" y="4894526"/>
+            <a:ext cx="603000" cy="128400"/>
+          </a:xfrm>
+          <a:prstGeom prst="rect">
+            <a:avLst/>
+          </a:prstGeom>
+        </p:spPr>
+        <p:txBody>
+          <a:bodyPr spcFirstLastPara="1" wrap="square" lIns="0" tIns="0" rIns="0" bIns="0" anchor="t" anchorCtr="0">
+            <a:noAutofit/>
+          </a:bodyPr>
+          <a:lstStyle/>
+          <a:p>
+            <a:pPr marL="0" lvl="0" indent="0" algn="r" rtl="0">
+              <a:spcBef>
+                <a:spcPts val="0"/>
+              </a:spcBef>
+              <a:spcAft>
+                <a:spcPts val="0"/>
+              </a:spcAft>
+              <a:buClr>
+                <a:srgbClr val="000000"/>
+              </a:buClr>
+              <a:buFont typeface="Arial"/>
+              <a:buNone/>
+            </a:pPr>
+            <a:fld id="{00000000-1234-1234-1234-123412341234}" type="slidenum">
+              <a:rPr lang="en-US"/>
+              <a:t>20</a:t>
+            </a:fld>
+            <a:endParaRPr/>
+          </a:p>
+        </p:txBody>
+      </p:sp>
+      <p:sp>
+        <p:nvSpPr>
+          <p:cNvPr id="54" name="Google Shape;54;p6"/>
+          <p:cNvSpPr txBox="1">
+            <a:spLocks noGrp="1"/>
+          </p:cNvSpPr>
+          <p:nvPr>
+            <p:ph type="body" idx="2"/>
+          </p:nvPr>
+        </p:nvSpPr>
+        <p:spPr>
+          <a:xfrm>
+            <a:off x="5965034" y="277939"/>
+            <a:ext cx="2839500" cy="184800"/>
+          </a:xfrm>
+          <a:prstGeom prst="rect">
+            <a:avLst/>
+          </a:prstGeom>
+        </p:spPr>
+        <p:txBody>
+          <a:bodyPr spcFirstLastPara="1" wrap="square" lIns="91425" tIns="45700" rIns="91425" bIns="45700" anchor="t" anchorCtr="0">
+            <a:noAutofit/>
+          </a:bodyPr>
+          <a:lstStyle/>
+          <a:p>
+            <a:pPr marL="0" lvl="0" indent="0" algn="r" rtl="0">
+              <a:spcBef>
+                <a:spcPts val="0"/>
+              </a:spcBef>
+              <a:spcAft>
+                <a:spcPts val="0"/>
+              </a:spcAft>
+              <a:buNone/>
+            </a:pPr>
+            <a:endParaRPr/>
+          </a:p>
+        </p:txBody>
+      </p:sp>
+    </p:spTree>
   </p:cSld>
   <p:clrMapOvr>
     <a:masterClrMapping/>
